--- a/experimental_results/further_experiments.pptx
+++ b/experimental_results/further_experiments.pptx
@@ -5,14 +5,13 @@
     <p:sldMasterId id="2147483648" r:id="rId1"/>
   </p:sldMasterIdLst>
   <p:notesMasterIdLst>
-    <p:notesMasterId r:id="rId7"/>
+    <p:notesMasterId r:id="rId6"/>
   </p:notesMasterIdLst>
   <p:sldIdLst>
-    <p:sldId id="256" r:id="rId2"/>
-    <p:sldId id="257" r:id="rId3"/>
+    <p:sldId id="259" r:id="rId2"/>
+    <p:sldId id="258" r:id="rId3"/>
     <p:sldId id="260" r:id="rId4"/>
-    <p:sldId id="259" r:id="rId5"/>
-    <p:sldId id="258" r:id="rId6"/>
+    <p:sldId id="295" r:id="rId5"/>
   </p:sldIdLst>
   <p:sldSz cx="12192000" cy="6858000"/>
   <p:notesSz cx="6858000" cy="9144000"/>
@@ -111,6 +110,11 @@
       </a:defRPr>
     </a:lvl9pPr>
   </p:defaultTextStyle>
+  <p:extLst>
+    <p:ext uri="{EFAFB233-063F-42B5-8137-9DF3F51BA10A}">
+      <p15:sldGuideLst xmlns:p15="http://schemas.microsoft.com/office/powerpoint/2012/main"/>
+    </p:ext>
+  </p:extLst>
 </p:presentation>
 </file>
 
@@ -196,7 +200,7 @@
           <a:p>
             <a:fld id="{30FE2D08-E942-034B-BC5E-0073D7B3B8D9}" type="datetimeFigureOut">
               <a:rPr lang="de-DE" smtClean="0"/>
-              <a:t>12.10.19</a:t>
+              <a:t>14.10.19</a:t>
             </a:fld>
             <a:endParaRPr lang="de-DE"/>
           </a:p>
@@ -723,7 +727,7 @@
           <a:p>
             <a:fld id="{C0D0D81F-AC1F-3A4B-AC8D-43A67ACD87F2}" type="slidenum">
               <a:rPr lang="de-DE" smtClean="0"/>
-              <a:t>5</a:t>
+              <a:t>2</a:t>
             </a:fld>
             <a:endParaRPr lang="de-DE"/>
           </a:p>
@@ -891,7 +895,7 @@
           <a:p>
             <a:fld id="{1C4B014A-866D-8B43-B9BD-2467D9AD3699}" type="datetimeFigureOut">
               <a:rPr lang="de-DE" smtClean="0"/>
-              <a:t>12.10.19</a:t>
+              <a:t>14.10.19</a:t>
             </a:fld>
             <a:endParaRPr lang="de-DE"/>
           </a:p>
@@ -1091,7 +1095,7 @@
           <a:p>
             <a:fld id="{1C4B014A-866D-8B43-B9BD-2467D9AD3699}" type="datetimeFigureOut">
               <a:rPr lang="de-DE" smtClean="0"/>
-              <a:t>12.10.19</a:t>
+              <a:t>14.10.19</a:t>
             </a:fld>
             <a:endParaRPr lang="de-DE"/>
           </a:p>
@@ -1301,7 +1305,7 @@
           <a:p>
             <a:fld id="{1C4B014A-866D-8B43-B9BD-2467D9AD3699}" type="datetimeFigureOut">
               <a:rPr lang="de-DE" smtClean="0"/>
-              <a:t>12.10.19</a:t>
+              <a:t>14.10.19</a:t>
             </a:fld>
             <a:endParaRPr lang="de-DE"/>
           </a:p>
@@ -1501,7 +1505,7 @@
           <a:p>
             <a:fld id="{1C4B014A-866D-8B43-B9BD-2467D9AD3699}" type="datetimeFigureOut">
               <a:rPr lang="de-DE" smtClean="0"/>
-              <a:t>12.10.19</a:t>
+              <a:t>14.10.19</a:t>
             </a:fld>
             <a:endParaRPr lang="de-DE"/>
           </a:p>
@@ -1777,7 +1781,7 @@
           <a:p>
             <a:fld id="{1C4B014A-866D-8B43-B9BD-2467D9AD3699}" type="datetimeFigureOut">
               <a:rPr lang="de-DE" smtClean="0"/>
-              <a:t>12.10.19</a:t>
+              <a:t>14.10.19</a:t>
             </a:fld>
             <a:endParaRPr lang="de-DE"/>
           </a:p>
@@ -2045,7 +2049,7 @@
           <a:p>
             <a:fld id="{1C4B014A-866D-8B43-B9BD-2467D9AD3699}" type="datetimeFigureOut">
               <a:rPr lang="de-DE" smtClean="0"/>
-              <a:t>12.10.19</a:t>
+              <a:t>14.10.19</a:t>
             </a:fld>
             <a:endParaRPr lang="de-DE"/>
           </a:p>
@@ -2460,7 +2464,7 @@
           <a:p>
             <a:fld id="{1C4B014A-866D-8B43-B9BD-2467D9AD3699}" type="datetimeFigureOut">
               <a:rPr lang="de-DE" smtClean="0"/>
-              <a:t>12.10.19</a:t>
+              <a:t>14.10.19</a:t>
             </a:fld>
             <a:endParaRPr lang="de-DE"/>
           </a:p>
@@ -2602,7 +2606,7 @@
           <a:p>
             <a:fld id="{1C4B014A-866D-8B43-B9BD-2467D9AD3699}" type="datetimeFigureOut">
               <a:rPr lang="de-DE" smtClean="0"/>
-              <a:t>12.10.19</a:t>
+              <a:t>14.10.19</a:t>
             </a:fld>
             <a:endParaRPr lang="de-DE"/>
           </a:p>
@@ -2715,7 +2719,7 @@
           <a:p>
             <a:fld id="{1C4B014A-866D-8B43-B9BD-2467D9AD3699}" type="datetimeFigureOut">
               <a:rPr lang="de-DE" smtClean="0"/>
-              <a:t>12.10.19</a:t>
+              <a:t>14.10.19</a:t>
             </a:fld>
             <a:endParaRPr lang="de-DE"/>
           </a:p>
@@ -3028,7 +3032,7 @@
           <a:p>
             <a:fld id="{1C4B014A-866D-8B43-B9BD-2467D9AD3699}" type="datetimeFigureOut">
               <a:rPr lang="de-DE" smtClean="0"/>
-              <a:t>12.10.19</a:t>
+              <a:t>14.10.19</a:t>
             </a:fld>
             <a:endParaRPr lang="de-DE"/>
           </a:p>
@@ -3317,7 +3321,7 @@
           <a:p>
             <a:fld id="{1C4B014A-866D-8B43-B9BD-2467D9AD3699}" type="datetimeFigureOut">
               <a:rPr lang="de-DE" smtClean="0"/>
-              <a:t>12.10.19</a:t>
+              <a:t>14.10.19</a:t>
             </a:fld>
             <a:endParaRPr lang="de-DE"/>
           </a:p>
@@ -3560,7 +3564,7 @@
           <a:p>
             <a:fld id="{1C4B014A-866D-8B43-B9BD-2467D9AD3699}" type="datetimeFigureOut">
               <a:rPr lang="de-DE" smtClean="0"/>
-              <a:t>12.10.19</a:t>
+              <a:t>14.10.19</a:t>
             </a:fld>
             <a:endParaRPr lang="de-DE"/>
           </a:p>
@@ -3977,4117 +3981,6 @@
           <a:chExt cx="0" cy="0"/>
         </a:xfrm>
       </p:grpSpPr>
-      <p:pic>
-        <p:nvPicPr>
-          <p:cNvPr id="4" name="Picture 3">
-            <a:extLst>
-              <a:ext uri="{FF2B5EF4-FFF2-40B4-BE49-F238E27FC236}">
-                <a16:creationId xmlns:a16="http://schemas.microsoft.com/office/drawing/2014/main" id="{C65B959C-E5BA-F24E-873F-270677E078DB}"/>
-              </a:ext>
-            </a:extLst>
-          </p:cNvPr>
-          <p:cNvPicPr>
-            <a:picLocks noChangeAspect="1"/>
-          </p:cNvPicPr>
-          <p:nvPr/>
-        </p:nvPicPr>
-        <p:blipFill>
-          <a:blip r:embed="rId2"/>
-          <a:stretch>
-            <a:fillRect/>
-          </a:stretch>
-        </p:blipFill>
-        <p:spPr>
-          <a:xfrm>
-            <a:off x="633888" y="251460"/>
-            <a:ext cx="5958959" cy="4743450"/>
-          </a:xfrm>
-          <a:prstGeom prst="rect">
-            <a:avLst/>
-          </a:prstGeom>
-        </p:spPr>
-      </p:pic>
-      <p:pic>
-        <p:nvPicPr>
-          <p:cNvPr id="5" name="Picture 4">
-            <a:extLst>
-              <a:ext uri="{FF2B5EF4-FFF2-40B4-BE49-F238E27FC236}">
-                <a16:creationId xmlns:a16="http://schemas.microsoft.com/office/drawing/2014/main" id="{C4ACA3A9-487E-0B46-99C5-6AD3D3F3CC89}"/>
-              </a:ext>
-            </a:extLst>
-          </p:cNvPr>
-          <p:cNvPicPr>
-            <a:picLocks noChangeAspect="1"/>
-          </p:cNvPicPr>
-          <p:nvPr/>
-        </p:nvPicPr>
-        <p:blipFill>
-          <a:blip r:embed="rId3"/>
-          <a:stretch>
-            <a:fillRect/>
-          </a:stretch>
-        </p:blipFill>
-        <p:spPr>
-          <a:xfrm>
-            <a:off x="7408840" y="494031"/>
-            <a:ext cx="3670300" cy="2692400"/>
-          </a:xfrm>
-          <a:prstGeom prst="rect">
-            <a:avLst/>
-          </a:prstGeom>
-        </p:spPr>
-      </p:pic>
-    </p:spTree>
-    <p:extLst>
-      <p:ext uri="{BB962C8B-B14F-4D97-AF65-F5344CB8AC3E}">
-        <p14:creationId xmlns:p14="http://schemas.microsoft.com/office/powerpoint/2010/main" val="3623401145"/>
-      </p:ext>
-    </p:extLst>
-  </p:cSld>
-  <p:clrMapOvr>
-    <a:masterClrMapping/>
-  </p:clrMapOvr>
-</p:sld>
-</file>
-
-<file path=ppt/slides/slide2.xml><?xml version="1.0" encoding="utf-8"?>
-<p:sld xmlns:a="http://schemas.openxmlformats.org/drawingml/2006/main" xmlns:r="http://schemas.openxmlformats.org/officeDocument/2006/relationships" xmlns:p="http://schemas.openxmlformats.org/presentationml/2006/main">
-  <p:cSld>
-    <p:spTree>
-      <p:nvGrpSpPr>
-        <p:cNvPr id="1" name=""/>
-        <p:cNvGrpSpPr/>
-        <p:nvPr/>
-      </p:nvGrpSpPr>
-      <p:grpSpPr>
-        <a:xfrm>
-          <a:off x="0" y="0"/>
-          <a:ext cx="0" cy="0"/>
-          <a:chOff x="0" y="0"/>
-          <a:chExt cx="0" cy="0"/>
-        </a:xfrm>
-      </p:grpSpPr>
-      <p:sp>
-        <p:nvSpPr>
-          <p:cNvPr id="2" name="Title 1">
-            <a:extLst>
-              <a:ext uri="{FF2B5EF4-FFF2-40B4-BE49-F238E27FC236}">
-                <a16:creationId xmlns:a16="http://schemas.microsoft.com/office/drawing/2014/main" id="{59C08305-2EE6-514E-8697-AEF10E784EBB}"/>
-              </a:ext>
-            </a:extLst>
-          </p:cNvPr>
-          <p:cNvSpPr>
-            <a:spLocks noGrp="1"/>
-          </p:cNvSpPr>
-          <p:nvPr>
-            <p:ph type="title"/>
-          </p:nvPr>
-        </p:nvSpPr>
-        <p:spPr/>
-        <p:txBody>
-          <a:bodyPr/>
-          <a:lstStyle/>
-          <a:p>
-            <a:endParaRPr lang="de-DE"/>
-          </a:p>
-        </p:txBody>
-      </p:sp>
-      <p:sp>
-        <p:nvSpPr>
-          <p:cNvPr id="3" name="Content Placeholder 2">
-            <a:extLst>
-              <a:ext uri="{FF2B5EF4-FFF2-40B4-BE49-F238E27FC236}">
-                <a16:creationId xmlns:a16="http://schemas.microsoft.com/office/drawing/2014/main" id="{681A1433-32E1-0E42-AAD1-99E0274257F6}"/>
-              </a:ext>
-            </a:extLst>
-          </p:cNvPr>
-          <p:cNvSpPr>
-            <a:spLocks noGrp="1"/>
-          </p:cNvSpPr>
-          <p:nvPr>
-            <p:ph idx="1"/>
-          </p:nvPr>
-        </p:nvSpPr>
-        <p:spPr/>
-        <p:txBody>
-          <a:bodyPr/>
-          <a:lstStyle/>
-          <a:p>
-            <a:r>
-              <a:rPr lang="ko-KR" altLang="de-DE" dirty="0"/>
-              <a:t>우선 병원 데이터로 실험한 결과만</a:t>
-            </a:r>
-            <a:endParaRPr lang="en-US" altLang="ko-KR" dirty="0"/>
-          </a:p>
-          <a:p>
-            <a:r>
-              <a:rPr lang="ko-KR" altLang="de-DE" dirty="0"/>
-              <a:t>어떤 결과가 </a:t>
-            </a:r>
-            <a:r>
-              <a:rPr lang="ko-KR" altLang="de-DE" dirty="0" err="1"/>
-              <a:t>나와야하지</a:t>
-            </a:r>
-            <a:r>
-              <a:rPr lang="de-DE" altLang="ko-KR" dirty="0"/>
-              <a:t>?</a:t>
-            </a:r>
-          </a:p>
-          <a:p>
-            <a:pPr lvl="1"/>
-            <a:r>
-              <a:rPr lang="de-DE" dirty="0" err="1"/>
-              <a:t>Polato</a:t>
-            </a:r>
-            <a:r>
-              <a:rPr lang="de-DE" altLang="ko-KR" dirty="0"/>
-              <a:t>,</a:t>
-            </a:r>
-            <a:r>
-              <a:rPr lang="ko-KR" altLang="de-DE" dirty="0"/>
-              <a:t> </a:t>
-            </a:r>
-            <a:r>
-              <a:rPr lang="en-US" altLang="ko-KR" dirty="0"/>
-              <a:t>Song</a:t>
-            </a:r>
-            <a:r>
-              <a:rPr lang="de-DE" dirty="0"/>
-              <a:t> </a:t>
-            </a:r>
-            <a:r>
-              <a:rPr lang="ko-KR" altLang="de-DE" dirty="0"/>
-              <a:t>참고</a:t>
-            </a:r>
-            <a:endParaRPr lang="de-DE" dirty="0"/>
-          </a:p>
-        </p:txBody>
-      </p:sp>
-    </p:spTree>
-    <p:extLst>
-      <p:ext uri="{BB962C8B-B14F-4D97-AF65-F5344CB8AC3E}">
-        <p14:creationId xmlns:p14="http://schemas.microsoft.com/office/powerpoint/2010/main" val="430627290"/>
-      </p:ext>
-    </p:extLst>
-  </p:cSld>
-  <p:clrMapOvr>
-    <a:masterClrMapping/>
-  </p:clrMapOvr>
-</p:sld>
-</file>
-
-<file path=ppt/slides/slide3.xml><?xml version="1.0" encoding="utf-8"?>
-<p:sld xmlns:a="http://schemas.openxmlformats.org/drawingml/2006/main" xmlns:r="http://schemas.openxmlformats.org/officeDocument/2006/relationships" xmlns:p="http://schemas.openxmlformats.org/presentationml/2006/main">
-  <p:cSld>
-    <p:spTree>
-      <p:nvGrpSpPr>
-        <p:cNvPr id="1" name=""/>
-        <p:cNvGrpSpPr/>
-        <p:nvPr/>
-      </p:nvGrpSpPr>
-      <p:grpSpPr>
-        <a:xfrm>
-          <a:off x="0" y="0"/>
-          <a:ext cx="0" cy="0"/>
-          <a:chOff x="0" y="0"/>
-          <a:chExt cx="0" cy="0"/>
-        </a:xfrm>
-      </p:grpSpPr>
-      <p:graphicFrame>
-        <p:nvGraphicFramePr>
-          <p:cNvPr id="4" name="Table 3">
-            <a:extLst>
-              <a:ext uri="{FF2B5EF4-FFF2-40B4-BE49-F238E27FC236}">
-                <a16:creationId xmlns:a16="http://schemas.microsoft.com/office/drawing/2014/main" id="{7853D29A-2B9F-B14F-9B49-78B1F99736AD}"/>
-              </a:ext>
-            </a:extLst>
-          </p:cNvPr>
-          <p:cNvGraphicFramePr>
-            <a:graphicFrameLocks noGrp="1"/>
-          </p:cNvGraphicFramePr>
-          <p:nvPr>
-            <p:extLst>
-              <p:ext uri="{D42A27DB-BD31-4B8C-83A1-F6EECF244321}">
-                <p14:modId xmlns:p14="http://schemas.microsoft.com/office/powerpoint/2010/main" val="600831599"/>
-              </p:ext>
-            </p:extLst>
-          </p:nvPr>
-        </p:nvGraphicFramePr>
-        <p:xfrm>
-          <a:off x="838200" y="2279650"/>
-          <a:ext cx="10515596" cy="3078480"/>
-        </p:xfrm>
-        <a:graphic>
-          <a:graphicData uri="http://schemas.openxmlformats.org/drawingml/2006/table">
-            <a:tbl>
-              <a:tblPr>
-                <a:tableStyleId>{5C22544A-7EE6-4342-B048-85BDC9FD1C3A}</a:tableStyleId>
-              </a:tblPr>
-              <a:tblGrid>
-                <a:gridCol w="1165645">
-                  <a:extLst>
-                    <a:ext uri="{9D8B030D-6E8A-4147-A177-3AD203B41FA5}">
-                      <a16:colId xmlns:a16="http://schemas.microsoft.com/office/drawing/2014/main" val="1860934524"/>
-                    </a:ext>
-                  </a:extLst>
-                </a:gridCol>
-                <a:gridCol w="719227">
-                  <a:extLst>
-                    <a:ext uri="{9D8B030D-6E8A-4147-A177-3AD203B41FA5}">
-                      <a16:colId xmlns:a16="http://schemas.microsoft.com/office/drawing/2014/main" val="4240445421"/>
-                    </a:ext>
-                  </a:extLst>
-                </a:gridCol>
-                <a:gridCol w="719227">
-                  <a:extLst>
-                    <a:ext uri="{9D8B030D-6E8A-4147-A177-3AD203B41FA5}">
-                      <a16:colId xmlns:a16="http://schemas.microsoft.com/office/drawing/2014/main" val="3178380094"/>
-                    </a:ext>
-                  </a:extLst>
-                </a:gridCol>
-                <a:gridCol w="719227">
-                  <a:extLst>
-                    <a:ext uri="{9D8B030D-6E8A-4147-A177-3AD203B41FA5}">
-                      <a16:colId xmlns:a16="http://schemas.microsoft.com/office/drawing/2014/main" val="2735018779"/>
-                    </a:ext>
-                  </a:extLst>
-                </a:gridCol>
-                <a:gridCol w="719227">
-                  <a:extLst>
-                    <a:ext uri="{9D8B030D-6E8A-4147-A177-3AD203B41FA5}">
-                      <a16:colId xmlns:a16="http://schemas.microsoft.com/office/drawing/2014/main" val="314804866"/>
-                    </a:ext>
-                  </a:extLst>
-                </a:gridCol>
-                <a:gridCol w="719227">
-                  <a:extLst>
-                    <a:ext uri="{9D8B030D-6E8A-4147-A177-3AD203B41FA5}">
-                      <a16:colId xmlns:a16="http://schemas.microsoft.com/office/drawing/2014/main" val="2447525617"/>
-                    </a:ext>
-                  </a:extLst>
-                </a:gridCol>
-                <a:gridCol w="719227">
-                  <a:extLst>
-                    <a:ext uri="{9D8B030D-6E8A-4147-A177-3AD203B41FA5}">
-                      <a16:colId xmlns:a16="http://schemas.microsoft.com/office/drawing/2014/main" val="727481906"/>
-                    </a:ext>
-                  </a:extLst>
-                </a:gridCol>
-                <a:gridCol w="719227">
-                  <a:extLst>
-                    <a:ext uri="{9D8B030D-6E8A-4147-A177-3AD203B41FA5}">
-                      <a16:colId xmlns:a16="http://schemas.microsoft.com/office/drawing/2014/main" val="3457173452"/>
-                    </a:ext>
-                  </a:extLst>
-                </a:gridCol>
-                <a:gridCol w="719227">
-                  <a:extLst>
-                    <a:ext uri="{9D8B030D-6E8A-4147-A177-3AD203B41FA5}">
-                      <a16:colId xmlns:a16="http://schemas.microsoft.com/office/drawing/2014/main" val="1083274477"/>
-                    </a:ext>
-                  </a:extLst>
-                </a:gridCol>
-                <a:gridCol w="719227">
-                  <a:extLst>
-                    <a:ext uri="{9D8B030D-6E8A-4147-A177-3AD203B41FA5}">
-                      <a16:colId xmlns:a16="http://schemas.microsoft.com/office/drawing/2014/main" val="1726855004"/>
-                    </a:ext>
-                  </a:extLst>
-                </a:gridCol>
-                <a:gridCol w="719227">
-                  <a:extLst>
-                    <a:ext uri="{9D8B030D-6E8A-4147-A177-3AD203B41FA5}">
-                      <a16:colId xmlns:a16="http://schemas.microsoft.com/office/drawing/2014/main" val="2349795102"/>
-                    </a:ext>
-                  </a:extLst>
-                </a:gridCol>
-                <a:gridCol w="719227">
-                  <a:extLst>
-                    <a:ext uri="{9D8B030D-6E8A-4147-A177-3AD203B41FA5}">
-                      <a16:colId xmlns:a16="http://schemas.microsoft.com/office/drawing/2014/main" val="1466239059"/>
-                    </a:ext>
-                  </a:extLst>
-                </a:gridCol>
-                <a:gridCol w="719227">
-                  <a:extLst>
-                    <a:ext uri="{9D8B030D-6E8A-4147-A177-3AD203B41FA5}">
-                      <a16:colId xmlns:a16="http://schemas.microsoft.com/office/drawing/2014/main" val="3693710480"/>
-                    </a:ext>
-                  </a:extLst>
-                </a:gridCol>
-                <a:gridCol w="719227">
-                  <a:extLst>
-                    <a:ext uri="{9D8B030D-6E8A-4147-A177-3AD203B41FA5}">
-                      <a16:colId xmlns:a16="http://schemas.microsoft.com/office/drawing/2014/main" val="3401485084"/>
-                    </a:ext>
-                  </a:extLst>
-                </a:gridCol>
-              </a:tblGrid>
-              <a:tr h="176919">
-                <a:tc rowSpan="3" gridSpan="2">
-                  <a:txBody>
-                    <a:bodyPr/>
-                    <a:lstStyle/>
-                    <a:p>
-                      <a:endParaRPr lang="de-DE"/>
-                    </a:p>
-                  </a:txBody>
-                  <a:tcPr/>
-                </a:tc>
-                <a:tc rowSpan="3" hMerge="1">
-                  <a:txBody>
-                    <a:bodyPr/>
-                    <a:lstStyle/>
-                    <a:p>
-                      <a:endParaRPr lang="de-DE"/>
-                    </a:p>
-                  </a:txBody>
-                  <a:tcPr/>
-                </a:tc>
-                <a:tc gridSpan="6">
-                  <a:txBody>
-                    <a:bodyPr/>
-                    <a:lstStyle/>
-                    <a:p>
-                      <a:pPr algn="ctr" fontAlgn="ctr"/>
-                      <a:r>
-                        <a:rPr lang="de-DE" sz="1000" u="none" strike="noStrike">
-                          <a:effectLst/>
-                          <a:latin typeface="Times" pitchFamily="2" charset="0"/>
-                        </a:rPr>
-                        <a:t>State Prediction</a:t>
-                      </a:r>
-                      <a:endParaRPr lang="de-DE" sz="1000" b="0" i="0" u="none" strike="noStrike">
-                        <a:solidFill>
-                          <a:srgbClr val="000000"/>
-                        </a:solidFill>
-                        <a:effectLst/>
-                        <a:latin typeface="Times" pitchFamily="2" charset="0"/>
-                      </a:endParaRPr>
-                    </a:p>
-                  </a:txBody>
-                  <a:tcPr anchor="ctr"/>
-                </a:tc>
-                <a:tc hMerge="1">
-                  <a:txBody>
-                    <a:bodyPr/>
-                    <a:lstStyle/>
-                    <a:p>
-                      <a:endParaRPr lang="de-DE"/>
-                    </a:p>
-                  </a:txBody>
-                  <a:tcPr/>
-                </a:tc>
-                <a:tc hMerge="1">
-                  <a:txBody>
-                    <a:bodyPr/>
-                    <a:lstStyle/>
-                    <a:p>
-                      <a:endParaRPr lang="de-DE"/>
-                    </a:p>
-                  </a:txBody>
-                  <a:tcPr/>
-                </a:tc>
-                <a:tc hMerge="1">
-                  <a:txBody>
-                    <a:bodyPr/>
-                    <a:lstStyle/>
-                    <a:p>
-                      <a:endParaRPr lang="de-DE"/>
-                    </a:p>
-                  </a:txBody>
-                  <a:tcPr/>
-                </a:tc>
-                <a:tc hMerge="1">
-                  <a:txBody>
-                    <a:bodyPr/>
-                    <a:lstStyle/>
-                    <a:p>
-                      <a:endParaRPr lang="de-DE"/>
-                    </a:p>
-                  </a:txBody>
-                  <a:tcPr/>
-                </a:tc>
-                <a:tc hMerge="1">
-                  <a:txBody>
-                    <a:bodyPr/>
-                    <a:lstStyle/>
-                    <a:p>
-                      <a:endParaRPr lang="de-DE"/>
-                    </a:p>
-                  </a:txBody>
-                  <a:tcPr/>
-                </a:tc>
-                <a:tc gridSpan="6">
-                  <a:txBody>
-                    <a:bodyPr/>
-                    <a:lstStyle/>
-                    <a:p>
-                      <a:pPr algn="ctr" fontAlgn="ctr"/>
-                      <a:r>
-                        <a:rPr lang="de-DE" sz="1000" u="none" strike="noStrike" dirty="0">
-                          <a:effectLst/>
-                          <a:latin typeface="Times" pitchFamily="2" charset="0"/>
-                        </a:rPr>
-                        <a:t>Transition </a:t>
-                      </a:r>
-                      <a:r>
-                        <a:rPr lang="de-DE" sz="1000" u="none" strike="noStrike" dirty="0" err="1">
-                          <a:effectLst/>
-                          <a:latin typeface="Times" pitchFamily="2" charset="0"/>
-                        </a:rPr>
-                        <a:t>Prediction</a:t>
-                      </a:r>
-                      <a:endParaRPr lang="de-DE" sz="1000" b="0" i="0" u="none" strike="noStrike" dirty="0">
-                        <a:solidFill>
-                          <a:srgbClr val="000000"/>
-                        </a:solidFill>
-                        <a:effectLst/>
-                        <a:latin typeface="Times" pitchFamily="2" charset="0"/>
-                      </a:endParaRPr>
-                    </a:p>
-                  </a:txBody>
-                  <a:tcPr anchor="ctr"/>
-                </a:tc>
-                <a:tc hMerge="1">
-                  <a:txBody>
-                    <a:bodyPr/>
-                    <a:lstStyle/>
-                    <a:p>
-                      <a:endParaRPr lang="de-DE"/>
-                    </a:p>
-                  </a:txBody>
-                  <a:tcPr/>
-                </a:tc>
-                <a:tc hMerge="1">
-                  <a:txBody>
-                    <a:bodyPr/>
-                    <a:lstStyle/>
-                    <a:p>
-                      <a:endParaRPr lang="de-DE"/>
-                    </a:p>
-                  </a:txBody>
-                  <a:tcPr/>
-                </a:tc>
-                <a:tc hMerge="1">
-                  <a:txBody>
-                    <a:bodyPr/>
-                    <a:lstStyle/>
-                    <a:p>
-                      <a:endParaRPr lang="de-DE"/>
-                    </a:p>
-                  </a:txBody>
-                  <a:tcPr/>
-                </a:tc>
-                <a:tc hMerge="1">
-                  <a:txBody>
-                    <a:bodyPr/>
-                    <a:lstStyle/>
-                    <a:p>
-                      <a:endParaRPr lang="de-DE"/>
-                    </a:p>
-                  </a:txBody>
-                  <a:tcPr/>
-                </a:tc>
-                <a:tc hMerge="1">
-                  <a:txBody>
-                    <a:bodyPr/>
-                    <a:lstStyle/>
-                    <a:p>
-                      <a:endParaRPr lang="de-DE"/>
-                    </a:p>
-                  </a:txBody>
-                  <a:tcPr/>
-                </a:tc>
-                <a:extLst>
-                  <a:ext uri="{0D108BD9-81ED-4DB2-BD59-A6C34878D82A}">
-                    <a16:rowId xmlns:a16="http://schemas.microsoft.com/office/drawing/2014/main" val="4176337074"/>
-                  </a:ext>
-                </a:extLst>
-              </a:tr>
-              <a:tr h="176919">
-                <a:tc gridSpan="2" vMerge="1">
-                  <a:txBody>
-                    <a:bodyPr/>
-                    <a:lstStyle/>
-                    <a:p>
-                      <a:endParaRPr lang="de-DE"/>
-                    </a:p>
-                  </a:txBody>
-                  <a:tcPr/>
-                </a:tc>
-                <a:tc hMerge="1" vMerge="1">
-                  <a:txBody>
-                    <a:bodyPr/>
-                    <a:lstStyle/>
-                    <a:p>
-                      <a:endParaRPr lang="de-DE"/>
-                    </a:p>
-                  </a:txBody>
-                  <a:tcPr/>
-                </a:tc>
-                <a:tc gridSpan="2">
-                  <a:txBody>
-                    <a:bodyPr/>
-                    <a:lstStyle/>
-                    <a:p>
-                      <a:pPr algn="ctr" fontAlgn="ctr"/>
-                      <a:r>
-                        <a:rPr lang="de-DE" sz="1000" u="none" strike="noStrike">
-                          <a:effectLst/>
-                          <a:latin typeface="Times" pitchFamily="2" charset="0"/>
-                        </a:rPr>
-                        <a:t>horizon 1</a:t>
-                      </a:r>
-                      <a:endParaRPr lang="de-DE" sz="1000" b="0" i="0" u="none" strike="noStrike">
-                        <a:solidFill>
-                          <a:srgbClr val="000000"/>
-                        </a:solidFill>
-                        <a:effectLst/>
-                        <a:latin typeface="Times" pitchFamily="2" charset="0"/>
-                      </a:endParaRPr>
-                    </a:p>
-                  </a:txBody>
-                  <a:tcPr anchor="ctr"/>
-                </a:tc>
-                <a:tc hMerge="1">
-                  <a:txBody>
-                    <a:bodyPr/>
-                    <a:lstStyle/>
-                    <a:p>
-                      <a:endParaRPr lang="de-DE"/>
-                    </a:p>
-                  </a:txBody>
-                  <a:tcPr/>
-                </a:tc>
-                <a:tc gridSpan="2">
-                  <a:txBody>
-                    <a:bodyPr/>
-                    <a:lstStyle/>
-                    <a:p>
-                      <a:pPr algn="ctr" fontAlgn="ctr"/>
-                      <a:r>
-                        <a:rPr lang="de-DE" sz="1000" u="none" strike="noStrike">
-                          <a:effectLst/>
-                          <a:latin typeface="Times" pitchFamily="2" charset="0"/>
-                        </a:rPr>
-                        <a:t>horizon 2</a:t>
-                      </a:r>
-                      <a:endParaRPr lang="de-DE" sz="1000" b="0" i="0" u="none" strike="noStrike">
-                        <a:solidFill>
-                          <a:srgbClr val="000000"/>
-                        </a:solidFill>
-                        <a:effectLst/>
-                        <a:latin typeface="Times" pitchFamily="2" charset="0"/>
-                      </a:endParaRPr>
-                    </a:p>
-                  </a:txBody>
-                  <a:tcPr anchor="ctr"/>
-                </a:tc>
-                <a:tc hMerge="1">
-                  <a:txBody>
-                    <a:bodyPr/>
-                    <a:lstStyle/>
-                    <a:p>
-                      <a:endParaRPr lang="de-DE"/>
-                    </a:p>
-                  </a:txBody>
-                  <a:tcPr/>
-                </a:tc>
-                <a:tc gridSpan="2">
-                  <a:txBody>
-                    <a:bodyPr/>
-                    <a:lstStyle/>
-                    <a:p>
-                      <a:pPr algn="ctr" fontAlgn="ctr"/>
-                      <a:r>
-                        <a:rPr lang="de-DE" sz="1000" u="none" strike="noStrike">
-                          <a:effectLst/>
-                          <a:latin typeface="Times" pitchFamily="2" charset="0"/>
-                        </a:rPr>
-                        <a:t>horizon 3</a:t>
-                      </a:r>
-                      <a:endParaRPr lang="de-DE" sz="1000" b="0" i="0" u="none" strike="noStrike">
-                        <a:solidFill>
-                          <a:srgbClr val="000000"/>
-                        </a:solidFill>
-                        <a:effectLst/>
-                        <a:latin typeface="Times" pitchFamily="2" charset="0"/>
-                      </a:endParaRPr>
-                    </a:p>
-                  </a:txBody>
-                  <a:tcPr anchor="ctr"/>
-                </a:tc>
-                <a:tc hMerge="1">
-                  <a:txBody>
-                    <a:bodyPr/>
-                    <a:lstStyle/>
-                    <a:p>
-                      <a:endParaRPr lang="de-DE"/>
-                    </a:p>
-                  </a:txBody>
-                  <a:tcPr/>
-                </a:tc>
-                <a:tc gridSpan="2">
-                  <a:txBody>
-                    <a:bodyPr/>
-                    <a:lstStyle/>
-                    <a:p>
-                      <a:pPr algn="ctr" fontAlgn="ctr"/>
-                      <a:r>
-                        <a:rPr lang="de-DE" sz="1000" u="none" strike="noStrike">
-                          <a:effectLst/>
-                          <a:latin typeface="Times" pitchFamily="2" charset="0"/>
-                        </a:rPr>
-                        <a:t>horizon 1</a:t>
-                      </a:r>
-                      <a:endParaRPr lang="de-DE" sz="1000" b="0" i="0" u="none" strike="noStrike">
-                        <a:solidFill>
-                          <a:srgbClr val="000000"/>
-                        </a:solidFill>
-                        <a:effectLst/>
-                        <a:latin typeface="Times" pitchFamily="2" charset="0"/>
-                      </a:endParaRPr>
-                    </a:p>
-                  </a:txBody>
-                  <a:tcPr anchor="ctr"/>
-                </a:tc>
-                <a:tc hMerge="1">
-                  <a:txBody>
-                    <a:bodyPr/>
-                    <a:lstStyle/>
-                    <a:p>
-                      <a:endParaRPr lang="de-DE"/>
-                    </a:p>
-                  </a:txBody>
-                  <a:tcPr/>
-                </a:tc>
-                <a:tc gridSpan="2">
-                  <a:txBody>
-                    <a:bodyPr/>
-                    <a:lstStyle/>
-                    <a:p>
-                      <a:pPr algn="ctr" fontAlgn="ctr"/>
-                      <a:r>
-                        <a:rPr lang="de-DE" sz="1000" u="none" strike="noStrike">
-                          <a:effectLst/>
-                          <a:latin typeface="Times" pitchFamily="2" charset="0"/>
-                        </a:rPr>
-                        <a:t>horizon 2</a:t>
-                      </a:r>
-                      <a:endParaRPr lang="de-DE" sz="1000" b="0" i="0" u="none" strike="noStrike">
-                        <a:solidFill>
-                          <a:srgbClr val="000000"/>
-                        </a:solidFill>
-                        <a:effectLst/>
-                        <a:latin typeface="Times" pitchFamily="2" charset="0"/>
-                      </a:endParaRPr>
-                    </a:p>
-                  </a:txBody>
-                  <a:tcPr anchor="ctr"/>
-                </a:tc>
-                <a:tc hMerge="1">
-                  <a:txBody>
-                    <a:bodyPr/>
-                    <a:lstStyle/>
-                    <a:p>
-                      <a:endParaRPr lang="de-DE"/>
-                    </a:p>
-                  </a:txBody>
-                  <a:tcPr/>
-                </a:tc>
-                <a:tc gridSpan="2">
-                  <a:txBody>
-                    <a:bodyPr/>
-                    <a:lstStyle/>
-                    <a:p>
-                      <a:pPr algn="ctr" fontAlgn="ctr"/>
-                      <a:r>
-                        <a:rPr lang="de-DE" sz="1000" u="none" strike="noStrike">
-                          <a:effectLst/>
-                          <a:latin typeface="Times" pitchFamily="2" charset="0"/>
-                        </a:rPr>
-                        <a:t>horizon 3</a:t>
-                      </a:r>
-                      <a:endParaRPr lang="de-DE" sz="1000" b="0" i="0" u="none" strike="noStrike">
-                        <a:solidFill>
-                          <a:srgbClr val="000000"/>
-                        </a:solidFill>
-                        <a:effectLst/>
-                        <a:latin typeface="Times" pitchFamily="2" charset="0"/>
-                      </a:endParaRPr>
-                    </a:p>
-                  </a:txBody>
-                  <a:tcPr anchor="ctr"/>
-                </a:tc>
-                <a:tc hMerge="1">
-                  <a:txBody>
-                    <a:bodyPr/>
-                    <a:lstStyle/>
-                    <a:p>
-                      <a:endParaRPr lang="de-DE"/>
-                    </a:p>
-                  </a:txBody>
-                  <a:tcPr/>
-                </a:tc>
-                <a:extLst>
-                  <a:ext uri="{0D108BD9-81ED-4DB2-BD59-A6C34878D82A}">
-                    <a16:rowId xmlns:a16="http://schemas.microsoft.com/office/drawing/2014/main" val="1743504470"/>
-                  </a:ext>
-                </a:extLst>
-              </a:tr>
-              <a:tr h="176919">
-                <a:tc gridSpan="2" vMerge="1">
-                  <a:txBody>
-                    <a:bodyPr/>
-                    <a:lstStyle/>
-                    <a:p>
-                      <a:endParaRPr lang="de-DE"/>
-                    </a:p>
-                  </a:txBody>
-                  <a:tcPr/>
-                </a:tc>
-                <a:tc hMerge="1" vMerge="1">
-                  <a:txBody>
-                    <a:bodyPr/>
-                    <a:lstStyle/>
-                    <a:p>
-                      <a:endParaRPr lang="de-DE"/>
-                    </a:p>
-                  </a:txBody>
-                  <a:tcPr/>
-                </a:tc>
-                <a:tc>
-                  <a:txBody>
-                    <a:bodyPr/>
-                    <a:lstStyle/>
-                    <a:p>
-                      <a:pPr algn="ctr" fontAlgn="ctr"/>
-                      <a:r>
-                        <a:rPr lang="de-DE" sz="1000" u="none" strike="noStrike">
-                          <a:effectLst/>
-                          <a:latin typeface="Times" pitchFamily="2" charset="0"/>
-                        </a:rPr>
-                        <a:t>MAE</a:t>
-                      </a:r>
-                      <a:endParaRPr lang="de-DE" sz="1000" b="0" i="0" u="none" strike="noStrike">
-                        <a:solidFill>
-                          <a:srgbClr val="000000"/>
-                        </a:solidFill>
-                        <a:effectLst/>
-                        <a:latin typeface="Times" pitchFamily="2" charset="0"/>
-                      </a:endParaRPr>
-                    </a:p>
-                  </a:txBody>
-                  <a:tcPr anchor="ctr"/>
-                </a:tc>
-                <a:tc>
-                  <a:txBody>
-                    <a:bodyPr/>
-                    <a:lstStyle/>
-                    <a:p>
-                      <a:pPr algn="ctr" fontAlgn="ctr"/>
-                      <a:r>
-                        <a:rPr lang="de-DE" sz="1000" u="none" strike="noStrike">
-                          <a:effectLst/>
-                          <a:latin typeface="Times" pitchFamily="2" charset="0"/>
-                        </a:rPr>
-                        <a:t>MAPE</a:t>
-                      </a:r>
-                      <a:endParaRPr lang="de-DE" sz="1000" b="0" i="0" u="none" strike="noStrike">
-                        <a:solidFill>
-                          <a:srgbClr val="000000"/>
-                        </a:solidFill>
-                        <a:effectLst/>
-                        <a:latin typeface="Times" pitchFamily="2" charset="0"/>
-                      </a:endParaRPr>
-                    </a:p>
-                  </a:txBody>
-                  <a:tcPr anchor="ctr"/>
-                </a:tc>
-                <a:tc>
-                  <a:txBody>
-                    <a:bodyPr/>
-                    <a:lstStyle/>
-                    <a:p>
-                      <a:pPr algn="ctr" fontAlgn="ctr"/>
-                      <a:r>
-                        <a:rPr lang="de-DE" sz="1000" u="none" strike="noStrike">
-                          <a:effectLst/>
-                          <a:latin typeface="Times" pitchFamily="2" charset="0"/>
-                        </a:rPr>
-                        <a:t>MAE</a:t>
-                      </a:r>
-                      <a:endParaRPr lang="de-DE" sz="1000" b="0" i="0" u="none" strike="noStrike">
-                        <a:solidFill>
-                          <a:srgbClr val="000000"/>
-                        </a:solidFill>
-                        <a:effectLst/>
-                        <a:latin typeface="Times" pitchFamily="2" charset="0"/>
-                      </a:endParaRPr>
-                    </a:p>
-                  </a:txBody>
-                  <a:tcPr anchor="ctr"/>
-                </a:tc>
-                <a:tc>
-                  <a:txBody>
-                    <a:bodyPr/>
-                    <a:lstStyle/>
-                    <a:p>
-                      <a:pPr algn="ctr" fontAlgn="ctr"/>
-                      <a:r>
-                        <a:rPr lang="de-DE" sz="1000" u="none" strike="noStrike">
-                          <a:effectLst/>
-                          <a:latin typeface="Times" pitchFamily="2" charset="0"/>
-                        </a:rPr>
-                        <a:t>MAPE</a:t>
-                      </a:r>
-                      <a:endParaRPr lang="de-DE" sz="1000" b="0" i="0" u="none" strike="noStrike">
-                        <a:solidFill>
-                          <a:srgbClr val="000000"/>
-                        </a:solidFill>
-                        <a:effectLst/>
-                        <a:latin typeface="Times" pitchFamily="2" charset="0"/>
-                      </a:endParaRPr>
-                    </a:p>
-                  </a:txBody>
-                  <a:tcPr anchor="ctr"/>
-                </a:tc>
-                <a:tc>
-                  <a:txBody>
-                    <a:bodyPr/>
-                    <a:lstStyle/>
-                    <a:p>
-                      <a:pPr algn="ctr" fontAlgn="ctr"/>
-                      <a:r>
-                        <a:rPr lang="de-DE" sz="1000" u="none" strike="noStrike">
-                          <a:effectLst/>
-                          <a:latin typeface="Times" pitchFamily="2" charset="0"/>
-                        </a:rPr>
-                        <a:t>MAE</a:t>
-                      </a:r>
-                      <a:endParaRPr lang="de-DE" sz="1000" b="0" i="0" u="none" strike="noStrike">
-                        <a:solidFill>
-                          <a:srgbClr val="000000"/>
-                        </a:solidFill>
-                        <a:effectLst/>
-                        <a:latin typeface="Times" pitchFamily="2" charset="0"/>
-                      </a:endParaRPr>
-                    </a:p>
-                  </a:txBody>
-                  <a:tcPr anchor="ctr"/>
-                </a:tc>
-                <a:tc>
-                  <a:txBody>
-                    <a:bodyPr/>
-                    <a:lstStyle/>
-                    <a:p>
-                      <a:pPr algn="ctr" fontAlgn="ctr"/>
-                      <a:r>
-                        <a:rPr lang="de-DE" sz="1000" u="none" strike="noStrike">
-                          <a:effectLst/>
-                          <a:latin typeface="Times" pitchFamily="2" charset="0"/>
-                        </a:rPr>
-                        <a:t>MAPE</a:t>
-                      </a:r>
-                      <a:endParaRPr lang="de-DE" sz="1000" b="0" i="0" u="none" strike="noStrike">
-                        <a:solidFill>
-                          <a:srgbClr val="000000"/>
-                        </a:solidFill>
-                        <a:effectLst/>
-                        <a:latin typeface="Times" pitchFamily="2" charset="0"/>
-                      </a:endParaRPr>
-                    </a:p>
-                  </a:txBody>
-                  <a:tcPr anchor="ctr"/>
-                </a:tc>
-                <a:tc>
-                  <a:txBody>
-                    <a:bodyPr/>
-                    <a:lstStyle/>
-                    <a:p>
-                      <a:pPr algn="ctr" fontAlgn="ctr"/>
-                      <a:r>
-                        <a:rPr lang="de-DE" sz="1000" u="none" strike="noStrike">
-                          <a:effectLst/>
-                          <a:latin typeface="Times" pitchFamily="2" charset="0"/>
-                        </a:rPr>
-                        <a:t>MAE</a:t>
-                      </a:r>
-                      <a:endParaRPr lang="de-DE" sz="1000" b="0" i="0" u="none" strike="noStrike">
-                        <a:solidFill>
-                          <a:srgbClr val="000000"/>
-                        </a:solidFill>
-                        <a:effectLst/>
-                        <a:latin typeface="Times" pitchFamily="2" charset="0"/>
-                      </a:endParaRPr>
-                    </a:p>
-                  </a:txBody>
-                  <a:tcPr anchor="ctr"/>
-                </a:tc>
-                <a:tc>
-                  <a:txBody>
-                    <a:bodyPr/>
-                    <a:lstStyle/>
-                    <a:p>
-                      <a:pPr algn="ctr" fontAlgn="ctr"/>
-                      <a:r>
-                        <a:rPr lang="de-DE" sz="1000" u="none" strike="noStrike">
-                          <a:effectLst/>
-                          <a:latin typeface="Times" pitchFamily="2" charset="0"/>
-                        </a:rPr>
-                        <a:t>MAPE</a:t>
-                      </a:r>
-                      <a:endParaRPr lang="de-DE" sz="1000" b="0" i="0" u="none" strike="noStrike">
-                        <a:solidFill>
-                          <a:srgbClr val="000000"/>
-                        </a:solidFill>
-                        <a:effectLst/>
-                        <a:latin typeface="Times" pitchFamily="2" charset="0"/>
-                      </a:endParaRPr>
-                    </a:p>
-                  </a:txBody>
-                  <a:tcPr anchor="ctr"/>
-                </a:tc>
-                <a:tc>
-                  <a:txBody>
-                    <a:bodyPr/>
-                    <a:lstStyle/>
-                    <a:p>
-                      <a:pPr algn="ctr" fontAlgn="ctr"/>
-                      <a:r>
-                        <a:rPr lang="de-DE" sz="1000" u="none" strike="noStrike">
-                          <a:effectLst/>
-                          <a:latin typeface="Times" pitchFamily="2" charset="0"/>
-                        </a:rPr>
-                        <a:t>MAE</a:t>
-                      </a:r>
-                      <a:endParaRPr lang="de-DE" sz="1000" b="0" i="0" u="none" strike="noStrike">
-                        <a:solidFill>
-                          <a:srgbClr val="000000"/>
-                        </a:solidFill>
-                        <a:effectLst/>
-                        <a:latin typeface="Times" pitchFamily="2" charset="0"/>
-                      </a:endParaRPr>
-                    </a:p>
-                  </a:txBody>
-                  <a:tcPr anchor="ctr"/>
-                </a:tc>
-                <a:tc>
-                  <a:txBody>
-                    <a:bodyPr/>
-                    <a:lstStyle/>
-                    <a:p>
-                      <a:pPr algn="ctr" fontAlgn="ctr"/>
-                      <a:r>
-                        <a:rPr lang="de-DE" sz="1000" u="none" strike="noStrike">
-                          <a:effectLst/>
-                          <a:latin typeface="Times" pitchFamily="2" charset="0"/>
-                        </a:rPr>
-                        <a:t>MAPE</a:t>
-                      </a:r>
-                      <a:endParaRPr lang="de-DE" sz="1000" b="0" i="0" u="none" strike="noStrike">
-                        <a:solidFill>
-                          <a:srgbClr val="000000"/>
-                        </a:solidFill>
-                        <a:effectLst/>
-                        <a:latin typeface="Times" pitchFamily="2" charset="0"/>
-                      </a:endParaRPr>
-                    </a:p>
-                  </a:txBody>
-                  <a:tcPr anchor="ctr"/>
-                </a:tc>
-                <a:tc>
-                  <a:txBody>
-                    <a:bodyPr/>
-                    <a:lstStyle/>
-                    <a:p>
-                      <a:pPr algn="ctr" fontAlgn="ctr"/>
-                      <a:r>
-                        <a:rPr lang="de-DE" sz="1000" u="none" strike="noStrike">
-                          <a:effectLst/>
-                          <a:latin typeface="Times" pitchFamily="2" charset="0"/>
-                        </a:rPr>
-                        <a:t>MAE</a:t>
-                      </a:r>
-                      <a:endParaRPr lang="de-DE" sz="1000" b="0" i="0" u="none" strike="noStrike">
-                        <a:solidFill>
-                          <a:srgbClr val="000000"/>
-                        </a:solidFill>
-                        <a:effectLst/>
-                        <a:latin typeface="Times" pitchFamily="2" charset="0"/>
-                      </a:endParaRPr>
-                    </a:p>
-                  </a:txBody>
-                  <a:tcPr anchor="ctr"/>
-                </a:tc>
-                <a:tc>
-                  <a:txBody>
-                    <a:bodyPr/>
-                    <a:lstStyle/>
-                    <a:p>
-                      <a:pPr algn="ctr" fontAlgn="ctr"/>
-                      <a:r>
-                        <a:rPr lang="de-DE" sz="1000" u="none" strike="noStrike">
-                          <a:effectLst/>
-                          <a:latin typeface="Times" pitchFamily="2" charset="0"/>
-                        </a:rPr>
-                        <a:t>MAPE</a:t>
-                      </a:r>
-                      <a:endParaRPr lang="de-DE" sz="1000" b="0" i="0" u="none" strike="noStrike">
-                        <a:solidFill>
-                          <a:srgbClr val="000000"/>
-                        </a:solidFill>
-                        <a:effectLst/>
-                        <a:latin typeface="Times" pitchFamily="2" charset="0"/>
-                      </a:endParaRPr>
-                    </a:p>
-                  </a:txBody>
-                  <a:tcPr anchor="ctr"/>
-                </a:tc>
-                <a:extLst>
-                  <a:ext uri="{0D108BD9-81ED-4DB2-BD59-A6C34878D82A}">
-                    <a16:rowId xmlns:a16="http://schemas.microsoft.com/office/drawing/2014/main" val="839093571"/>
-                  </a:ext>
-                </a:extLst>
-              </a:tr>
-              <a:tr h="176919">
-                <a:tc rowSpan="3">
-                  <a:txBody>
-                    <a:bodyPr/>
-                    <a:lstStyle/>
-                    <a:p>
-                      <a:pPr algn="ctr" fontAlgn="ctr"/>
-                      <a:r>
-                        <a:rPr lang="de-DE" sz="1000" u="none" strike="noStrike">
-                          <a:effectLst/>
-                          <a:latin typeface="Times" pitchFamily="2" charset="0"/>
-                        </a:rPr>
-                        <a:t>Statistical Approach</a:t>
-                      </a:r>
-                      <a:endParaRPr lang="de-DE" sz="1000" b="0" i="0" u="none" strike="noStrike">
-                        <a:solidFill>
-                          <a:srgbClr val="000000"/>
-                        </a:solidFill>
-                        <a:effectLst/>
-                        <a:latin typeface="Times" pitchFamily="2" charset="0"/>
-                      </a:endParaRPr>
-                    </a:p>
-                  </a:txBody>
-                  <a:tcPr anchor="ctr"/>
-                </a:tc>
-                <a:tc>
-                  <a:txBody>
-                    <a:bodyPr/>
-                    <a:lstStyle/>
-                    <a:p>
-                      <a:pPr algn="ctr" fontAlgn="ctr"/>
-                      <a:r>
-                        <a:rPr lang="de-DE" sz="1000" u="none" strike="noStrike">
-                          <a:effectLst/>
-                          <a:latin typeface="Times" pitchFamily="2" charset="0"/>
-                        </a:rPr>
-                        <a:t>LR</a:t>
-                      </a:r>
-                      <a:endParaRPr lang="de-DE" sz="1000" b="0" i="0" u="none" strike="noStrike">
-                        <a:solidFill>
-                          <a:srgbClr val="000000"/>
-                        </a:solidFill>
-                        <a:effectLst/>
-                        <a:latin typeface="Times" pitchFamily="2" charset="0"/>
-                      </a:endParaRPr>
-                    </a:p>
-                  </a:txBody>
-                  <a:tcPr anchor="ctr"/>
-                </a:tc>
-                <a:tc>
-                  <a:txBody>
-                    <a:bodyPr/>
-                    <a:lstStyle/>
-                    <a:p>
-                      <a:pPr algn="ctr" fontAlgn="ctr"/>
-                      <a:r>
-                        <a:rPr lang="de-DE" sz="1000" u="none" strike="noStrike">
-                          <a:effectLst/>
-                          <a:latin typeface="Times" pitchFamily="2" charset="0"/>
-                        </a:rPr>
-                        <a:t>0.41±0.01</a:t>
-                      </a:r>
-                      <a:endParaRPr lang="de-DE" sz="1000" b="0" i="0" u="none" strike="noStrike">
-                        <a:solidFill>
-                          <a:srgbClr val="000000"/>
-                        </a:solidFill>
-                        <a:effectLst/>
-                        <a:latin typeface="Times" pitchFamily="2" charset="0"/>
-                      </a:endParaRPr>
-                    </a:p>
-                  </a:txBody>
-                  <a:tcPr anchor="ctr"/>
-                </a:tc>
-                <a:tc>
-                  <a:txBody>
-                    <a:bodyPr/>
-                    <a:lstStyle/>
-                    <a:p>
-                      <a:pPr algn="ctr" fontAlgn="ctr"/>
-                      <a:r>
-                        <a:rPr lang="de-DE" sz="1000" u="none" strike="noStrike">
-                          <a:effectLst/>
-                          <a:latin typeface="Times" pitchFamily="2" charset="0"/>
-                        </a:rPr>
-                        <a:t>0.14±0.01</a:t>
-                      </a:r>
-                      <a:endParaRPr lang="de-DE" sz="1000" b="0" i="0" u="none" strike="noStrike">
-                        <a:solidFill>
-                          <a:srgbClr val="000000"/>
-                        </a:solidFill>
-                        <a:effectLst/>
-                        <a:latin typeface="Times" pitchFamily="2" charset="0"/>
-                      </a:endParaRPr>
-                    </a:p>
-                  </a:txBody>
-                  <a:tcPr anchor="ctr"/>
-                </a:tc>
-                <a:tc>
-                  <a:txBody>
-                    <a:bodyPr/>
-                    <a:lstStyle/>
-                    <a:p>
-                      <a:pPr algn="l" fontAlgn="ctr"/>
-                      <a:r>
-                        <a:rPr lang="de-DE" sz="1000" u="none" strike="noStrike">
-                          <a:effectLst/>
-                          <a:latin typeface="Times" pitchFamily="2" charset="0"/>
-                        </a:rPr>
-                        <a:t>0.37±0.03</a:t>
-                      </a:r>
-                      <a:endParaRPr lang="de-DE" sz="1000" b="0" i="0" u="none" strike="noStrike">
-                        <a:solidFill>
-                          <a:srgbClr val="000000"/>
-                        </a:solidFill>
-                        <a:effectLst/>
-                        <a:latin typeface="Times" pitchFamily="2" charset="0"/>
-                      </a:endParaRPr>
-                    </a:p>
-                  </a:txBody>
-                  <a:tcPr anchor="ctr"/>
-                </a:tc>
-                <a:tc>
-                  <a:txBody>
-                    <a:bodyPr/>
-                    <a:lstStyle/>
-                    <a:p>
-                      <a:pPr algn="l" fontAlgn="ctr"/>
-                      <a:r>
-                        <a:rPr lang="de-DE" sz="1000" u="none" strike="noStrike">
-                          <a:effectLst/>
-                          <a:latin typeface="Times" pitchFamily="2" charset="0"/>
-                        </a:rPr>
-                        <a:t>0.12±0.01</a:t>
-                      </a:r>
-                      <a:endParaRPr lang="de-DE" sz="1000" b="0" i="0" u="none" strike="noStrike">
-                        <a:solidFill>
-                          <a:srgbClr val="000000"/>
-                        </a:solidFill>
-                        <a:effectLst/>
-                        <a:latin typeface="Times" pitchFamily="2" charset="0"/>
-                      </a:endParaRPr>
-                    </a:p>
-                  </a:txBody>
-                  <a:tcPr anchor="ctr"/>
-                </a:tc>
-                <a:tc>
-                  <a:txBody>
-                    <a:bodyPr/>
-                    <a:lstStyle/>
-                    <a:p>
-                      <a:pPr algn="l" fontAlgn="ctr"/>
-                      <a:r>
-                        <a:rPr lang="de-DE" sz="1000" u="none" strike="noStrike">
-                          <a:effectLst/>
-                          <a:latin typeface="Times" pitchFamily="2" charset="0"/>
-                        </a:rPr>
-                        <a:t>0.38±0.01</a:t>
-                      </a:r>
-                      <a:endParaRPr lang="de-DE" sz="1000" b="0" i="0" u="none" strike="noStrike">
-                        <a:solidFill>
-                          <a:srgbClr val="000000"/>
-                        </a:solidFill>
-                        <a:effectLst/>
-                        <a:latin typeface="Times" pitchFamily="2" charset="0"/>
-                      </a:endParaRPr>
-                    </a:p>
-                  </a:txBody>
-                  <a:tcPr anchor="ctr"/>
-                </a:tc>
-                <a:tc>
-                  <a:txBody>
-                    <a:bodyPr/>
-                    <a:lstStyle/>
-                    <a:p>
-                      <a:pPr algn="l" fontAlgn="ctr"/>
-                      <a:r>
-                        <a:rPr lang="de-DE" sz="1000" u="none" strike="noStrike">
-                          <a:effectLst/>
-                          <a:latin typeface="Times" pitchFamily="2" charset="0"/>
-                        </a:rPr>
-                        <a:t>0.13±0.01</a:t>
-                      </a:r>
-                      <a:endParaRPr lang="de-DE" sz="1000" b="0" i="0" u="none" strike="noStrike">
-                        <a:solidFill>
-                          <a:srgbClr val="000000"/>
-                        </a:solidFill>
-                        <a:effectLst/>
-                        <a:latin typeface="Times" pitchFamily="2" charset="0"/>
-                      </a:endParaRPr>
-                    </a:p>
-                  </a:txBody>
-                  <a:tcPr anchor="ctr"/>
-                </a:tc>
-                <a:tc>
-                  <a:txBody>
-                    <a:bodyPr/>
-                    <a:lstStyle/>
-                    <a:p>
-                      <a:pPr algn="ctr" fontAlgn="ctr"/>
-                      <a:r>
-                        <a:rPr lang="de-DE" sz="1000" u="none" strike="noStrike">
-                          <a:effectLst/>
-                          <a:latin typeface="Times" pitchFamily="2" charset="0"/>
-                        </a:rPr>
-                        <a:t>0.15±0.01</a:t>
-                      </a:r>
-                      <a:endParaRPr lang="de-DE" sz="1000" b="0" i="0" u="none" strike="noStrike">
-                        <a:solidFill>
-                          <a:srgbClr val="000000"/>
-                        </a:solidFill>
-                        <a:effectLst/>
-                        <a:latin typeface="Times" pitchFamily="2" charset="0"/>
-                      </a:endParaRPr>
-                    </a:p>
-                  </a:txBody>
-                  <a:tcPr anchor="ctr"/>
-                </a:tc>
-                <a:tc>
-                  <a:txBody>
-                    <a:bodyPr/>
-                    <a:lstStyle/>
-                    <a:p>
-                      <a:pPr algn="ctr" fontAlgn="ctr"/>
-                      <a:r>
-                        <a:rPr lang="de-DE" sz="1000" u="none" strike="noStrike">
-                          <a:effectLst/>
-                          <a:latin typeface="Times" pitchFamily="2" charset="0"/>
-                        </a:rPr>
-                        <a:t>0.06±0.01</a:t>
-                      </a:r>
-                      <a:endParaRPr lang="de-DE" sz="1000" b="0" i="0" u="none" strike="noStrike">
-                        <a:solidFill>
-                          <a:srgbClr val="000000"/>
-                        </a:solidFill>
-                        <a:effectLst/>
-                        <a:latin typeface="Times" pitchFamily="2" charset="0"/>
-                      </a:endParaRPr>
-                    </a:p>
-                  </a:txBody>
-                  <a:tcPr anchor="ctr"/>
-                </a:tc>
-                <a:tc>
-                  <a:txBody>
-                    <a:bodyPr/>
-                    <a:lstStyle/>
-                    <a:p>
-                      <a:pPr algn="l" fontAlgn="ctr"/>
-                      <a:r>
-                        <a:rPr lang="de-DE" sz="1000" u="none" strike="noStrike">
-                          <a:effectLst/>
-                          <a:latin typeface="Times" pitchFamily="2" charset="0"/>
-                        </a:rPr>
-                        <a:t>0.15±0.01</a:t>
-                      </a:r>
-                      <a:endParaRPr lang="de-DE" sz="1000" b="0" i="0" u="none" strike="noStrike">
-                        <a:solidFill>
-                          <a:srgbClr val="000000"/>
-                        </a:solidFill>
-                        <a:effectLst/>
-                        <a:latin typeface="Times" pitchFamily="2" charset="0"/>
-                      </a:endParaRPr>
-                    </a:p>
-                  </a:txBody>
-                  <a:tcPr anchor="ctr"/>
-                </a:tc>
-                <a:tc>
-                  <a:txBody>
-                    <a:bodyPr/>
-                    <a:lstStyle/>
-                    <a:p>
-                      <a:pPr algn="l" fontAlgn="ctr"/>
-                      <a:r>
-                        <a:rPr lang="de-DE" sz="1000" u="none" strike="noStrike">
-                          <a:effectLst/>
-                          <a:latin typeface="Times" pitchFamily="2" charset="0"/>
-                        </a:rPr>
-                        <a:t>0.06±0.01</a:t>
-                      </a:r>
-                      <a:endParaRPr lang="de-DE" sz="1000" b="0" i="0" u="none" strike="noStrike">
-                        <a:solidFill>
-                          <a:srgbClr val="000000"/>
-                        </a:solidFill>
-                        <a:effectLst/>
-                        <a:latin typeface="Times" pitchFamily="2" charset="0"/>
-                      </a:endParaRPr>
-                    </a:p>
-                  </a:txBody>
-                  <a:tcPr anchor="ctr"/>
-                </a:tc>
-                <a:tc>
-                  <a:txBody>
-                    <a:bodyPr/>
-                    <a:lstStyle/>
-                    <a:p>
-                      <a:pPr algn="l" fontAlgn="ctr"/>
-                      <a:r>
-                        <a:rPr lang="de-DE" sz="1000" u="none" strike="noStrike">
-                          <a:effectLst/>
-                          <a:latin typeface="Times" pitchFamily="2" charset="0"/>
-                        </a:rPr>
-                        <a:t>0.15±0.01</a:t>
-                      </a:r>
-                      <a:endParaRPr lang="de-DE" sz="1000" b="0" i="0" u="none" strike="noStrike">
-                        <a:solidFill>
-                          <a:srgbClr val="000000"/>
-                        </a:solidFill>
-                        <a:effectLst/>
-                        <a:latin typeface="Times" pitchFamily="2" charset="0"/>
-                      </a:endParaRPr>
-                    </a:p>
-                  </a:txBody>
-                  <a:tcPr anchor="ctr"/>
-                </a:tc>
-                <a:tc>
-                  <a:txBody>
-                    <a:bodyPr/>
-                    <a:lstStyle/>
-                    <a:p>
-                      <a:pPr algn="l" fontAlgn="ctr"/>
-                      <a:r>
-                        <a:rPr lang="de-DE" sz="1000" u="none" strike="noStrike">
-                          <a:effectLst/>
-                          <a:latin typeface="Times" pitchFamily="2" charset="0"/>
-                        </a:rPr>
-                        <a:t>0.06±0.01</a:t>
-                      </a:r>
-                      <a:endParaRPr lang="de-DE" sz="1000" b="0" i="0" u="none" strike="noStrike">
-                        <a:solidFill>
-                          <a:srgbClr val="000000"/>
-                        </a:solidFill>
-                        <a:effectLst/>
-                        <a:latin typeface="Times" pitchFamily="2" charset="0"/>
-                      </a:endParaRPr>
-                    </a:p>
-                  </a:txBody>
-                  <a:tcPr anchor="ctr"/>
-                </a:tc>
-                <a:extLst>
-                  <a:ext uri="{0D108BD9-81ED-4DB2-BD59-A6C34878D82A}">
-                    <a16:rowId xmlns:a16="http://schemas.microsoft.com/office/drawing/2014/main" val="2836968077"/>
-                  </a:ext>
-                </a:extLst>
-              </a:tr>
-              <a:tr h="176919">
-                <a:tc vMerge="1">
-                  <a:txBody>
-                    <a:bodyPr/>
-                    <a:lstStyle/>
-                    <a:p>
-                      <a:endParaRPr lang="de-DE"/>
-                    </a:p>
-                  </a:txBody>
-                  <a:tcPr/>
-                </a:tc>
-                <a:tc>
-                  <a:txBody>
-                    <a:bodyPr/>
-                    <a:lstStyle/>
-                    <a:p>
-                      <a:pPr algn="ctr" fontAlgn="ctr"/>
-                      <a:r>
-                        <a:rPr lang="de-DE" sz="1000" u="none" strike="noStrike">
-                          <a:effectLst/>
-                          <a:latin typeface="Times" pitchFamily="2" charset="0"/>
-                        </a:rPr>
-                        <a:t>RF</a:t>
-                      </a:r>
-                      <a:endParaRPr lang="de-DE" sz="1000" b="0" i="0" u="none" strike="noStrike">
-                        <a:solidFill>
-                          <a:srgbClr val="000000"/>
-                        </a:solidFill>
-                        <a:effectLst/>
-                        <a:latin typeface="Times" pitchFamily="2" charset="0"/>
-                      </a:endParaRPr>
-                    </a:p>
-                  </a:txBody>
-                  <a:tcPr anchor="ctr"/>
-                </a:tc>
-                <a:tc>
-                  <a:txBody>
-                    <a:bodyPr/>
-                    <a:lstStyle/>
-                    <a:p>
-                      <a:pPr algn="ctr" fontAlgn="ctr"/>
-                      <a:r>
-                        <a:rPr lang="de-DE" sz="1000" u="none" strike="noStrike">
-                          <a:effectLst/>
-                          <a:latin typeface="Times" pitchFamily="2" charset="0"/>
-                        </a:rPr>
-                        <a:t>0.41±0.02</a:t>
-                      </a:r>
-                      <a:endParaRPr lang="de-DE" sz="1000" b="0" i="0" u="none" strike="noStrike">
-                        <a:solidFill>
-                          <a:srgbClr val="000000"/>
-                        </a:solidFill>
-                        <a:effectLst/>
-                        <a:latin typeface="Times" pitchFamily="2" charset="0"/>
-                      </a:endParaRPr>
-                    </a:p>
-                  </a:txBody>
-                  <a:tcPr anchor="ctr"/>
-                </a:tc>
-                <a:tc>
-                  <a:txBody>
-                    <a:bodyPr/>
-                    <a:lstStyle/>
-                    <a:p>
-                      <a:pPr algn="ctr" fontAlgn="ctr"/>
-                      <a:r>
-                        <a:rPr lang="de-DE" sz="1000" u="none" strike="noStrike">
-                          <a:effectLst/>
-                          <a:latin typeface="Times" pitchFamily="2" charset="0"/>
-                        </a:rPr>
-                        <a:t>0.13±0.01</a:t>
-                      </a:r>
-                      <a:endParaRPr lang="de-DE" sz="1000" b="0" i="0" u="none" strike="noStrike">
-                        <a:solidFill>
-                          <a:srgbClr val="000000"/>
-                        </a:solidFill>
-                        <a:effectLst/>
-                        <a:latin typeface="Times" pitchFamily="2" charset="0"/>
-                      </a:endParaRPr>
-                    </a:p>
-                  </a:txBody>
-                  <a:tcPr anchor="ctr"/>
-                </a:tc>
-                <a:tc>
-                  <a:txBody>
-                    <a:bodyPr/>
-                    <a:lstStyle/>
-                    <a:p>
-                      <a:pPr algn="l" fontAlgn="ctr"/>
-                      <a:r>
-                        <a:rPr lang="de-DE" sz="1000" u="none" strike="noStrike">
-                          <a:effectLst/>
-                          <a:latin typeface="Times" pitchFamily="2" charset="0"/>
-                        </a:rPr>
-                        <a:t>0.37±0.02</a:t>
-                      </a:r>
-                      <a:endParaRPr lang="de-DE" sz="1000" b="0" i="0" u="none" strike="noStrike">
-                        <a:solidFill>
-                          <a:srgbClr val="000000"/>
-                        </a:solidFill>
-                        <a:effectLst/>
-                        <a:latin typeface="Times" pitchFamily="2" charset="0"/>
-                      </a:endParaRPr>
-                    </a:p>
-                  </a:txBody>
-                  <a:tcPr anchor="ctr"/>
-                </a:tc>
-                <a:tc>
-                  <a:txBody>
-                    <a:bodyPr/>
-                    <a:lstStyle/>
-                    <a:p>
-                      <a:pPr algn="l" fontAlgn="ctr"/>
-                      <a:r>
-                        <a:rPr lang="de-DE" sz="1000" u="none" strike="noStrike">
-                          <a:effectLst/>
-                          <a:latin typeface="Times" pitchFamily="2" charset="0"/>
-                        </a:rPr>
-                        <a:t>0.13±0.01</a:t>
-                      </a:r>
-                      <a:endParaRPr lang="de-DE" sz="1000" b="0" i="0" u="none" strike="noStrike">
-                        <a:solidFill>
-                          <a:srgbClr val="000000"/>
-                        </a:solidFill>
-                        <a:effectLst/>
-                        <a:latin typeface="Times" pitchFamily="2" charset="0"/>
-                      </a:endParaRPr>
-                    </a:p>
-                  </a:txBody>
-                  <a:tcPr anchor="ctr"/>
-                </a:tc>
-                <a:tc>
-                  <a:txBody>
-                    <a:bodyPr/>
-                    <a:lstStyle/>
-                    <a:p>
-                      <a:pPr algn="l" fontAlgn="ctr"/>
-                      <a:r>
-                        <a:rPr lang="de-DE" sz="1000" u="none" strike="noStrike">
-                          <a:effectLst/>
-                          <a:latin typeface="Times" pitchFamily="2" charset="0"/>
-                        </a:rPr>
-                        <a:t>0.37±0.01</a:t>
-                      </a:r>
-                      <a:endParaRPr lang="de-DE" sz="1000" b="0" i="0" u="none" strike="noStrike">
-                        <a:solidFill>
-                          <a:srgbClr val="000000"/>
-                        </a:solidFill>
-                        <a:effectLst/>
-                        <a:latin typeface="Times" pitchFamily="2" charset="0"/>
-                      </a:endParaRPr>
-                    </a:p>
-                  </a:txBody>
-                  <a:tcPr anchor="ctr"/>
-                </a:tc>
-                <a:tc>
-                  <a:txBody>
-                    <a:bodyPr/>
-                    <a:lstStyle/>
-                    <a:p>
-                      <a:pPr algn="l" fontAlgn="ctr"/>
-                      <a:r>
-                        <a:rPr lang="de-DE" sz="1000" u="none" strike="noStrike">
-                          <a:effectLst/>
-                          <a:latin typeface="Times" pitchFamily="2" charset="0"/>
-                        </a:rPr>
-                        <a:t>0.13±0.01</a:t>
-                      </a:r>
-                      <a:endParaRPr lang="de-DE" sz="1000" b="0" i="0" u="none" strike="noStrike">
-                        <a:solidFill>
-                          <a:srgbClr val="000000"/>
-                        </a:solidFill>
-                        <a:effectLst/>
-                        <a:latin typeface="Times" pitchFamily="2" charset="0"/>
-                      </a:endParaRPr>
-                    </a:p>
-                  </a:txBody>
-                  <a:tcPr anchor="ctr"/>
-                </a:tc>
-                <a:tc>
-                  <a:txBody>
-                    <a:bodyPr/>
-                    <a:lstStyle/>
-                    <a:p>
-                      <a:pPr algn="ctr" fontAlgn="ctr"/>
-                      <a:r>
-                        <a:rPr lang="de-DE" sz="1000" u="none" strike="noStrike">
-                          <a:effectLst/>
-                          <a:latin typeface="Times" pitchFamily="2" charset="0"/>
-                        </a:rPr>
-                        <a:t>0.15±0.01</a:t>
-                      </a:r>
-                      <a:endParaRPr lang="de-DE" sz="1000" b="0" i="0" u="none" strike="noStrike">
-                        <a:solidFill>
-                          <a:srgbClr val="000000"/>
-                        </a:solidFill>
-                        <a:effectLst/>
-                        <a:latin typeface="Times" pitchFamily="2" charset="0"/>
-                      </a:endParaRPr>
-                    </a:p>
-                  </a:txBody>
-                  <a:tcPr anchor="ctr"/>
-                </a:tc>
-                <a:tc>
-                  <a:txBody>
-                    <a:bodyPr/>
-                    <a:lstStyle/>
-                    <a:p>
-                      <a:pPr algn="ctr" fontAlgn="ctr"/>
-                      <a:r>
-                        <a:rPr lang="de-DE" sz="1000" u="none" strike="noStrike">
-                          <a:effectLst/>
-                          <a:latin typeface="Times" pitchFamily="2" charset="0"/>
-                        </a:rPr>
-                        <a:t>0.06±0.01</a:t>
-                      </a:r>
-                      <a:endParaRPr lang="de-DE" sz="1000" b="0" i="0" u="none" strike="noStrike">
-                        <a:solidFill>
-                          <a:srgbClr val="000000"/>
-                        </a:solidFill>
-                        <a:effectLst/>
-                        <a:latin typeface="Times" pitchFamily="2" charset="0"/>
-                      </a:endParaRPr>
-                    </a:p>
-                  </a:txBody>
-                  <a:tcPr anchor="ctr"/>
-                </a:tc>
-                <a:tc>
-                  <a:txBody>
-                    <a:bodyPr/>
-                    <a:lstStyle/>
-                    <a:p>
-                      <a:pPr algn="l" fontAlgn="ctr"/>
-                      <a:r>
-                        <a:rPr lang="de-DE" sz="1000" u="none" strike="noStrike">
-                          <a:effectLst/>
-                          <a:latin typeface="Times" pitchFamily="2" charset="0"/>
-                        </a:rPr>
-                        <a:t>0.16±0.01</a:t>
-                      </a:r>
-                      <a:endParaRPr lang="de-DE" sz="1000" b="0" i="0" u="none" strike="noStrike">
-                        <a:solidFill>
-                          <a:srgbClr val="000000"/>
-                        </a:solidFill>
-                        <a:effectLst/>
-                        <a:latin typeface="Times" pitchFamily="2" charset="0"/>
-                      </a:endParaRPr>
-                    </a:p>
-                  </a:txBody>
-                  <a:tcPr anchor="ctr"/>
-                </a:tc>
-                <a:tc>
-                  <a:txBody>
-                    <a:bodyPr/>
-                    <a:lstStyle/>
-                    <a:p>
-                      <a:pPr algn="l" fontAlgn="ctr"/>
-                      <a:r>
-                        <a:rPr lang="de-DE" sz="1000" u="none" strike="noStrike">
-                          <a:effectLst/>
-                          <a:latin typeface="Times" pitchFamily="2" charset="0"/>
-                        </a:rPr>
-                        <a:t>0.06±0.01</a:t>
-                      </a:r>
-                      <a:endParaRPr lang="de-DE" sz="1000" b="0" i="0" u="none" strike="noStrike">
-                        <a:solidFill>
-                          <a:srgbClr val="000000"/>
-                        </a:solidFill>
-                        <a:effectLst/>
-                        <a:latin typeface="Times" pitchFamily="2" charset="0"/>
-                      </a:endParaRPr>
-                    </a:p>
-                  </a:txBody>
-                  <a:tcPr anchor="ctr"/>
-                </a:tc>
-                <a:tc>
-                  <a:txBody>
-                    <a:bodyPr/>
-                    <a:lstStyle/>
-                    <a:p>
-                      <a:pPr algn="l" fontAlgn="ctr"/>
-                      <a:r>
-                        <a:rPr lang="de-DE" sz="1000" u="none" strike="noStrike">
-                          <a:effectLst/>
-                          <a:latin typeface="Times" pitchFamily="2" charset="0"/>
-                        </a:rPr>
-                        <a:t>0.15±0.01</a:t>
-                      </a:r>
-                      <a:endParaRPr lang="de-DE" sz="1000" b="0" i="0" u="none" strike="noStrike">
-                        <a:solidFill>
-                          <a:srgbClr val="000000"/>
-                        </a:solidFill>
-                        <a:effectLst/>
-                        <a:latin typeface="Times" pitchFamily="2" charset="0"/>
-                      </a:endParaRPr>
-                    </a:p>
-                  </a:txBody>
-                  <a:tcPr anchor="ctr"/>
-                </a:tc>
-                <a:tc>
-                  <a:txBody>
-                    <a:bodyPr/>
-                    <a:lstStyle/>
-                    <a:p>
-                      <a:pPr algn="l" fontAlgn="ctr"/>
-                      <a:r>
-                        <a:rPr lang="de-DE" sz="1000" u="none" strike="noStrike">
-                          <a:effectLst/>
-                          <a:latin typeface="Times" pitchFamily="2" charset="0"/>
-                        </a:rPr>
-                        <a:t>0.07±0.01</a:t>
-                      </a:r>
-                      <a:endParaRPr lang="de-DE" sz="1000" b="0" i="0" u="none" strike="noStrike">
-                        <a:solidFill>
-                          <a:srgbClr val="000000"/>
-                        </a:solidFill>
-                        <a:effectLst/>
-                        <a:latin typeface="Times" pitchFamily="2" charset="0"/>
-                      </a:endParaRPr>
-                    </a:p>
-                  </a:txBody>
-                  <a:tcPr anchor="ctr"/>
-                </a:tc>
-                <a:extLst>
-                  <a:ext uri="{0D108BD9-81ED-4DB2-BD59-A6C34878D82A}">
-                    <a16:rowId xmlns:a16="http://schemas.microsoft.com/office/drawing/2014/main" val="2823236780"/>
-                  </a:ext>
-                </a:extLst>
-              </a:tr>
-              <a:tr h="176919">
-                <a:tc vMerge="1">
-                  <a:txBody>
-                    <a:bodyPr/>
-                    <a:lstStyle/>
-                    <a:p>
-                      <a:endParaRPr lang="de-DE"/>
-                    </a:p>
-                  </a:txBody>
-                  <a:tcPr/>
-                </a:tc>
-                <a:tc>
-                  <a:txBody>
-                    <a:bodyPr/>
-                    <a:lstStyle/>
-                    <a:p>
-                      <a:pPr algn="ctr" fontAlgn="ctr"/>
-                      <a:r>
-                        <a:rPr lang="de-DE" sz="1000" u="none" strike="noStrike">
-                          <a:effectLst/>
-                          <a:latin typeface="Times" pitchFamily="2" charset="0"/>
-                        </a:rPr>
-                        <a:t>SVR</a:t>
-                      </a:r>
-                      <a:endParaRPr lang="de-DE" sz="1000" b="0" i="0" u="none" strike="noStrike">
-                        <a:solidFill>
-                          <a:srgbClr val="000000"/>
-                        </a:solidFill>
-                        <a:effectLst/>
-                        <a:latin typeface="Times" pitchFamily="2" charset="0"/>
-                      </a:endParaRPr>
-                    </a:p>
-                  </a:txBody>
-                  <a:tcPr anchor="ctr"/>
-                </a:tc>
-                <a:tc>
-                  <a:txBody>
-                    <a:bodyPr/>
-                    <a:lstStyle/>
-                    <a:p>
-                      <a:pPr algn="ctr" fontAlgn="ctr"/>
-                      <a:r>
-                        <a:rPr lang="de-DE" sz="1000" u="none" strike="noStrike">
-                          <a:effectLst/>
-                          <a:latin typeface="Times" pitchFamily="2" charset="0"/>
-                        </a:rPr>
-                        <a:t>0.35±0.01</a:t>
-                      </a:r>
-                      <a:endParaRPr lang="de-DE" sz="1000" b="0" i="0" u="none" strike="noStrike">
-                        <a:solidFill>
-                          <a:srgbClr val="000000"/>
-                        </a:solidFill>
-                        <a:effectLst/>
-                        <a:latin typeface="Times" pitchFamily="2" charset="0"/>
-                      </a:endParaRPr>
-                    </a:p>
-                  </a:txBody>
-                  <a:tcPr anchor="ctr"/>
-                </a:tc>
-                <a:tc>
-                  <a:txBody>
-                    <a:bodyPr/>
-                    <a:lstStyle/>
-                    <a:p>
-                      <a:pPr algn="ctr" fontAlgn="ctr"/>
-                      <a:r>
-                        <a:rPr lang="de-DE" sz="1000" u="none" strike="noStrike">
-                          <a:effectLst/>
-                          <a:latin typeface="Times" pitchFamily="2" charset="0"/>
-                        </a:rPr>
-                        <a:t>0.13±0.01</a:t>
-                      </a:r>
-                      <a:endParaRPr lang="de-DE" sz="1000" b="0" i="0" u="none" strike="noStrike">
-                        <a:solidFill>
-                          <a:srgbClr val="000000"/>
-                        </a:solidFill>
-                        <a:effectLst/>
-                        <a:latin typeface="Times" pitchFamily="2" charset="0"/>
-                      </a:endParaRPr>
-                    </a:p>
-                  </a:txBody>
-                  <a:tcPr anchor="ctr"/>
-                </a:tc>
-                <a:tc>
-                  <a:txBody>
-                    <a:bodyPr/>
-                    <a:lstStyle/>
-                    <a:p>
-                      <a:pPr algn="l" fontAlgn="ctr"/>
-                      <a:r>
-                        <a:rPr lang="de-DE" sz="1000" u="none" strike="noStrike">
-                          <a:effectLst/>
-                          <a:latin typeface="Times" pitchFamily="2" charset="0"/>
-                        </a:rPr>
-                        <a:t>0.35±0.01</a:t>
-                      </a:r>
-                      <a:endParaRPr lang="de-DE" sz="1000" b="0" i="0" u="none" strike="noStrike">
-                        <a:solidFill>
-                          <a:srgbClr val="000000"/>
-                        </a:solidFill>
-                        <a:effectLst/>
-                        <a:latin typeface="Times" pitchFamily="2" charset="0"/>
-                      </a:endParaRPr>
-                    </a:p>
-                  </a:txBody>
-                  <a:tcPr anchor="ctr"/>
-                </a:tc>
-                <a:tc>
-                  <a:txBody>
-                    <a:bodyPr/>
-                    <a:lstStyle/>
-                    <a:p>
-                      <a:pPr algn="l" fontAlgn="ctr"/>
-                      <a:r>
-                        <a:rPr lang="de-DE" sz="1000" u="none" strike="noStrike">
-                          <a:effectLst/>
-                          <a:latin typeface="Times" pitchFamily="2" charset="0"/>
-                        </a:rPr>
-                        <a:t>0.14±0.01</a:t>
-                      </a:r>
-                      <a:endParaRPr lang="de-DE" sz="1000" b="0" i="0" u="none" strike="noStrike">
-                        <a:solidFill>
-                          <a:srgbClr val="000000"/>
-                        </a:solidFill>
-                        <a:effectLst/>
-                        <a:latin typeface="Times" pitchFamily="2" charset="0"/>
-                      </a:endParaRPr>
-                    </a:p>
-                  </a:txBody>
-                  <a:tcPr anchor="ctr"/>
-                </a:tc>
-                <a:tc>
-                  <a:txBody>
-                    <a:bodyPr/>
-                    <a:lstStyle/>
-                    <a:p>
-                      <a:pPr algn="l" fontAlgn="ctr"/>
-                      <a:r>
-                        <a:rPr lang="de-DE" sz="1000" u="none" strike="noStrike">
-                          <a:effectLst/>
-                          <a:latin typeface="Times" pitchFamily="2" charset="0"/>
-                        </a:rPr>
-                        <a:t>0.33±0.01</a:t>
-                      </a:r>
-                      <a:endParaRPr lang="de-DE" sz="1000" b="0" i="0" u="none" strike="noStrike">
-                        <a:solidFill>
-                          <a:srgbClr val="000000"/>
-                        </a:solidFill>
-                        <a:effectLst/>
-                        <a:latin typeface="Times" pitchFamily="2" charset="0"/>
-                      </a:endParaRPr>
-                    </a:p>
-                  </a:txBody>
-                  <a:tcPr anchor="ctr"/>
-                </a:tc>
-                <a:tc>
-                  <a:txBody>
-                    <a:bodyPr/>
-                    <a:lstStyle/>
-                    <a:p>
-                      <a:pPr algn="l" fontAlgn="ctr"/>
-                      <a:r>
-                        <a:rPr lang="de-DE" sz="1000" u="none" strike="noStrike">
-                          <a:effectLst/>
-                          <a:latin typeface="Times" pitchFamily="2" charset="0"/>
-                        </a:rPr>
-                        <a:t>0.14±0.01</a:t>
-                      </a:r>
-                      <a:endParaRPr lang="de-DE" sz="1000" b="0" i="0" u="none" strike="noStrike">
-                        <a:solidFill>
-                          <a:srgbClr val="000000"/>
-                        </a:solidFill>
-                        <a:effectLst/>
-                        <a:latin typeface="Times" pitchFamily="2" charset="0"/>
-                      </a:endParaRPr>
-                    </a:p>
-                  </a:txBody>
-                  <a:tcPr anchor="ctr"/>
-                </a:tc>
-                <a:tc>
-                  <a:txBody>
-                    <a:bodyPr/>
-                    <a:lstStyle/>
-                    <a:p>
-                      <a:pPr algn="ctr" fontAlgn="ctr"/>
-                      <a:r>
-                        <a:rPr lang="de-DE" sz="1000" u="none" strike="noStrike">
-                          <a:effectLst/>
-                          <a:latin typeface="Times" pitchFamily="2" charset="0"/>
-                        </a:rPr>
-                        <a:t>0.24±0.01</a:t>
-                      </a:r>
-                      <a:endParaRPr lang="de-DE" sz="1000" b="0" i="0" u="none" strike="noStrike">
-                        <a:solidFill>
-                          <a:srgbClr val="000000"/>
-                        </a:solidFill>
-                        <a:effectLst/>
-                        <a:latin typeface="Times" pitchFamily="2" charset="0"/>
-                      </a:endParaRPr>
-                    </a:p>
-                  </a:txBody>
-                  <a:tcPr anchor="ctr"/>
-                </a:tc>
-                <a:tc>
-                  <a:txBody>
-                    <a:bodyPr/>
-                    <a:lstStyle/>
-                    <a:p>
-                      <a:pPr algn="ctr" fontAlgn="ctr"/>
-                      <a:r>
-                        <a:rPr lang="de-DE" sz="1000" u="none" strike="noStrike">
-                          <a:effectLst/>
-                          <a:latin typeface="Times" pitchFamily="2" charset="0"/>
-                        </a:rPr>
-                        <a:t>0.06±0.01</a:t>
-                      </a:r>
-                      <a:endParaRPr lang="de-DE" sz="1000" b="0" i="0" u="none" strike="noStrike">
-                        <a:solidFill>
-                          <a:srgbClr val="000000"/>
-                        </a:solidFill>
-                        <a:effectLst/>
-                        <a:latin typeface="Times" pitchFamily="2" charset="0"/>
-                      </a:endParaRPr>
-                    </a:p>
-                  </a:txBody>
-                  <a:tcPr anchor="ctr"/>
-                </a:tc>
-                <a:tc>
-                  <a:txBody>
-                    <a:bodyPr/>
-                    <a:lstStyle/>
-                    <a:p>
-                      <a:pPr algn="l" fontAlgn="ctr"/>
-                      <a:r>
-                        <a:rPr lang="de-DE" sz="1000" u="none" strike="noStrike">
-                          <a:effectLst/>
-                          <a:latin typeface="Times" pitchFamily="2" charset="0"/>
-                        </a:rPr>
-                        <a:t>0.22±0.01</a:t>
-                      </a:r>
-                      <a:endParaRPr lang="de-DE" sz="1000" b="0" i="0" u="none" strike="noStrike">
-                        <a:solidFill>
-                          <a:srgbClr val="000000"/>
-                        </a:solidFill>
-                        <a:effectLst/>
-                        <a:latin typeface="Times" pitchFamily="2" charset="0"/>
-                      </a:endParaRPr>
-                    </a:p>
-                  </a:txBody>
-                  <a:tcPr anchor="ctr"/>
-                </a:tc>
-                <a:tc>
-                  <a:txBody>
-                    <a:bodyPr/>
-                    <a:lstStyle/>
-                    <a:p>
-                      <a:pPr algn="l" fontAlgn="ctr"/>
-                      <a:r>
-                        <a:rPr lang="de-DE" sz="1000" u="none" strike="noStrike">
-                          <a:effectLst/>
-                          <a:latin typeface="Times" pitchFamily="2" charset="0"/>
-                        </a:rPr>
-                        <a:t>0.05±0.01</a:t>
-                      </a:r>
-                      <a:endParaRPr lang="de-DE" sz="1000" b="0" i="0" u="none" strike="noStrike">
-                        <a:solidFill>
-                          <a:srgbClr val="000000"/>
-                        </a:solidFill>
-                        <a:effectLst/>
-                        <a:latin typeface="Times" pitchFamily="2" charset="0"/>
-                      </a:endParaRPr>
-                    </a:p>
-                  </a:txBody>
-                  <a:tcPr anchor="ctr"/>
-                </a:tc>
-                <a:tc>
-                  <a:txBody>
-                    <a:bodyPr/>
-                    <a:lstStyle/>
-                    <a:p>
-                      <a:pPr algn="l" fontAlgn="ctr"/>
-                      <a:r>
-                        <a:rPr lang="de-DE" sz="1000" u="none" strike="noStrike">
-                          <a:effectLst/>
-                          <a:latin typeface="Times" pitchFamily="2" charset="0"/>
-                        </a:rPr>
-                        <a:t>0.2±0.01</a:t>
-                      </a:r>
-                      <a:endParaRPr lang="de-DE" sz="1000" b="0" i="0" u="none" strike="noStrike">
-                        <a:solidFill>
-                          <a:srgbClr val="000000"/>
-                        </a:solidFill>
-                        <a:effectLst/>
-                        <a:latin typeface="Times" pitchFamily="2" charset="0"/>
-                      </a:endParaRPr>
-                    </a:p>
-                  </a:txBody>
-                  <a:tcPr anchor="ctr"/>
-                </a:tc>
-                <a:tc>
-                  <a:txBody>
-                    <a:bodyPr/>
-                    <a:lstStyle/>
-                    <a:p>
-                      <a:pPr algn="l" fontAlgn="ctr"/>
-                      <a:r>
-                        <a:rPr lang="de-DE" sz="1000" u="none" strike="noStrike">
-                          <a:effectLst/>
-                          <a:latin typeface="Times" pitchFamily="2" charset="0"/>
-                        </a:rPr>
-                        <a:t>0.07±0.02</a:t>
-                      </a:r>
-                      <a:endParaRPr lang="de-DE" sz="1000" b="0" i="0" u="none" strike="noStrike">
-                        <a:solidFill>
-                          <a:srgbClr val="000000"/>
-                        </a:solidFill>
-                        <a:effectLst/>
-                        <a:latin typeface="Times" pitchFamily="2" charset="0"/>
-                      </a:endParaRPr>
-                    </a:p>
-                  </a:txBody>
-                  <a:tcPr anchor="ctr"/>
-                </a:tc>
-                <a:extLst>
-                  <a:ext uri="{0D108BD9-81ED-4DB2-BD59-A6C34878D82A}">
-                    <a16:rowId xmlns:a16="http://schemas.microsoft.com/office/drawing/2014/main" val="193982992"/>
-                  </a:ext>
-                </a:extLst>
-              </a:tr>
-              <a:tr h="176919">
-                <a:tc rowSpan="3">
-                  <a:txBody>
-                    <a:bodyPr/>
-                    <a:lstStyle/>
-                    <a:p>
-                      <a:pPr algn="ctr" fontAlgn="ctr"/>
-                      <a:r>
-                        <a:rPr lang="de-DE" sz="1000" u="none" strike="noStrike">
-                          <a:effectLst/>
-                          <a:latin typeface="Times" pitchFamily="2" charset="0"/>
-                        </a:rPr>
-                        <a:t>Search-based</a:t>
-                      </a:r>
-                      <a:endParaRPr lang="de-DE" sz="1000" b="0" i="0" u="none" strike="noStrike">
-                        <a:solidFill>
-                          <a:srgbClr val="000000"/>
-                        </a:solidFill>
-                        <a:effectLst/>
-                        <a:latin typeface="Times" pitchFamily="2" charset="0"/>
-                      </a:endParaRPr>
-                    </a:p>
-                  </a:txBody>
-                  <a:tcPr anchor="ctr"/>
-                </a:tc>
-                <a:tc>
-                  <a:txBody>
-                    <a:bodyPr/>
-                    <a:lstStyle/>
-                    <a:p>
-                      <a:pPr algn="ctr" fontAlgn="ctr"/>
-                      <a:r>
-                        <a:rPr lang="de-DE" sz="1000" u="none" strike="noStrike">
-                          <a:effectLst/>
-                          <a:latin typeface="Times" pitchFamily="2" charset="0"/>
-                        </a:rPr>
-                        <a:t>Euclidean</a:t>
-                      </a:r>
-                      <a:endParaRPr lang="de-DE" sz="1000" b="0" i="0" u="none" strike="noStrike">
-                        <a:solidFill>
-                          <a:srgbClr val="000000"/>
-                        </a:solidFill>
-                        <a:effectLst/>
-                        <a:latin typeface="Times" pitchFamily="2" charset="0"/>
-                      </a:endParaRPr>
-                    </a:p>
-                  </a:txBody>
-                  <a:tcPr anchor="ctr"/>
-                </a:tc>
-                <a:tc>
-                  <a:txBody>
-                    <a:bodyPr/>
-                    <a:lstStyle/>
-                    <a:p>
-                      <a:pPr algn="ctr" fontAlgn="ctr"/>
-                      <a:r>
-                        <a:rPr lang="de-DE" sz="1000" u="none" strike="noStrike">
-                          <a:effectLst/>
-                          <a:latin typeface="Times" pitchFamily="2" charset="0"/>
-                        </a:rPr>
-                        <a:t>0.42±0.02</a:t>
-                      </a:r>
-                      <a:endParaRPr lang="de-DE" sz="1000" b="0" i="0" u="none" strike="noStrike">
-                        <a:solidFill>
-                          <a:srgbClr val="000000"/>
-                        </a:solidFill>
-                        <a:effectLst/>
-                        <a:latin typeface="Times" pitchFamily="2" charset="0"/>
-                      </a:endParaRPr>
-                    </a:p>
-                  </a:txBody>
-                  <a:tcPr anchor="ctr"/>
-                </a:tc>
-                <a:tc>
-                  <a:txBody>
-                    <a:bodyPr/>
-                    <a:lstStyle/>
-                    <a:p>
-                      <a:pPr algn="ctr" fontAlgn="ctr"/>
-                      <a:r>
-                        <a:rPr lang="de-DE" sz="1000" u="none" strike="noStrike">
-                          <a:effectLst/>
-                          <a:latin typeface="Times" pitchFamily="2" charset="0"/>
-                        </a:rPr>
-                        <a:t>0.14±0.01</a:t>
-                      </a:r>
-                      <a:endParaRPr lang="de-DE" sz="1000" b="0" i="0" u="none" strike="noStrike">
-                        <a:solidFill>
-                          <a:srgbClr val="000000"/>
-                        </a:solidFill>
-                        <a:effectLst/>
-                        <a:latin typeface="Times" pitchFamily="2" charset="0"/>
-                      </a:endParaRPr>
-                    </a:p>
-                  </a:txBody>
-                  <a:tcPr anchor="ctr"/>
-                </a:tc>
-                <a:tc>
-                  <a:txBody>
-                    <a:bodyPr/>
-                    <a:lstStyle/>
-                    <a:p>
-                      <a:pPr algn="l" fontAlgn="ctr"/>
-                      <a:r>
-                        <a:rPr lang="de-DE" sz="1000" u="none" strike="noStrike">
-                          <a:effectLst/>
-                          <a:latin typeface="Times" pitchFamily="2" charset="0"/>
-                        </a:rPr>
-                        <a:t>0.44±0.02</a:t>
-                      </a:r>
-                      <a:endParaRPr lang="de-DE" sz="1000" b="0" i="0" u="none" strike="noStrike">
-                        <a:solidFill>
-                          <a:srgbClr val="000000"/>
-                        </a:solidFill>
-                        <a:effectLst/>
-                        <a:latin typeface="Times" pitchFamily="2" charset="0"/>
-                      </a:endParaRPr>
-                    </a:p>
-                  </a:txBody>
-                  <a:tcPr anchor="ctr"/>
-                </a:tc>
-                <a:tc>
-                  <a:txBody>
-                    <a:bodyPr/>
-                    <a:lstStyle/>
-                    <a:p>
-                      <a:pPr algn="l" fontAlgn="ctr"/>
-                      <a:r>
-                        <a:rPr lang="de-DE" sz="1000" u="none" strike="noStrike">
-                          <a:effectLst/>
-                          <a:latin typeface="Times" pitchFamily="2" charset="0"/>
-                        </a:rPr>
-                        <a:t>0.12±0.01</a:t>
-                      </a:r>
-                      <a:endParaRPr lang="de-DE" sz="1000" b="0" i="0" u="none" strike="noStrike">
-                        <a:solidFill>
-                          <a:srgbClr val="000000"/>
-                        </a:solidFill>
-                        <a:effectLst/>
-                        <a:latin typeface="Times" pitchFamily="2" charset="0"/>
-                      </a:endParaRPr>
-                    </a:p>
-                  </a:txBody>
-                  <a:tcPr anchor="ctr"/>
-                </a:tc>
-                <a:tc>
-                  <a:txBody>
-                    <a:bodyPr/>
-                    <a:lstStyle/>
-                    <a:p>
-                      <a:pPr algn="l" fontAlgn="ctr"/>
-                      <a:r>
-                        <a:rPr lang="de-DE" sz="1000" u="none" strike="noStrike">
-                          <a:effectLst/>
-                          <a:latin typeface="Times" pitchFamily="2" charset="0"/>
-                        </a:rPr>
-                        <a:t>0.42±0.01</a:t>
-                      </a:r>
-                      <a:endParaRPr lang="de-DE" sz="1000" b="0" i="0" u="none" strike="noStrike">
-                        <a:solidFill>
-                          <a:srgbClr val="000000"/>
-                        </a:solidFill>
-                        <a:effectLst/>
-                        <a:latin typeface="Times" pitchFamily="2" charset="0"/>
-                      </a:endParaRPr>
-                    </a:p>
-                  </a:txBody>
-                  <a:tcPr anchor="ctr"/>
-                </a:tc>
-                <a:tc>
-                  <a:txBody>
-                    <a:bodyPr/>
-                    <a:lstStyle/>
-                    <a:p>
-                      <a:pPr algn="l" fontAlgn="ctr"/>
-                      <a:r>
-                        <a:rPr lang="de-DE" sz="1000" u="none" strike="noStrike">
-                          <a:effectLst/>
-                          <a:latin typeface="Times" pitchFamily="2" charset="0"/>
-                        </a:rPr>
-                        <a:t>0.11±0.01</a:t>
-                      </a:r>
-                      <a:endParaRPr lang="de-DE" sz="1000" b="0" i="0" u="none" strike="noStrike">
-                        <a:solidFill>
-                          <a:srgbClr val="000000"/>
-                        </a:solidFill>
-                        <a:effectLst/>
-                        <a:latin typeface="Times" pitchFamily="2" charset="0"/>
-                      </a:endParaRPr>
-                    </a:p>
-                  </a:txBody>
-                  <a:tcPr anchor="ctr"/>
-                </a:tc>
-                <a:tc>
-                  <a:txBody>
-                    <a:bodyPr/>
-                    <a:lstStyle/>
-                    <a:p>
-                      <a:pPr algn="ctr" fontAlgn="ctr"/>
-                      <a:r>
-                        <a:rPr lang="de-DE" sz="1000" u="none" strike="noStrike">
-                          <a:effectLst/>
-                          <a:latin typeface="Times" pitchFamily="2" charset="0"/>
-                        </a:rPr>
-                        <a:t>0.13±0.01</a:t>
-                      </a:r>
-                      <a:endParaRPr lang="de-DE" sz="1000" b="0" i="0" u="none" strike="noStrike">
-                        <a:solidFill>
-                          <a:srgbClr val="000000"/>
-                        </a:solidFill>
-                        <a:effectLst/>
-                        <a:latin typeface="Times" pitchFamily="2" charset="0"/>
-                      </a:endParaRPr>
-                    </a:p>
-                  </a:txBody>
-                  <a:tcPr anchor="ctr"/>
-                </a:tc>
-                <a:tc>
-                  <a:txBody>
-                    <a:bodyPr/>
-                    <a:lstStyle/>
-                    <a:p>
-                      <a:pPr algn="ctr" fontAlgn="ctr"/>
-                      <a:r>
-                        <a:rPr lang="de-DE" sz="1000" u="none" strike="noStrike">
-                          <a:effectLst/>
-                          <a:latin typeface="Times" pitchFamily="2" charset="0"/>
-                        </a:rPr>
-                        <a:t>0.06±0.01</a:t>
-                      </a:r>
-                      <a:endParaRPr lang="de-DE" sz="1000" b="0" i="0" u="none" strike="noStrike">
-                        <a:solidFill>
-                          <a:srgbClr val="000000"/>
-                        </a:solidFill>
-                        <a:effectLst/>
-                        <a:latin typeface="Times" pitchFamily="2" charset="0"/>
-                      </a:endParaRPr>
-                    </a:p>
-                  </a:txBody>
-                  <a:tcPr anchor="ctr"/>
-                </a:tc>
-                <a:tc>
-                  <a:txBody>
-                    <a:bodyPr/>
-                    <a:lstStyle/>
-                    <a:p>
-                      <a:pPr algn="l" fontAlgn="ctr"/>
-                      <a:r>
-                        <a:rPr lang="de-DE" sz="1000" u="none" strike="noStrike">
-                          <a:effectLst/>
-                          <a:latin typeface="Times" pitchFamily="2" charset="0"/>
-                        </a:rPr>
-                        <a:t>0.14±0.01</a:t>
-                      </a:r>
-                      <a:endParaRPr lang="de-DE" sz="1000" b="0" i="0" u="none" strike="noStrike">
-                        <a:solidFill>
-                          <a:srgbClr val="000000"/>
-                        </a:solidFill>
-                        <a:effectLst/>
-                        <a:latin typeface="Times" pitchFamily="2" charset="0"/>
-                      </a:endParaRPr>
-                    </a:p>
-                  </a:txBody>
-                  <a:tcPr anchor="ctr"/>
-                </a:tc>
-                <a:tc>
-                  <a:txBody>
-                    <a:bodyPr/>
-                    <a:lstStyle/>
-                    <a:p>
-                      <a:pPr algn="l" fontAlgn="ctr"/>
-                      <a:r>
-                        <a:rPr lang="de-DE" sz="1000" u="none" strike="noStrike">
-                          <a:effectLst/>
-                          <a:latin typeface="Times" pitchFamily="2" charset="0"/>
-                        </a:rPr>
-                        <a:t>0.07±0.01</a:t>
-                      </a:r>
-                      <a:endParaRPr lang="de-DE" sz="1000" b="0" i="0" u="none" strike="noStrike">
-                        <a:solidFill>
-                          <a:srgbClr val="000000"/>
-                        </a:solidFill>
-                        <a:effectLst/>
-                        <a:latin typeface="Times" pitchFamily="2" charset="0"/>
-                      </a:endParaRPr>
-                    </a:p>
-                  </a:txBody>
-                  <a:tcPr anchor="ctr"/>
-                </a:tc>
-                <a:tc>
-                  <a:txBody>
-                    <a:bodyPr/>
-                    <a:lstStyle/>
-                    <a:p>
-                      <a:pPr algn="l" fontAlgn="ctr"/>
-                      <a:r>
-                        <a:rPr lang="de-DE" sz="1000" u="none" strike="noStrike">
-                          <a:effectLst/>
-                          <a:latin typeface="Times" pitchFamily="2" charset="0"/>
-                        </a:rPr>
-                        <a:t>0.15±0.01</a:t>
-                      </a:r>
-                      <a:endParaRPr lang="de-DE" sz="1000" b="0" i="0" u="none" strike="noStrike">
-                        <a:solidFill>
-                          <a:srgbClr val="000000"/>
-                        </a:solidFill>
-                        <a:effectLst/>
-                        <a:latin typeface="Times" pitchFamily="2" charset="0"/>
-                      </a:endParaRPr>
-                    </a:p>
-                  </a:txBody>
-                  <a:tcPr anchor="ctr"/>
-                </a:tc>
-                <a:tc>
-                  <a:txBody>
-                    <a:bodyPr/>
-                    <a:lstStyle/>
-                    <a:p>
-                      <a:pPr algn="l" fontAlgn="ctr"/>
-                      <a:r>
-                        <a:rPr lang="de-DE" sz="1000" u="none" strike="noStrike">
-                          <a:effectLst/>
-                          <a:latin typeface="Times" pitchFamily="2" charset="0"/>
-                        </a:rPr>
-                        <a:t>0.09±0.02</a:t>
-                      </a:r>
-                      <a:endParaRPr lang="de-DE" sz="1000" b="0" i="0" u="none" strike="noStrike">
-                        <a:solidFill>
-                          <a:srgbClr val="000000"/>
-                        </a:solidFill>
-                        <a:effectLst/>
-                        <a:latin typeface="Times" pitchFamily="2" charset="0"/>
-                      </a:endParaRPr>
-                    </a:p>
-                  </a:txBody>
-                  <a:tcPr anchor="ctr"/>
-                </a:tc>
-                <a:extLst>
-                  <a:ext uri="{0D108BD9-81ED-4DB2-BD59-A6C34878D82A}">
-                    <a16:rowId xmlns:a16="http://schemas.microsoft.com/office/drawing/2014/main" val="4031447884"/>
-                  </a:ext>
-                </a:extLst>
-              </a:tr>
-              <a:tr h="176919">
-                <a:tc vMerge="1">
-                  <a:txBody>
-                    <a:bodyPr/>
-                    <a:lstStyle/>
-                    <a:p>
-                      <a:endParaRPr lang="de-DE"/>
-                    </a:p>
-                  </a:txBody>
-                  <a:tcPr/>
-                </a:tc>
-                <a:tc>
-                  <a:txBody>
-                    <a:bodyPr/>
-                    <a:lstStyle/>
-                    <a:p>
-                      <a:pPr algn="ctr" fontAlgn="ctr"/>
-                      <a:r>
-                        <a:rPr lang="de-DE" sz="1000" u="none" strike="noStrike">
-                          <a:effectLst/>
-                          <a:latin typeface="Times" pitchFamily="2" charset="0"/>
-                        </a:rPr>
-                        <a:t>chebyshev</a:t>
-                      </a:r>
-                      <a:endParaRPr lang="de-DE" sz="1000" b="0" i="0" u="none" strike="noStrike">
-                        <a:solidFill>
-                          <a:srgbClr val="000000"/>
-                        </a:solidFill>
-                        <a:effectLst/>
-                        <a:latin typeface="Times" pitchFamily="2" charset="0"/>
-                      </a:endParaRPr>
-                    </a:p>
-                  </a:txBody>
-                  <a:tcPr anchor="ctr"/>
-                </a:tc>
-                <a:tc>
-                  <a:txBody>
-                    <a:bodyPr/>
-                    <a:lstStyle/>
-                    <a:p>
-                      <a:pPr algn="ctr" fontAlgn="ctr"/>
-                      <a:r>
-                        <a:rPr lang="de-DE" sz="1000" u="none" strike="noStrike">
-                          <a:effectLst/>
-                          <a:latin typeface="Times" pitchFamily="2" charset="0"/>
-                        </a:rPr>
-                        <a:t>0.41±0.01</a:t>
-                      </a:r>
-                      <a:endParaRPr lang="de-DE" sz="1000" b="0" i="0" u="none" strike="noStrike">
-                        <a:solidFill>
-                          <a:srgbClr val="000000"/>
-                        </a:solidFill>
-                        <a:effectLst/>
-                        <a:latin typeface="Times" pitchFamily="2" charset="0"/>
-                      </a:endParaRPr>
-                    </a:p>
-                  </a:txBody>
-                  <a:tcPr anchor="ctr"/>
-                </a:tc>
-                <a:tc>
-                  <a:txBody>
-                    <a:bodyPr/>
-                    <a:lstStyle/>
-                    <a:p>
-                      <a:pPr algn="ctr" fontAlgn="ctr"/>
-                      <a:r>
-                        <a:rPr lang="de-DE" sz="1000" u="none" strike="noStrike">
-                          <a:effectLst/>
-                          <a:latin typeface="Times" pitchFamily="2" charset="0"/>
-                        </a:rPr>
-                        <a:t>0.15±0.01</a:t>
-                      </a:r>
-                      <a:endParaRPr lang="de-DE" sz="1000" b="0" i="0" u="none" strike="noStrike">
-                        <a:solidFill>
-                          <a:srgbClr val="000000"/>
-                        </a:solidFill>
-                        <a:effectLst/>
-                        <a:latin typeface="Times" pitchFamily="2" charset="0"/>
-                      </a:endParaRPr>
-                    </a:p>
-                  </a:txBody>
-                  <a:tcPr anchor="ctr"/>
-                </a:tc>
-                <a:tc>
-                  <a:txBody>
-                    <a:bodyPr/>
-                    <a:lstStyle/>
-                    <a:p>
-                      <a:pPr algn="l" fontAlgn="ctr"/>
-                      <a:r>
-                        <a:rPr lang="de-DE" sz="1000" u="none" strike="noStrike">
-                          <a:effectLst/>
-                          <a:latin typeface="Times" pitchFamily="2" charset="0"/>
-                        </a:rPr>
-                        <a:t>0.43±0.01</a:t>
-                      </a:r>
-                      <a:endParaRPr lang="de-DE" sz="1000" b="0" i="0" u="none" strike="noStrike">
-                        <a:solidFill>
-                          <a:srgbClr val="000000"/>
-                        </a:solidFill>
-                        <a:effectLst/>
-                        <a:latin typeface="Times" pitchFamily="2" charset="0"/>
-                      </a:endParaRPr>
-                    </a:p>
-                  </a:txBody>
-                  <a:tcPr anchor="ctr"/>
-                </a:tc>
-                <a:tc>
-                  <a:txBody>
-                    <a:bodyPr/>
-                    <a:lstStyle/>
-                    <a:p>
-                      <a:pPr algn="l" fontAlgn="ctr"/>
-                      <a:r>
-                        <a:rPr lang="de-DE" sz="1000" u="none" strike="noStrike">
-                          <a:effectLst/>
-                          <a:latin typeface="Times" pitchFamily="2" charset="0"/>
-                        </a:rPr>
-                        <a:t>0.12±0.01</a:t>
-                      </a:r>
-                      <a:endParaRPr lang="de-DE" sz="1000" b="0" i="0" u="none" strike="noStrike">
-                        <a:solidFill>
-                          <a:srgbClr val="000000"/>
-                        </a:solidFill>
-                        <a:effectLst/>
-                        <a:latin typeface="Times" pitchFamily="2" charset="0"/>
-                      </a:endParaRPr>
-                    </a:p>
-                  </a:txBody>
-                  <a:tcPr anchor="ctr"/>
-                </a:tc>
-                <a:tc>
-                  <a:txBody>
-                    <a:bodyPr/>
-                    <a:lstStyle/>
-                    <a:p>
-                      <a:pPr algn="l" fontAlgn="ctr"/>
-                      <a:r>
-                        <a:rPr lang="de-DE" sz="1000" u="none" strike="noStrike">
-                          <a:effectLst/>
-                          <a:latin typeface="Times" pitchFamily="2" charset="0"/>
-                        </a:rPr>
-                        <a:t>0.44±0.01</a:t>
-                      </a:r>
-                      <a:endParaRPr lang="de-DE" sz="1000" b="0" i="0" u="none" strike="noStrike">
-                        <a:solidFill>
-                          <a:srgbClr val="000000"/>
-                        </a:solidFill>
-                        <a:effectLst/>
-                        <a:latin typeface="Times" pitchFamily="2" charset="0"/>
-                      </a:endParaRPr>
-                    </a:p>
-                  </a:txBody>
-                  <a:tcPr anchor="ctr"/>
-                </a:tc>
-                <a:tc>
-                  <a:txBody>
-                    <a:bodyPr/>
-                    <a:lstStyle/>
-                    <a:p>
-                      <a:pPr algn="l" fontAlgn="ctr"/>
-                      <a:r>
-                        <a:rPr lang="de-DE" sz="1000" u="none" strike="noStrike">
-                          <a:effectLst/>
-                          <a:latin typeface="Times" pitchFamily="2" charset="0"/>
-                        </a:rPr>
-                        <a:t>0.13±0.01</a:t>
-                      </a:r>
-                      <a:endParaRPr lang="de-DE" sz="1000" b="0" i="0" u="none" strike="noStrike">
-                        <a:solidFill>
-                          <a:srgbClr val="000000"/>
-                        </a:solidFill>
-                        <a:effectLst/>
-                        <a:latin typeface="Times" pitchFamily="2" charset="0"/>
-                      </a:endParaRPr>
-                    </a:p>
-                  </a:txBody>
-                  <a:tcPr anchor="ctr"/>
-                </a:tc>
-                <a:tc>
-                  <a:txBody>
-                    <a:bodyPr/>
-                    <a:lstStyle/>
-                    <a:p>
-                      <a:pPr algn="ctr" fontAlgn="ctr"/>
-                      <a:r>
-                        <a:rPr lang="de-DE" sz="1000" u="none" strike="noStrike">
-                          <a:effectLst/>
-                          <a:latin typeface="Times" pitchFamily="2" charset="0"/>
-                        </a:rPr>
-                        <a:t>0.14±0.01</a:t>
-                      </a:r>
-                      <a:endParaRPr lang="de-DE" sz="1000" b="0" i="0" u="none" strike="noStrike">
-                        <a:solidFill>
-                          <a:srgbClr val="000000"/>
-                        </a:solidFill>
-                        <a:effectLst/>
-                        <a:latin typeface="Times" pitchFamily="2" charset="0"/>
-                      </a:endParaRPr>
-                    </a:p>
-                  </a:txBody>
-                  <a:tcPr anchor="ctr"/>
-                </a:tc>
-                <a:tc>
-                  <a:txBody>
-                    <a:bodyPr/>
-                    <a:lstStyle/>
-                    <a:p>
-                      <a:pPr algn="ctr" fontAlgn="ctr"/>
-                      <a:r>
-                        <a:rPr lang="de-DE" sz="1000" u="none" strike="noStrike">
-                          <a:effectLst/>
-                          <a:latin typeface="Times" pitchFamily="2" charset="0"/>
-                        </a:rPr>
-                        <a:t>0.07±0.01</a:t>
-                      </a:r>
-                      <a:endParaRPr lang="de-DE" sz="1000" b="0" i="0" u="none" strike="noStrike">
-                        <a:solidFill>
-                          <a:srgbClr val="000000"/>
-                        </a:solidFill>
-                        <a:effectLst/>
-                        <a:latin typeface="Times" pitchFamily="2" charset="0"/>
-                      </a:endParaRPr>
-                    </a:p>
-                  </a:txBody>
-                  <a:tcPr anchor="ctr"/>
-                </a:tc>
-                <a:tc>
-                  <a:txBody>
-                    <a:bodyPr/>
-                    <a:lstStyle/>
-                    <a:p>
-                      <a:pPr algn="l" fontAlgn="ctr"/>
-                      <a:r>
-                        <a:rPr lang="de-DE" sz="1000" u="none" strike="noStrike">
-                          <a:effectLst/>
-                          <a:latin typeface="Times" pitchFamily="2" charset="0"/>
-                        </a:rPr>
-                        <a:t>0.11±0.01</a:t>
-                      </a:r>
-                      <a:endParaRPr lang="de-DE" sz="1000" b="0" i="0" u="none" strike="noStrike">
-                        <a:solidFill>
-                          <a:srgbClr val="000000"/>
-                        </a:solidFill>
-                        <a:effectLst/>
-                        <a:latin typeface="Times" pitchFamily="2" charset="0"/>
-                      </a:endParaRPr>
-                    </a:p>
-                  </a:txBody>
-                  <a:tcPr anchor="ctr"/>
-                </a:tc>
-                <a:tc>
-                  <a:txBody>
-                    <a:bodyPr/>
-                    <a:lstStyle/>
-                    <a:p>
-                      <a:pPr algn="l" fontAlgn="ctr"/>
-                      <a:r>
-                        <a:rPr lang="de-DE" sz="1000" u="none" strike="noStrike">
-                          <a:effectLst/>
-                          <a:latin typeface="Times" pitchFamily="2" charset="0"/>
-                        </a:rPr>
-                        <a:t>0.06±0.01</a:t>
-                      </a:r>
-                      <a:endParaRPr lang="de-DE" sz="1000" b="0" i="0" u="none" strike="noStrike">
-                        <a:solidFill>
-                          <a:srgbClr val="000000"/>
-                        </a:solidFill>
-                        <a:effectLst/>
-                        <a:latin typeface="Times" pitchFamily="2" charset="0"/>
-                      </a:endParaRPr>
-                    </a:p>
-                  </a:txBody>
-                  <a:tcPr anchor="ctr"/>
-                </a:tc>
-                <a:tc>
-                  <a:txBody>
-                    <a:bodyPr/>
-                    <a:lstStyle/>
-                    <a:p>
-                      <a:pPr algn="l" fontAlgn="ctr"/>
-                      <a:r>
-                        <a:rPr lang="de-DE" sz="1000" u="none" strike="noStrike">
-                          <a:effectLst/>
-                          <a:latin typeface="Times" pitchFamily="2" charset="0"/>
-                        </a:rPr>
-                        <a:t>0.11±0.01</a:t>
-                      </a:r>
-                      <a:endParaRPr lang="de-DE" sz="1000" b="0" i="0" u="none" strike="noStrike">
-                        <a:solidFill>
-                          <a:srgbClr val="000000"/>
-                        </a:solidFill>
-                        <a:effectLst/>
-                        <a:latin typeface="Times" pitchFamily="2" charset="0"/>
-                      </a:endParaRPr>
-                    </a:p>
-                  </a:txBody>
-                  <a:tcPr anchor="ctr"/>
-                </a:tc>
-                <a:tc>
-                  <a:txBody>
-                    <a:bodyPr/>
-                    <a:lstStyle/>
-                    <a:p>
-                      <a:pPr algn="l" fontAlgn="ctr"/>
-                      <a:r>
-                        <a:rPr lang="de-DE" sz="1000" u="none" strike="noStrike">
-                          <a:effectLst/>
-                          <a:latin typeface="Times" pitchFamily="2" charset="0"/>
-                        </a:rPr>
-                        <a:t>0.07±0.01</a:t>
-                      </a:r>
-                      <a:endParaRPr lang="de-DE" sz="1000" b="0" i="0" u="none" strike="noStrike">
-                        <a:solidFill>
-                          <a:srgbClr val="000000"/>
-                        </a:solidFill>
-                        <a:effectLst/>
-                        <a:latin typeface="Times" pitchFamily="2" charset="0"/>
-                      </a:endParaRPr>
-                    </a:p>
-                  </a:txBody>
-                  <a:tcPr anchor="ctr"/>
-                </a:tc>
-                <a:extLst>
-                  <a:ext uri="{0D108BD9-81ED-4DB2-BD59-A6C34878D82A}">
-                    <a16:rowId xmlns:a16="http://schemas.microsoft.com/office/drawing/2014/main" val="1712813738"/>
-                  </a:ext>
-                </a:extLst>
-              </a:tr>
-              <a:tr h="176919">
-                <a:tc vMerge="1">
-                  <a:txBody>
-                    <a:bodyPr/>
-                    <a:lstStyle/>
-                    <a:p>
-                      <a:endParaRPr lang="de-DE"/>
-                    </a:p>
-                  </a:txBody>
-                  <a:tcPr/>
-                </a:tc>
-                <a:tc>
-                  <a:txBody>
-                    <a:bodyPr/>
-                    <a:lstStyle/>
-                    <a:p>
-                      <a:pPr algn="ctr" fontAlgn="ctr"/>
-                      <a:r>
-                        <a:rPr lang="de-DE" sz="1000" u="none" strike="noStrike">
-                          <a:effectLst/>
-                          <a:latin typeface="Times" pitchFamily="2" charset="0"/>
-                        </a:rPr>
-                        <a:t>cosine</a:t>
-                      </a:r>
-                      <a:endParaRPr lang="de-DE" sz="1000" b="0" i="0" u="none" strike="noStrike">
-                        <a:solidFill>
-                          <a:srgbClr val="000000"/>
-                        </a:solidFill>
-                        <a:effectLst/>
-                        <a:latin typeface="Times" pitchFamily="2" charset="0"/>
-                      </a:endParaRPr>
-                    </a:p>
-                  </a:txBody>
-                  <a:tcPr anchor="ctr"/>
-                </a:tc>
-                <a:tc>
-                  <a:txBody>
-                    <a:bodyPr/>
-                    <a:lstStyle/>
-                    <a:p>
-                      <a:pPr algn="ctr" fontAlgn="ctr"/>
-                      <a:r>
-                        <a:rPr lang="de-DE" sz="1000" u="none" strike="noStrike">
-                          <a:effectLst/>
-                          <a:latin typeface="Times" pitchFamily="2" charset="0"/>
-                        </a:rPr>
-                        <a:t>0.4±0.05</a:t>
-                      </a:r>
-                      <a:endParaRPr lang="de-DE" sz="1000" b="0" i="0" u="none" strike="noStrike">
-                        <a:solidFill>
-                          <a:srgbClr val="000000"/>
-                        </a:solidFill>
-                        <a:effectLst/>
-                        <a:latin typeface="Times" pitchFamily="2" charset="0"/>
-                      </a:endParaRPr>
-                    </a:p>
-                  </a:txBody>
-                  <a:tcPr anchor="ctr"/>
-                </a:tc>
-                <a:tc>
-                  <a:txBody>
-                    <a:bodyPr/>
-                    <a:lstStyle/>
-                    <a:p>
-                      <a:pPr algn="ctr" fontAlgn="ctr"/>
-                      <a:r>
-                        <a:rPr lang="de-DE" sz="1000" u="none" strike="noStrike">
-                          <a:effectLst/>
-                          <a:latin typeface="Times" pitchFamily="2" charset="0"/>
-                        </a:rPr>
-                        <a:t>0.14±0.05</a:t>
-                      </a:r>
-                      <a:endParaRPr lang="de-DE" sz="1000" b="0" i="0" u="none" strike="noStrike">
-                        <a:solidFill>
-                          <a:srgbClr val="000000"/>
-                        </a:solidFill>
-                        <a:effectLst/>
-                        <a:latin typeface="Times" pitchFamily="2" charset="0"/>
-                      </a:endParaRPr>
-                    </a:p>
-                  </a:txBody>
-                  <a:tcPr anchor="ctr"/>
-                </a:tc>
-                <a:tc>
-                  <a:txBody>
-                    <a:bodyPr/>
-                    <a:lstStyle/>
-                    <a:p>
-                      <a:pPr algn="l" fontAlgn="ctr"/>
-                      <a:r>
-                        <a:rPr lang="de-DE" sz="1000" u="none" strike="noStrike">
-                          <a:effectLst/>
-                          <a:latin typeface="Times" pitchFamily="2" charset="0"/>
-                        </a:rPr>
-                        <a:t>0.44±0.05</a:t>
-                      </a:r>
-                      <a:endParaRPr lang="de-DE" sz="1000" b="0" i="0" u="none" strike="noStrike">
-                        <a:solidFill>
-                          <a:srgbClr val="000000"/>
-                        </a:solidFill>
-                        <a:effectLst/>
-                        <a:latin typeface="Times" pitchFamily="2" charset="0"/>
-                      </a:endParaRPr>
-                    </a:p>
-                  </a:txBody>
-                  <a:tcPr anchor="ctr"/>
-                </a:tc>
-                <a:tc>
-                  <a:txBody>
-                    <a:bodyPr/>
-                    <a:lstStyle/>
-                    <a:p>
-                      <a:pPr algn="l" fontAlgn="ctr"/>
-                      <a:r>
-                        <a:rPr lang="de-DE" sz="1000" u="none" strike="noStrike">
-                          <a:effectLst/>
-                          <a:latin typeface="Times" pitchFamily="2" charset="0"/>
-                        </a:rPr>
-                        <a:t>0.12±0.05</a:t>
-                      </a:r>
-                      <a:endParaRPr lang="de-DE" sz="1000" b="0" i="0" u="none" strike="noStrike">
-                        <a:solidFill>
-                          <a:srgbClr val="000000"/>
-                        </a:solidFill>
-                        <a:effectLst/>
-                        <a:latin typeface="Times" pitchFamily="2" charset="0"/>
-                      </a:endParaRPr>
-                    </a:p>
-                  </a:txBody>
-                  <a:tcPr anchor="ctr"/>
-                </a:tc>
-                <a:tc>
-                  <a:txBody>
-                    <a:bodyPr/>
-                    <a:lstStyle/>
-                    <a:p>
-                      <a:pPr algn="l" fontAlgn="ctr"/>
-                      <a:r>
-                        <a:rPr lang="de-DE" sz="1000" u="none" strike="noStrike">
-                          <a:effectLst/>
-                          <a:latin typeface="Times" pitchFamily="2" charset="0"/>
-                        </a:rPr>
-                        <a:t>0.41±0.05</a:t>
-                      </a:r>
-                      <a:endParaRPr lang="de-DE" sz="1000" b="0" i="0" u="none" strike="noStrike">
-                        <a:solidFill>
-                          <a:srgbClr val="000000"/>
-                        </a:solidFill>
-                        <a:effectLst/>
-                        <a:latin typeface="Times" pitchFamily="2" charset="0"/>
-                      </a:endParaRPr>
-                    </a:p>
-                  </a:txBody>
-                  <a:tcPr anchor="ctr"/>
-                </a:tc>
-                <a:tc>
-                  <a:txBody>
-                    <a:bodyPr/>
-                    <a:lstStyle/>
-                    <a:p>
-                      <a:pPr algn="l" fontAlgn="ctr"/>
-                      <a:r>
-                        <a:rPr lang="de-DE" sz="1000" u="none" strike="noStrike">
-                          <a:effectLst/>
-                          <a:latin typeface="Times" pitchFamily="2" charset="0"/>
-                        </a:rPr>
-                        <a:t>0.13±0.05</a:t>
-                      </a:r>
-                      <a:endParaRPr lang="de-DE" sz="1000" b="0" i="0" u="none" strike="noStrike">
-                        <a:solidFill>
-                          <a:srgbClr val="000000"/>
-                        </a:solidFill>
-                        <a:effectLst/>
-                        <a:latin typeface="Times" pitchFamily="2" charset="0"/>
-                      </a:endParaRPr>
-                    </a:p>
-                  </a:txBody>
-                  <a:tcPr anchor="ctr"/>
-                </a:tc>
-                <a:tc>
-                  <a:txBody>
-                    <a:bodyPr/>
-                    <a:lstStyle/>
-                    <a:p>
-                      <a:pPr algn="ctr" fontAlgn="ctr"/>
-                      <a:r>
-                        <a:rPr lang="de-DE" sz="1000" u="none" strike="noStrike">
-                          <a:effectLst/>
-                          <a:latin typeface="Times" pitchFamily="2" charset="0"/>
-                        </a:rPr>
-                        <a:t>0.11±0.01</a:t>
-                      </a:r>
-                      <a:endParaRPr lang="de-DE" sz="1000" b="0" i="0" u="none" strike="noStrike">
-                        <a:solidFill>
-                          <a:srgbClr val="000000"/>
-                        </a:solidFill>
-                        <a:effectLst/>
-                        <a:latin typeface="Times" pitchFamily="2" charset="0"/>
-                      </a:endParaRPr>
-                    </a:p>
-                  </a:txBody>
-                  <a:tcPr anchor="ctr"/>
-                </a:tc>
-                <a:tc>
-                  <a:txBody>
-                    <a:bodyPr/>
-                    <a:lstStyle/>
-                    <a:p>
-                      <a:pPr algn="ctr" fontAlgn="ctr"/>
-                      <a:r>
-                        <a:rPr lang="de-DE" sz="1000" u="none" strike="noStrike">
-                          <a:effectLst/>
-                          <a:latin typeface="Times" pitchFamily="2" charset="0"/>
-                        </a:rPr>
-                        <a:t>0.07±0.05</a:t>
-                      </a:r>
-                      <a:endParaRPr lang="de-DE" sz="1000" b="0" i="0" u="none" strike="noStrike">
-                        <a:solidFill>
-                          <a:srgbClr val="000000"/>
-                        </a:solidFill>
-                        <a:effectLst/>
-                        <a:latin typeface="Times" pitchFamily="2" charset="0"/>
-                      </a:endParaRPr>
-                    </a:p>
-                  </a:txBody>
-                  <a:tcPr anchor="ctr"/>
-                </a:tc>
-                <a:tc>
-                  <a:txBody>
-                    <a:bodyPr/>
-                    <a:lstStyle/>
-                    <a:p>
-                      <a:pPr algn="l" fontAlgn="ctr"/>
-                      <a:r>
-                        <a:rPr lang="de-DE" sz="1000" u="none" strike="noStrike">
-                          <a:effectLst/>
-                          <a:latin typeface="Times" pitchFamily="2" charset="0"/>
-                        </a:rPr>
-                        <a:t>0.1±0.01</a:t>
-                      </a:r>
-                      <a:endParaRPr lang="de-DE" sz="1000" b="0" i="0" u="none" strike="noStrike">
-                        <a:solidFill>
-                          <a:srgbClr val="000000"/>
-                        </a:solidFill>
-                        <a:effectLst/>
-                        <a:latin typeface="Times" pitchFamily="2" charset="0"/>
-                      </a:endParaRPr>
-                    </a:p>
-                  </a:txBody>
-                  <a:tcPr anchor="ctr"/>
-                </a:tc>
-                <a:tc>
-                  <a:txBody>
-                    <a:bodyPr/>
-                    <a:lstStyle/>
-                    <a:p>
-                      <a:pPr algn="l" fontAlgn="ctr"/>
-                      <a:r>
-                        <a:rPr lang="de-DE" sz="1000" u="none" strike="noStrike">
-                          <a:effectLst/>
-                          <a:latin typeface="Times" pitchFamily="2" charset="0"/>
-                        </a:rPr>
-                        <a:t>0.07±0.05</a:t>
-                      </a:r>
-                      <a:endParaRPr lang="de-DE" sz="1000" b="0" i="0" u="none" strike="noStrike">
-                        <a:solidFill>
-                          <a:srgbClr val="000000"/>
-                        </a:solidFill>
-                        <a:effectLst/>
-                        <a:latin typeface="Times" pitchFamily="2" charset="0"/>
-                      </a:endParaRPr>
-                    </a:p>
-                  </a:txBody>
-                  <a:tcPr anchor="ctr"/>
-                </a:tc>
-                <a:tc>
-                  <a:txBody>
-                    <a:bodyPr/>
-                    <a:lstStyle/>
-                    <a:p>
-                      <a:pPr algn="l" fontAlgn="ctr"/>
-                      <a:r>
-                        <a:rPr lang="de-DE" sz="1000" u="none" strike="noStrike">
-                          <a:effectLst/>
-                          <a:latin typeface="Times" pitchFamily="2" charset="0"/>
-                        </a:rPr>
-                        <a:t>0.1±0.01</a:t>
-                      </a:r>
-                      <a:endParaRPr lang="de-DE" sz="1000" b="0" i="0" u="none" strike="noStrike">
-                        <a:solidFill>
-                          <a:srgbClr val="000000"/>
-                        </a:solidFill>
-                        <a:effectLst/>
-                        <a:latin typeface="Times" pitchFamily="2" charset="0"/>
-                      </a:endParaRPr>
-                    </a:p>
-                  </a:txBody>
-                  <a:tcPr anchor="ctr"/>
-                </a:tc>
-                <a:tc>
-                  <a:txBody>
-                    <a:bodyPr/>
-                    <a:lstStyle/>
-                    <a:p>
-                      <a:pPr algn="l" fontAlgn="ctr"/>
-                      <a:r>
-                        <a:rPr lang="de-DE" sz="1000" u="none" strike="noStrike">
-                          <a:effectLst/>
-                          <a:latin typeface="Times" pitchFamily="2" charset="0"/>
-                        </a:rPr>
-                        <a:t>0.07±0.05</a:t>
-                      </a:r>
-                      <a:endParaRPr lang="de-DE" sz="1000" b="0" i="0" u="none" strike="noStrike">
-                        <a:solidFill>
-                          <a:srgbClr val="000000"/>
-                        </a:solidFill>
-                        <a:effectLst/>
-                        <a:latin typeface="Times" pitchFamily="2" charset="0"/>
-                      </a:endParaRPr>
-                    </a:p>
-                  </a:txBody>
-                  <a:tcPr anchor="ctr"/>
-                </a:tc>
-                <a:extLst>
-                  <a:ext uri="{0D108BD9-81ED-4DB2-BD59-A6C34878D82A}">
-                    <a16:rowId xmlns:a16="http://schemas.microsoft.com/office/drawing/2014/main" val="2196014070"/>
-                  </a:ext>
-                </a:extLst>
-              </a:tr>
-              <a:tr h="176919">
-                <a:tc rowSpan="3">
-                  <a:txBody>
-                    <a:bodyPr/>
-                    <a:lstStyle/>
-                    <a:p>
-                      <a:pPr algn="ctr" fontAlgn="ctr"/>
-                      <a:r>
-                        <a:rPr lang="de-DE" sz="1000" u="none" strike="noStrike">
-                          <a:effectLst/>
-                          <a:latin typeface="Times" pitchFamily="2" charset="0"/>
-                        </a:rPr>
-                        <a:t>Deep Learning</a:t>
-                      </a:r>
-                      <a:endParaRPr lang="de-DE" sz="1000" b="0" i="0" u="none" strike="noStrike">
-                        <a:solidFill>
-                          <a:srgbClr val="000000"/>
-                        </a:solidFill>
-                        <a:effectLst/>
-                        <a:latin typeface="Times" pitchFamily="2" charset="0"/>
-                      </a:endParaRPr>
-                    </a:p>
-                  </a:txBody>
-                  <a:tcPr anchor="ctr"/>
-                </a:tc>
-                <a:tc>
-                  <a:txBody>
-                    <a:bodyPr/>
-                    <a:lstStyle/>
-                    <a:p>
-                      <a:pPr algn="ctr" fontAlgn="ctr"/>
-                      <a:r>
-                        <a:rPr lang="de-DE" sz="1000" u="none" strike="noStrike">
-                          <a:effectLst/>
-                          <a:latin typeface="Times" pitchFamily="2" charset="0"/>
-                        </a:rPr>
-                        <a:t>CNN</a:t>
-                      </a:r>
-                      <a:endParaRPr lang="de-DE" sz="1000" b="0" i="0" u="none" strike="noStrike">
-                        <a:solidFill>
-                          <a:srgbClr val="000000"/>
-                        </a:solidFill>
-                        <a:effectLst/>
-                        <a:latin typeface="Times" pitchFamily="2" charset="0"/>
-                      </a:endParaRPr>
-                    </a:p>
-                  </a:txBody>
-                  <a:tcPr anchor="ctr"/>
-                </a:tc>
-                <a:tc>
-                  <a:txBody>
-                    <a:bodyPr/>
-                    <a:lstStyle/>
-                    <a:p>
-                      <a:pPr algn="ctr" fontAlgn="ctr"/>
-                      <a:r>
-                        <a:rPr lang="de-DE" sz="1000" u="none" strike="noStrike">
-                          <a:effectLst/>
-                          <a:latin typeface="Times" pitchFamily="2" charset="0"/>
-                        </a:rPr>
-                        <a:t>0.31±0.01</a:t>
-                      </a:r>
-                      <a:endParaRPr lang="de-DE" sz="1000" b="0" i="0" u="none" strike="noStrike">
-                        <a:solidFill>
-                          <a:srgbClr val="000000"/>
-                        </a:solidFill>
-                        <a:effectLst/>
-                        <a:latin typeface="Times" pitchFamily="2" charset="0"/>
-                      </a:endParaRPr>
-                    </a:p>
-                  </a:txBody>
-                  <a:tcPr anchor="ctr"/>
-                </a:tc>
-                <a:tc>
-                  <a:txBody>
-                    <a:bodyPr/>
-                    <a:lstStyle/>
-                    <a:p>
-                      <a:pPr algn="ctr" fontAlgn="ctr"/>
-                      <a:r>
-                        <a:rPr lang="de-DE" sz="1000" u="none" strike="noStrike">
-                          <a:effectLst/>
-                          <a:latin typeface="Times" pitchFamily="2" charset="0"/>
-                        </a:rPr>
-                        <a:t>0.13±0.19</a:t>
-                      </a:r>
-                      <a:endParaRPr lang="de-DE" sz="1000" b="0" i="0" u="none" strike="noStrike">
-                        <a:solidFill>
-                          <a:srgbClr val="000000"/>
-                        </a:solidFill>
-                        <a:effectLst/>
-                        <a:latin typeface="Times" pitchFamily="2" charset="0"/>
-                      </a:endParaRPr>
-                    </a:p>
-                  </a:txBody>
-                  <a:tcPr anchor="ctr"/>
-                </a:tc>
-                <a:tc>
-                  <a:txBody>
-                    <a:bodyPr/>
-                    <a:lstStyle/>
-                    <a:p>
-                      <a:pPr algn="l" fontAlgn="ctr"/>
-                      <a:r>
-                        <a:rPr lang="de-DE" sz="1000" u="none" strike="noStrike">
-                          <a:effectLst/>
-                          <a:latin typeface="Times" pitchFamily="2" charset="0"/>
-                        </a:rPr>
-                        <a:t>0.28±0.01</a:t>
-                      </a:r>
-                      <a:endParaRPr lang="de-DE" sz="1000" b="0" i="0" u="none" strike="noStrike">
-                        <a:solidFill>
-                          <a:srgbClr val="000000"/>
-                        </a:solidFill>
-                        <a:effectLst/>
-                        <a:latin typeface="Times" pitchFamily="2" charset="0"/>
-                      </a:endParaRPr>
-                    </a:p>
-                  </a:txBody>
-                  <a:tcPr anchor="ctr"/>
-                </a:tc>
-                <a:tc>
-                  <a:txBody>
-                    <a:bodyPr/>
-                    <a:lstStyle/>
-                    <a:p>
-                      <a:pPr algn="l" fontAlgn="ctr"/>
-                      <a:r>
-                        <a:rPr lang="de-DE" sz="1000" u="none" strike="noStrike">
-                          <a:effectLst/>
-                          <a:latin typeface="Times" pitchFamily="2" charset="0"/>
-                        </a:rPr>
-                        <a:t>0.11±0.01</a:t>
-                      </a:r>
-                      <a:endParaRPr lang="de-DE" sz="1000" b="0" i="0" u="none" strike="noStrike">
-                        <a:solidFill>
-                          <a:srgbClr val="000000"/>
-                        </a:solidFill>
-                        <a:effectLst/>
-                        <a:latin typeface="Times" pitchFamily="2" charset="0"/>
-                      </a:endParaRPr>
-                    </a:p>
-                  </a:txBody>
-                  <a:tcPr anchor="ctr"/>
-                </a:tc>
-                <a:tc>
-                  <a:txBody>
-                    <a:bodyPr/>
-                    <a:lstStyle/>
-                    <a:p>
-                      <a:pPr algn="l" fontAlgn="ctr"/>
-                      <a:r>
-                        <a:rPr lang="de-DE" sz="1000" u="none" strike="noStrike">
-                          <a:effectLst/>
-                          <a:latin typeface="Times" pitchFamily="2" charset="0"/>
-                        </a:rPr>
-                        <a:t>0.25±0.01</a:t>
-                      </a:r>
-                      <a:endParaRPr lang="de-DE" sz="1000" b="0" i="0" u="none" strike="noStrike">
-                        <a:solidFill>
-                          <a:srgbClr val="000000"/>
-                        </a:solidFill>
-                        <a:effectLst/>
-                        <a:latin typeface="Times" pitchFamily="2" charset="0"/>
-                      </a:endParaRPr>
-                    </a:p>
-                  </a:txBody>
-                  <a:tcPr anchor="ctr"/>
-                </a:tc>
-                <a:tc>
-                  <a:txBody>
-                    <a:bodyPr/>
-                    <a:lstStyle/>
-                    <a:p>
-                      <a:pPr algn="l" fontAlgn="ctr"/>
-                      <a:r>
-                        <a:rPr lang="de-DE" sz="1000" u="none" strike="noStrike">
-                          <a:effectLst/>
-                          <a:latin typeface="Times" pitchFamily="2" charset="0"/>
-                        </a:rPr>
-                        <a:t>0.11±0.01</a:t>
-                      </a:r>
-                      <a:endParaRPr lang="de-DE" sz="1000" b="0" i="0" u="none" strike="noStrike">
-                        <a:solidFill>
-                          <a:srgbClr val="000000"/>
-                        </a:solidFill>
-                        <a:effectLst/>
-                        <a:latin typeface="Times" pitchFamily="2" charset="0"/>
-                      </a:endParaRPr>
-                    </a:p>
-                  </a:txBody>
-                  <a:tcPr anchor="ctr"/>
-                </a:tc>
-                <a:tc>
-                  <a:txBody>
-                    <a:bodyPr/>
-                    <a:lstStyle/>
-                    <a:p>
-                      <a:pPr algn="ctr" fontAlgn="ctr"/>
-                      <a:r>
-                        <a:rPr lang="de-DE" sz="1000" u="none" strike="noStrike">
-                          <a:effectLst/>
-                          <a:latin typeface="Times" pitchFamily="2" charset="0"/>
-                        </a:rPr>
-                        <a:t>0.09±0.01</a:t>
-                      </a:r>
-                      <a:endParaRPr lang="de-DE" sz="1000" b="0" i="0" u="none" strike="noStrike">
-                        <a:solidFill>
-                          <a:srgbClr val="000000"/>
-                        </a:solidFill>
-                        <a:effectLst/>
-                        <a:latin typeface="Times" pitchFamily="2" charset="0"/>
-                      </a:endParaRPr>
-                    </a:p>
-                  </a:txBody>
-                  <a:tcPr anchor="ctr"/>
-                </a:tc>
-                <a:tc>
-                  <a:txBody>
-                    <a:bodyPr/>
-                    <a:lstStyle/>
-                    <a:p>
-                      <a:pPr algn="ctr" fontAlgn="ctr"/>
-                      <a:r>
-                        <a:rPr lang="de-DE" sz="1000" u="none" strike="noStrike">
-                          <a:effectLst/>
-                          <a:latin typeface="Times" pitchFamily="2" charset="0"/>
-                        </a:rPr>
-                        <a:t>0.05±0.01</a:t>
-                      </a:r>
-                      <a:endParaRPr lang="de-DE" sz="1000" b="0" i="0" u="none" strike="noStrike">
-                        <a:solidFill>
-                          <a:srgbClr val="000000"/>
-                        </a:solidFill>
-                        <a:effectLst/>
-                        <a:latin typeface="Times" pitchFamily="2" charset="0"/>
-                      </a:endParaRPr>
-                    </a:p>
-                  </a:txBody>
-                  <a:tcPr anchor="ctr"/>
-                </a:tc>
-                <a:tc>
-                  <a:txBody>
-                    <a:bodyPr/>
-                    <a:lstStyle/>
-                    <a:p>
-                      <a:pPr algn="l" fontAlgn="ctr"/>
-                      <a:r>
-                        <a:rPr lang="de-DE" sz="1000" u="none" strike="noStrike">
-                          <a:effectLst/>
-                          <a:latin typeface="Times" pitchFamily="2" charset="0"/>
-                        </a:rPr>
-                        <a:t>0.07±0.01</a:t>
-                      </a:r>
-                      <a:endParaRPr lang="de-DE" sz="1000" b="0" i="0" u="none" strike="noStrike">
-                        <a:solidFill>
-                          <a:srgbClr val="000000"/>
-                        </a:solidFill>
-                        <a:effectLst/>
-                        <a:latin typeface="Times" pitchFamily="2" charset="0"/>
-                      </a:endParaRPr>
-                    </a:p>
-                  </a:txBody>
-                  <a:tcPr anchor="ctr"/>
-                </a:tc>
-                <a:tc>
-                  <a:txBody>
-                    <a:bodyPr/>
-                    <a:lstStyle/>
-                    <a:p>
-                      <a:pPr algn="l" fontAlgn="ctr"/>
-                      <a:r>
-                        <a:rPr lang="de-DE" sz="1000" u="none" strike="noStrike">
-                          <a:effectLst/>
-                          <a:latin typeface="Times" pitchFamily="2" charset="0"/>
-                        </a:rPr>
-                        <a:t>0.05±0.01</a:t>
-                      </a:r>
-                      <a:endParaRPr lang="de-DE" sz="1000" b="0" i="0" u="none" strike="noStrike">
-                        <a:solidFill>
-                          <a:srgbClr val="000000"/>
-                        </a:solidFill>
-                        <a:effectLst/>
-                        <a:latin typeface="Times" pitchFamily="2" charset="0"/>
-                      </a:endParaRPr>
-                    </a:p>
-                  </a:txBody>
-                  <a:tcPr anchor="ctr"/>
-                </a:tc>
-                <a:tc>
-                  <a:txBody>
-                    <a:bodyPr/>
-                    <a:lstStyle/>
-                    <a:p>
-                      <a:pPr algn="l" fontAlgn="ctr"/>
-                      <a:r>
-                        <a:rPr lang="de-DE" sz="1000" u="none" strike="noStrike">
-                          <a:effectLst/>
-                          <a:latin typeface="Times" pitchFamily="2" charset="0"/>
-                        </a:rPr>
-                        <a:t>0.07±0.01</a:t>
-                      </a:r>
-                      <a:endParaRPr lang="de-DE" sz="1000" b="0" i="0" u="none" strike="noStrike">
-                        <a:solidFill>
-                          <a:srgbClr val="000000"/>
-                        </a:solidFill>
-                        <a:effectLst/>
-                        <a:latin typeface="Times" pitchFamily="2" charset="0"/>
-                      </a:endParaRPr>
-                    </a:p>
-                  </a:txBody>
-                  <a:tcPr anchor="ctr"/>
-                </a:tc>
-                <a:tc>
-                  <a:txBody>
-                    <a:bodyPr/>
-                    <a:lstStyle/>
-                    <a:p>
-                      <a:pPr algn="l" fontAlgn="ctr"/>
-                      <a:r>
-                        <a:rPr lang="de-DE" sz="1000" u="none" strike="noStrike">
-                          <a:effectLst/>
-                          <a:latin typeface="Times" pitchFamily="2" charset="0"/>
-                        </a:rPr>
-                        <a:t>0.04±0.02</a:t>
-                      </a:r>
-                      <a:endParaRPr lang="de-DE" sz="1000" b="0" i="0" u="none" strike="noStrike">
-                        <a:solidFill>
-                          <a:srgbClr val="000000"/>
-                        </a:solidFill>
-                        <a:effectLst/>
-                        <a:latin typeface="Times" pitchFamily="2" charset="0"/>
-                      </a:endParaRPr>
-                    </a:p>
-                  </a:txBody>
-                  <a:tcPr anchor="ctr"/>
-                </a:tc>
-                <a:extLst>
-                  <a:ext uri="{0D108BD9-81ED-4DB2-BD59-A6C34878D82A}">
-                    <a16:rowId xmlns:a16="http://schemas.microsoft.com/office/drawing/2014/main" val="3061631770"/>
-                  </a:ext>
-                </a:extLst>
-              </a:tr>
-              <a:tr h="176919">
-                <a:tc vMerge="1">
-                  <a:txBody>
-                    <a:bodyPr/>
-                    <a:lstStyle/>
-                    <a:p>
-                      <a:endParaRPr lang="de-DE"/>
-                    </a:p>
-                  </a:txBody>
-                  <a:tcPr/>
-                </a:tc>
-                <a:tc>
-                  <a:txBody>
-                    <a:bodyPr/>
-                    <a:lstStyle/>
-                    <a:p>
-                      <a:pPr algn="ctr" fontAlgn="ctr"/>
-                      <a:r>
-                        <a:rPr lang="de-DE" sz="1000" u="none" strike="noStrike">
-                          <a:effectLst/>
-                          <a:latin typeface="Times" pitchFamily="2" charset="0"/>
-                        </a:rPr>
-                        <a:t>LSTM</a:t>
-                      </a:r>
-                      <a:endParaRPr lang="de-DE" sz="1000" b="0" i="0" u="none" strike="noStrike">
-                        <a:solidFill>
-                          <a:srgbClr val="000000"/>
-                        </a:solidFill>
-                        <a:effectLst/>
-                        <a:latin typeface="Times" pitchFamily="2" charset="0"/>
-                      </a:endParaRPr>
-                    </a:p>
-                  </a:txBody>
-                  <a:tcPr anchor="ctr"/>
-                </a:tc>
-                <a:tc>
-                  <a:txBody>
-                    <a:bodyPr/>
-                    <a:lstStyle/>
-                    <a:p>
-                      <a:pPr algn="ctr" fontAlgn="ctr"/>
-                      <a:r>
-                        <a:rPr lang="de-DE" sz="1000" u="none" strike="noStrike">
-                          <a:effectLst/>
-                          <a:latin typeface="Times" pitchFamily="2" charset="0"/>
-                        </a:rPr>
-                        <a:t>0.4±0.05</a:t>
-                      </a:r>
-                      <a:endParaRPr lang="de-DE" sz="1000" b="0" i="0" u="none" strike="noStrike">
-                        <a:solidFill>
-                          <a:srgbClr val="000000"/>
-                        </a:solidFill>
-                        <a:effectLst/>
-                        <a:latin typeface="Times" pitchFamily="2" charset="0"/>
-                      </a:endParaRPr>
-                    </a:p>
-                  </a:txBody>
-                  <a:tcPr anchor="ctr"/>
-                </a:tc>
-                <a:tc>
-                  <a:txBody>
-                    <a:bodyPr/>
-                    <a:lstStyle/>
-                    <a:p>
-                      <a:pPr algn="ctr" fontAlgn="ctr"/>
-                      <a:r>
-                        <a:rPr lang="de-DE" sz="1000" u="none" strike="noStrike">
-                          <a:effectLst/>
-                          <a:latin typeface="Times" pitchFamily="2" charset="0"/>
-                        </a:rPr>
-                        <a:t>0.21±0.05</a:t>
-                      </a:r>
-                      <a:endParaRPr lang="de-DE" sz="1000" b="0" i="0" u="none" strike="noStrike">
-                        <a:solidFill>
-                          <a:srgbClr val="000000"/>
-                        </a:solidFill>
-                        <a:effectLst/>
-                        <a:latin typeface="Times" pitchFamily="2" charset="0"/>
-                      </a:endParaRPr>
-                    </a:p>
-                  </a:txBody>
-                  <a:tcPr anchor="ctr"/>
-                </a:tc>
-                <a:tc>
-                  <a:txBody>
-                    <a:bodyPr/>
-                    <a:lstStyle/>
-                    <a:p>
-                      <a:pPr algn="l" fontAlgn="ctr"/>
-                      <a:r>
-                        <a:rPr lang="de-DE" sz="1000" u="none" strike="noStrike">
-                          <a:effectLst/>
-                          <a:latin typeface="Times" pitchFamily="2" charset="0"/>
-                        </a:rPr>
-                        <a:t>0.39±0.02</a:t>
-                      </a:r>
-                      <a:endParaRPr lang="de-DE" sz="1000" b="0" i="0" u="none" strike="noStrike">
-                        <a:solidFill>
-                          <a:srgbClr val="000000"/>
-                        </a:solidFill>
-                        <a:effectLst/>
-                        <a:latin typeface="Times" pitchFamily="2" charset="0"/>
-                      </a:endParaRPr>
-                    </a:p>
-                  </a:txBody>
-                  <a:tcPr anchor="ctr"/>
-                </a:tc>
-                <a:tc>
-                  <a:txBody>
-                    <a:bodyPr/>
-                    <a:lstStyle/>
-                    <a:p>
-                      <a:pPr algn="l" fontAlgn="ctr"/>
-                      <a:r>
-                        <a:rPr lang="de-DE" sz="1000" u="none" strike="noStrike">
-                          <a:effectLst/>
-                          <a:latin typeface="Times" pitchFamily="2" charset="0"/>
-                        </a:rPr>
-                        <a:t>0.21±0.02</a:t>
-                      </a:r>
-                      <a:endParaRPr lang="de-DE" sz="1000" b="0" i="0" u="none" strike="noStrike">
-                        <a:solidFill>
-                          <a:srgbClr val="000000"/>
-                        </a:solidFill>
-                        <a:effectLst/>
-                        <a:latin typeface="Times" pitchFamily="2" charset="0"/>
-                      </a:endParaRPr>
-                    </a:p>
-                  </a:txBody>
-                  <a:tcPr anchor="ctr"/>
-                </a:tc>
-                <a:tc>
-                  <a:txBody>
-                    <a:bodyPr/>
-                    <a:lstStyle/>
-                    <a:p>
-                      <a:pPr algn="l" fontAlgn="ctr"/>
-                      <a:r>
-                        <a:rPr lang="de-DE" sz="1000" u="none" strike="noStrike">
-                          <a:effectLst/>
-                          <a:latin typeface="Times" pitchFamily="2" charset="0"/>
-                        </a:rPr>
-                        <a:t>0.38±0.02</a:t>
-                      </a:r>
-                      <a:endParaRPr lang="de-DE" sz="1000" b="0" i="0" u="none" strike="noStrike">
-                        <a:solidFill>
-                          <a:srgbClr val="000000"/>
-                        </a:solidFill>
-                        <a:effectLst/>
-                        <a:latin typeface="Times" pitchFamily="2" charset="0"/>
-                      </a:endParaRPr>
-                    </a:p>
-                  </a:txBody>
-                  <a:tcPr anchor="ctr"/>
-                </a:tc>
-                <a:tc>
-                  <a:txBody>
-                    <a:bodyPr/>
-                    <a:lstStyle/>
-                    <a:p>
-                      <a:pPr algn="l" fontAlgn="ctr"/>
-                      <a:r>
-                        <a:rPr lang="de-DE" sz="1000" u="none" strike="noStrike">
-                          <a:effectLst/>
-                          <a:latin typeface="Times" pitchFamily="2" charset="0"/>
-                        </a:rPr>
-                        <a:t>0.19±0.02</a:t>
-                      </a:r>
-                      <a:endParaRPr lang="de-DE" sz="1000" b="0" i="0" u="none" strike="noStrike">
-                        <a:solidFill>
-                          <a:srgbClr val="000000"/>
-                        </a:solidFill>
-                        <a:effectLst/>
-                        <a:latin typeface="Times" pitchFamily="2" charset="0"/>
-                      </a:endParaRPr>
-                    </a:p>
-                  </a:txBody>
-                  <a:tcPr anchor="ctr"/>
-                </a:tc>
-                <a:tc>
-                  <a:txBody>
-                    <a:bodyPr/>
-                    <a:lstStyle/>
-                    <a:p>
-                      <a:pPr algn="ctr" fontAlgn="ctr"/>
-                      <a:r>
-                        <a:rPr lang="de-DE" sz="1000" u="none" strike="noStrike">
-                          <a:effectLst/>
-                          <a:latin typeface="Times" pitchFamily="2" charset="0"/>
-                        </a:rPr>
-                        <a:t>0.13±0.05</a:t>
-                      </a:r>
-                      <a:endParaRPr lang="de-DE" sz="1000" b="0" i="0" u="none" strike="noStrike">
-                        <a:solidFill>
-                          <a:srgbClr val="000000"/>
-                        </a:solidFill>
-                        <a:effectLst/>
-                        <a:latin typeface="Times" pitchFamily="2" charset="0"/>
-                      </a:endParaRPr>
-                    </a:p>
-                  </a:txBody>
-                  <a:tcPr anchor="ctr"/>
-                </a:tc>
-                <a:tc>
-                  <a:txBody>
-                    <a:bodyPr/>
-                    <a:lstStyle/>
-                    <a:p>
-                      <a:pPr algn="ctr" fontAlgn="ctr"/>
-                      <a:r>
-                        <a:rPr lang="de-DE" sz="1000" u="none" strike="noStrike">
-                          <a:effectLst/>
-                          <a:latin typeface="Times" pitchFamily="2" charset="0"/>
-                        </a:rPr>
-                        <a:t>0.08±0.02</a:t>
-                      </a:r>
-                      <a:endParaRPr lang="de-DE" sz="1000" b="0" i="0" u="none" strike="noStrike">
-                        <a:solidFill>
-                          <a:srgbClr val="000000"/>
-                        </a:solidFill>
-                        <a:effectLst/>
-                        <a:latin typeface="Times" pitchFamily="2" charset="0"/>
-                      </a:endParaRPr>
-                    </a:p>
-                  </a:txBody>
-                  <a:tcPr anchor="ctr"/>
-                </a:tc>
-                <a:tc>
-                  <a:txBody>
-                    <a:bodyPr/>
-                    <a:lstStyle/>
-                    <a:p>
-                      <a:pPr algn="l" fontAlgn="ctr"/>
-                      <a:r>
-                        <a:rPr lang="de-DE" sz="1000" u="none" strike="noStrike">
-                          <a:effectLst/>
-                          <a:latin typeface="Times" pitchFamily="2" charset="0"/>
-                        </a:rPr>
-                        <a:t>0.11±0.05</a:t>
-                      </a:r>
-                      <a:endParaRPr lang="de-DE" sz="1000" b="0" i="0" u="none" strike="noStrike">
-                        <a:solidFill>
-                          <a:srgbClr val="000000"/>
-                        </a:solidFill>
-                        <a:effectLst/>
-                        <a:latin typeface="Times" pitchFamily="2" charset="0"/>
-                      </a:endParaRPr>
-                    </a:p>
-                  </a:txBody>
-                  <a:tcPr anchor="ctr"/>
-                </a:tc>
-                <a:tc>
-                  <a:txBody>
-                    <a:bodyPr/>
-                    <a:lstStyle/>
-                    <a:p>
-                      <a:pPr algn="l" fontAlgn="ctr"/>
-                      <a:r>
-                        <a:rPr lang="de-DE" sz="1000" u="none" strike="noStrike">
-                          <a:effectLst/>
-                          <a:latin typeface="Times" pitchFamily="2" charset="0"/>
-                        </a:rPr>
-                        <a:t>0.07±0.02</a:t>
-                      </a:r>
-                      <a:endParaRPr lang="de-DE" sz="1000" b="0" i="0" u="none" strike="noStrike">
-                        <a:solidFill>
-                          <a:srgbClr val="000000"/>
-                        </a:solidFill>
-                        <a:effectLst/>
-                        <a:latin typeface="Times" pitchFamily="2" charset="0"/>
-                      </a:endParaRPr>
-                    </a:p>
-                  </a:txBody>
-                  <a:tcPr anchor="ctr"/>
-                </a:tc>
-                <a:tc>
-                  <a:txBody>
-                    <a:bodyPr/>
-                    <a:lstStyle/>
-                    <a:p>
-                      <a:pPr algn="l" fontAlgn="ctr"/>
-                      <a:r>
-                        <a:rPr lang="de-DE" sz="1000" u="none" strike="noStrike">
-                          <a:effectLst/>
-                          <a:latin typeface="Times" pitchFamily="2" charset="0"/>
-                        </a:rPr>
-                        <a:t>0.12±0.02</a:t>
-                      </a:r>
-                      <a:endParaRPr lang="de-DE" sz="1000" b="0" i="0" u="none" strike="noStrike">
-                        <a:solidFill>
-                          <a:srgbClr val="000000"/>
-                        </a:solidFill>
-                        <a:effectLst/>
-                        <a:latin typeface="Times" pitchFamily="2" charset="0"/>
-                      </a:endParaRPr>
-                    </a:p>
-                  </a:txBody>
-                  <a:tcPr anchor="ctr"/>
-                </a:tc>
-                <a:tc>
-                  <a:txBody>
-                    <a:bodyPr/>
-                    <a:lstStyle/>
-                    <a:p>
-                      <a:pPr algn="l" fontAlgn="ctr"/>
-                      <a:r>
-                        <a:rPr lang="de-DE" sz="1000" u="none" strike="noStrike">
-                          <a:effectLst/>
-                          <a:latin typeface="Times" pitchFamily="2" charset="0"/>
-                        </a:rPr>
-                        <a:t>0.07±0.11</a:t>
-                      </a:r>
-                      <a:endParaRPr lang="de-DE" sz="1000" b="0" i="0" u="none" strike="noStrike">
-                        <a:solidFill>
-                          <a:srgbClr val="000000"/>
-                        </a:solidFill>
-                        <a:effectLst/>
-                        <a:latin typeface="Times" pitchFamily="2" charset="0"/>
-                      </a:endParaRPr>
-                    </a:p>
-                  </a:txBody>
-                  <a:tcPr anchor="ctr"/>
-                </a:tc>
-                <a:extLst>
-                  <a:ext uri="{0D108BD9-81ED-4DB2-BD59-A6C34878D82A}">
-                    <a16:rowId xmlns:a16="http://schemas.microsoft.com/office/drawing/2014/main" val="1922285265"/>
-                  </a:ext>
-                </a:extLst>
-              </a:tr>
-              <a:tr h="176919">
-                <a:tc vMerge="1">
-                  <a:txBody>
-                    <a:bodyPr/>
-                    <a:lstStyle/>
-                    <a:p>
-                      <a:endParaRPr lang="de-DE"/>
-                    </a:p>
-                  </a:txBody>
-                  <a:tcPr/>
-                </a:tc>
-                <a:tc>
-                  <a:txBody>
-                    <a:bodyPr/>
-                    <a:lstStyle/>
-                    <a:p>
-                      <a:pPr algn="ctr" fontAlgn="ctr"/>
-                      <a:r>
-                        <a:rPr lang="de-DE" sz="1000" u="none" strike="noStrike">
-                          <a:effectLst/>
-                          <a:latin typeface="Times" pitchFamily="2" charset="0"/>
-                        </a:rPr>
-                        <a:t>LRCN</a:t>
-                      </a:r>
-                      <a:endParaRPr lang="de-DE" sz="1000" b="0" i="0" u="none" strike="noStrike">
-                        <a:solidFill>
-                          <a:srgbClr val="000000"/>
-                        </a:solidFill>
-                        <a:effectLst/>
-                        <a:latin typeface="Times" pitchFamily="2" charset="0"/>
-                      </a:endParaRPr>
-                    </a:p>
-                  </a:txBody>
-                  <a:tcPr anchor="ctr"/>
-                </a:tc>
-                <a:tc>
-                  <a:txBody>
-                    <a:bodyPr/>
-                    <a:lstStyle/>
-                    <a:p>
-                      <a:pPr algn="ctr" fontAlgn="ctr"/>
-                      <a:r>
-                        <a:rPr lang="de-DE" sz="1000" u="none" strike="noStrike">
-                          <a:effectLst/>
-                          <a:latin typeface="Times" pitchFamily="2" charset="0"/>
-                        </a:rPr>
-                        <a:t>0.26±0.01</a:t>
-                      </a:r>
-                      <a:endParaRPr lang="de-DE" sz="1000" b="0" i="0" u="none" strike="noStrike">
-                        <a:solidFill>
-                          <a:srgbClr val="000000"/>
-                        </a:solidFill>
-                        <a:effectLst/>
-                        <a:latin typeface="Times" pitchFamily="2" charset="0"/>
-                      </a:endParaRPr>
-                    </a:p>
-                  </a:txBody>
-                  <a:tcPr anchor="ctr"/>
-                </a:tc>
-                <a:tc>
-                  <a:txBody>
-                    <a:bodyPr/>
-                    <a:lstStyle/>
-                    <a:p>
-                      <a:pPr algn="ctr" fontAlgn="ctr"/>
-                      <a:r>
-                        <a:rPr lang="de-DE" sz="1000" u="none" strike="noStrike">
-                          <a:effectLst/>
-                          <a:latin typeface="Times" pitchFamily="2" charset="0"/>
-                        </a:rPr>
-                        <a:t>0.12±0.01</a:t>
-                      </a:r>
-                      <a:endParaRPr lang="de-DE" sz="1000" b="0" i="0" u="none" strike="noStrike">
-                        <a:solidFill>
-                          <a:srgbClr val="000000"/>
-                        </a:solidFill>
-                        <a:effectLst/>
-                        <a:latin typeface="Times" pitchFamily="2" charset="0"/>
-                      </a:endParaRPr>
-                    </a:p>
-                  </a:txBody>
-                  <a:tcPr anchor="ctr"/>
-                </a:tc>
-                <a:tc>
-                  <a:txBody>
-                    <a:bodyPr/>
-                    <a:lstStyle/>
-                    <a:p>
-                      <a:pPr algn="l" fontAlgn="ctr"/>
-                      <a:r>
-                        <a:rPr lang="de-DE" sz="1000" u="none" strike="noStrike">
-                          <a:effectLst/>
-                          <a:latin typeface="Times" pitchFamily="2" charset="0"/>
-                        </a:rPr>
-                        <a:t>0.22±0.01</a:t>
-                      </a:r>
-                      <a:endParaRPr lang="de-DE" sz="1000" b="0" i="0" u="none" strike="noStrike">
-                        <a:solidFill>
-                          <a:srgbClr val="000000"/>
-                        </a:solidFill>
-                        <a:effectLst/>
-                        <a:latin typeface="Times" pitchFamily="2" charset="0"/>
-                      </a:endParaRPr>
-                    </a:p>
-                  </a:txBody>
-                  <a:tcPr anchor="ctr"/>
-                </a:tc>
-                <a:tc>
-                  <a:txBody>
-                    <a:bodyPr/>
-                    <a:lstStyle/>
-                    <a:p>
-                      <a:pPr algn="l" fontAlgn="ctr"/>
-                      <a:r>
-                        <a:rPr lang="de-DE" sz="1000" u="none" strike="noStrike">
-                          <a:effectLst/>
-                          <a:latin typeface="Times" pitchFamily="2" charset="0"/>
-                        </a:rPr>
-                        <a:t>0.11±0.01</a:t>
-                      </a:r>
-                      <a:endParaRPr lang="de-DE" sz="1000" b="0" i="0" u="none" strike="noStrike">
-                        <a:solidFill>
-                          <a:srgbClr val="000000"/>
-                        </a:solidFill>
-                        <a:effectLst/>
-                        <a:latin typeface="Times" pitchFamily="2" charset="0"/>
-                      </a:endParaRPr>
-                    </a:p>
-                  </a:txBody>
-                  <a:tcPr anchor="ctr"/>
-                </a:tc>
-                <a:tc>
-                  <a:txBody>
-                    <a:bodyPr/>
-                    <a:lstStyle/>
-                    <a:p>
-                      <a:pPr algn="l" fontAlgn="ctr"/>
-                      <a:r>
-                        <a:rPr lang="de-DE" sz="1000" u="none" strike="noStrike">
-                          <a:effectLst/>
-                          <a:latin typeface="Times" pitchFamily="2" charset="0"/>
-                        </a:rPr>
-                        <a:t>0.19±0.01</a:t>
-                      </a:r>
-                      <a:endParaRPr lang="de-DE" sz="1000" b="0" i="0" u="none" strike="noStrike">
-                        <a:solidFill>
-                          <a:srgbClr val="000000"/>
-                        </a:solidFill>
-                        <a:effectLst/>
-                        <a:latin typeface="Times" pitchFamily="2" charset="0"/>
-                      </a:endParaRPr>
-                    </a:p>
-                  </a:txBody>
-                  <a:tcPr anchor="ctr"/>
-                </a:tc>
-                <a:tc>
-                  <a:txBody>
-                    <a:bodyPr/>
-                    <a:lstStyle/>
-                    <a:p>
-                      <a:pPr algn="l" fontAlgn="ctr"/>
-                      <a:r>
-                        <a:rPr lang="de-DE" sz="1000" u="none" strike="noStrike">
-                          <a:effectLst/>
-                          <a:latin typeface="Times" pitchFamily="2" charset="0"/>
-                        </a:rPr>
-                        <a:t>0.09±0.01</a:t>
-                      </a:r>
-                      <a:endParaRPr lang="de-DE" sz="1000" b="0" i="0" u="none" strike="noStrike">
-                        <a:solidFill>
-                          <a:srgbClr val="000000"/>
-                        </a:solidFill>
-                        <a:effectLst/>
-                        <a:latin typeface="Times" pitchFamily="2" charset="0"/>
-                      </a:endParaRPr>
-                    </a:p>
-                  </a:txBody>
-                  <a:tcPr anchor="ctr"/>
-                </a:tc>
-                <a:tc>
-                  <a:txBody>
-                    <a:bodyPr/>
-                    <a:lstStyle/>
-                    <a:p>
-                      <a:pPr algn="ctr" fontAlgn="ctr"/>
-                      <a:r>
-                        <a:rPr lang="de-DE" sz="1000" u="none" strike="noStrike">
-                          <a:effectLst/>
-                          <a:latin typeface="Times" pitchFamily="2" charset="0"/>
-                        </a:rPr>
-                        <a:t>0.08±0.01</a:t>
-                      </a:r>
-                      <a:endParaRPr lang="de-DE" sz="1000" b="0" i="0" u="none" strike="noStrike">
-                        <a:solidFill>
-                          <a:srgbClr val="000000"/>
-                        </a:solidFill>
-                        <a:effectLst/>
-                        <a:latin typeface="Times" pitchFamily="2" charset="0"/>
-                      </a:endParaRPr>
-                    </a:p>
-                  </a:txBody>
-                  <a:tcPr anchor="ctr"/>
-                </a:tc>
-                <a:tc>
-                  <a:txBody>
-                    <a:bodyPr/>
-                    <a:lstStyle/>
-                    <a:p>
-                      <a:pPr algn="ctr" fontAlgn="ctr"/>
-                      <a:r>
-                        <a:rPr lang="de-DE" sz="1000" u="none" strike="noStrike">
-                          <a:effectLst/>
-                          <a:latin typeface="Times" pitchFamily="2" charset="0"/>
-                        </a:rPr>
-                        <a:t>0.05±0.01</a:t>
-                      </a:r>
-                      <a:endParaRPr lang="de-DE" sz="1000" b="0" i="0" u="none" strike="noStrike">
-                        <a:solidFill>
-                          <a:srgbClr val="000000"/>
-                        </a:solidFill>
-                        <a:effectLst/>
-                        <a:latin typeface="Times" pitchFamily="2" charset="0"/>
-                      </a:endParaRPr>
-                    </a:p>
-                  </a:txBody>
-                  <a:tcPr anchor="ctr"/>
-                </a:tc>
-                <a:tc>
-                  <a:txBody>
-                    <a:bodyPr/>
-                    <a:lstStyle/>
-                    <a:p>
-                      <a:pPr algn="l" fontAlgn="ctr"/>
-                      <a:r>
-                        <a:rPr lang="de-DE" sz="1000" u="none" strike="noStrike">
-                          <a:effectLst/>
-                          <a:latin typeface="Times" pitchFamily="2" charset="0"/>
-                        </a:rPr>
-                        <a:t>0.06±0.01</a:t>
-                      </a:r>
-                      <a:endParaRPr lang="de-DE" sz="1000" b="0" i="0" u="none" strike="noStrike">
-                        <a:solidFill>
-                          <a:srgbClr val="000000"/>
-                        </a:solidFill>
-                        <a:effectLst/>
-                        <a:latin typeface="Times" pitchFamily="2" charset="0"/>
-                      </a:endParaRPr>
-                    </a:p>
-                  </a:txBody>
-                  <a:tcPr anchor="ctr"/>
-                </a:tc>
-                <a:tc>
-                  <a:txBody>
-                    <a:bodyPr/>
-                    <a:lstStyle/>
-                    <a:p>
-                      <a:pPr algn="l" fontAlgn="ctr"/>
-                      <a:r>
-                        <a:rPr lang="de-DE" sz="1000" u="none" strike="noStrike">
-                          <a:effectLst/>
-                          <a:latin typeface="Times" pitchFamily="2" charset="0"/>
-                        </a:rPr>
-                        <a:t>0.04±0.01</a:t>
-                      </a:r>
-                      <a:endParaRPr lang="de-DE" sz="1000" b="0" i="0" u="none" strike="noStrike">
-                        <a:solidFill>
-                          <a:srgbClr val="000000"/>
-                        </a:solidFill>
-                        <a:effectLst/>
-                        <a:latin typeface="Times" pitchFamily="2" charset="0"/>
-                      </a:endParaRPr>
-                    </a:p>
-                  </a:txBody>
-                  <a:tcPr anchor="ctr"/>
-                </a:tc>
-                <a:tc>
-                  <a:txBody>
-                    <a:bodyPr/>
-                    <a:lstStyle/>
-                    <a:p>
-                      <a:pPr algn="l" fontAlgn="ctr"/>
-                      <a:r>
-                        <a:rPr lang="de-DE" sz="1000" u="none" strike="noStrike">
-                          <a:effectLst/>
-                          <a:latin typeface="Times" pitchFamily="2" charset="0"/>
-                        </a:rPr>
-                        <a:t>0.05±0.01</a:t>
-                      </a:r>
-                      <a:endParaRPr lang="de-DE" sz="1000" b="0" i="0" u="none" strike="noStrike">
-                        <a:solidFill>
-                          <a:srgbClr val="000000"/>
-                        </a:solidFill>
-                        <a:effectLst/>
-                        <a:latin typeface="Times" pitchFamily="2" charset="0"/>
-                      </a:endParaRPr>
-                    </a:p>
-                  </a:txBody>
-                  <a:tcPr anchor="ctr"/>
-                </a:tc>
-                <a:tc>
-                  <a:txBody>
-                    <a:bodyPr/>
-                    <a:lstStyle/>
-                    <a:p>
-                      <a:pPr algn="l" fontAlgn="ctr"/>
-                      <a:r>
-                        <a:rPr lang="de-DE" sz="1000" u="none" strike="noStrike" dirty="0">
-                          <a:effectLst/>
-                          <a:latin typeface="Times" pitchFamily="2" charset="0"/>
-                        </a:rPr>
-                        <a:t>0.04±0.02</a:t>
-                      </a:r>
-                      <a:endParaRPr lang="de-DE" sz="1000" b="0" i="0" u="none" strike="noStrike" dirty="0">
-                        <a:solidFill>
-                          <a:srgbClr val="000000"/>
-                        </a:solidFill>
-                        <a:effectLst/>
-                        <a:latin typeface="Times" pitchFamily="2" charset="0"/>
-                      </a:endParaRPr>
-                    </a:p>
-                  </a:txBody>
-                  <a:tcPr anchor="ctr"/>
-                </a:tc>
-                <a:extLst>
-                  <a:ext uri="{0D108BD9-81ED-4DB2-BD59-A6C34878D82A}">
-                    <a16:rowId xmlns:a16="http://schemas.microsoft.com/office/drawing/2014/main" val="3893415266"/>
-                  </a:ext>
-                </a:extLst>
-              </a:tr>
-            </a:tbl>
-          </a:graphicData>
-        </a:graphic>
-      </p:graphicFrame>
-    </p:spTree>
-    <p:extLst>
-      <p:ext uri="{BB962C8B-B14F-4D97-AF65-F5344CB8AC3E}">
-        <p14:creationId xmlns:p14="http://schemas.microsoft.com/office/powerpoint/2010/main" val="2241753874"/>
-      </p:ext>
-    </p:extLst>
-  </p:cSld>
-  <p:clrMapOvr>
-    <a:masterClrMapping/>
-  </p:clrMapOvr>
-</p:sld>
-</file>
-
-<file path=ppt/slides/slide4.xml><?xml version="1.0" encoding="utf-8"?>
-<p:sld xmlns:a="http://schemas.openxmlformats.org/drawingml/2006/main" xmlns:r="http://schemas.openxmlformats.org/officeDocument/2006/relationships" xmlns:p="http://schemas.openxmlformats.org/presentationml/2006/main">
-  <p:cSld>
-    <p:spTree>
-      <p:nvGrpSpPr>
-        <p:cNvPr id="1" name=""/>
-        <p:cNvGrpSpPr/>
-        <p:nvPr/>
-      </p:nvGrpSpPr>
-      <p:grpSpPr>
-        <a:xfrm>
-          <a:off x="0" y="0"/>
-          <a:ext cx="0" cy="0"/>
-          <a:chOff x="0" y="0"/>
-          <a:chExt cx="0" cy="0"/>
-        </a:xfrm>
-      </p:grpSpPr>
       <p:graphicFrame>
         <p:nvGraphicFramePr>
           <p:cNvPr id="4" name="Table 3">
@@ -8103,7 +3996,7 @@
           <p:nvPr>
             <p:extLst>
               <p:ext uri="{D42A27DB-BD31-4B8C-83A1-F6EECF244321}">
-                <p14:modId xmlns:p14="http://schemas.microsoft.com/office/powerpoint/2010/main" val="3715537193"/>
+                <p14:modId xmlns:p14="http://schemas.microsoft.com/office/powerpoint/2010/main" val="1159084766"/>
               </p:ext>
             </p:extLst>
           </p:nvPr>
@@ -11455,122 +7348,6 @@
                     <a:p>
                       <a:pPr algn="ctr" fontAlgn="ctr"/>
                       <a:r>
-                        <a:rPr lang="de-DE" sz="1100" b="0" i="0" u="none" strike="noStrike">
-                          <a:solidFill>
-                            <a:srgbClr val="000000"/>
-                          </a:solidFill>
-                          <a:effectLst/>
-                          <a:latin typeface="Times" pitchFamily="2" charset="0"/>
-                        </a:rPr>
-                        <a:t>0.53±0.09</a:t>
-                      </a:r>
-                    </a:p>
-                  </a:txBody>
-                  <a:tcPr marL="9525" marR="9525" marT="9525" marB="0" anchor="ctr">
-                    <a:lnL w="12700" cap="flat" cmpd="sng" algn="ctr">
-                      <a:solidFill>
-                        <a:schemeClr val="tx1"/>
-                      </a:solidFill>
-                      <a:prstDash val="solid"/>
-                      <a:round/>
-                      <a:headEnd type="none" w="med" len="med"/>
-                      <a:tailEnd type="none" w="med" len="med"/>
-                    </a:lnL>
-                    <a:lnR w="12700" cap="flat" cmpd="sng" algn="ctr">
-                      <a:solidFill>
-                        <a:schemeClr val="tx1"/>
-                      </a:solidFill>
-                      <a:prstDash val="solid"/>
-                      <a:round/>
-                      <a:headEnd type="none" w="med" len="med"/>
-                      <a:tailEnd type="none" w="med" len="med"/>
-                    </a:lnR>
-                    <a:lnT w="12700" cap="flat" cmpd="sng" algn="ctr">
-                      <a:solidFill>
-                        <a:schemeClr val="tx1"/>
-                      </a:solidFill>
-                      <a:prstDash val="solid"/>
-                      <a:round/>
-                      <a:headEnd type="none" w="med" len="med"/>
-                      <a:tailEnd type="none" w="med" len="med"/>
-                    </a:lnT>
-                    <a:lnB w="12700" cap="flat" cmpd="sng" algn="ctr">
-                      <a:solidFill>
-                        <a:schemeClr val="tx1"/>
-                      </a:solidFill>
-                      <a:prstDash val="solid"/>
-                      <a:round/>
-                      <a:headEnd type="none" w="med" len="med"/>
-                      <a:tailEnd type="none" w="med" len="med"/>
-                    </a:lnB>
-                    <a:noFill/>
-                  </a:tcPr>
-                </a:tc>
-                <a:tc>
-                  <a:txBody>
-                    <a:bodyPr/>
-                    <a:lstStyle/>
-                    <a:p>
-                      <a:pPr algn="ctr" fontAlgn="ctr"/>
-                      <a:r>
-                        <a:rPr lang="de-DE" sz="1100" b="0" i="0" u="none" strike="noStrike">
-                          <a:solidFill>
-                            <a:srgbClr val="000000"/>
-                          </a:solidFill>
-                          <a:effectLst/>
-                          <a:latin typeface="Times" pitchFamily="2" charset="0"/>
-                        </a:rPr>
-                        <a:t>0.59±0.01</a:t>
-                      </a:r>
-                    </a:p>
-                  </a:txBody>
-                  <a:tcPr marL="9525" marR="9525" marT="9525" marB="0" anchor="ctr">
-                    <a:lnL w="12700" cap="flat" cmpd="sng" algn="ctr">
-                      <a:solidFill>
-                        <a:schemeClr val="tx1"/>
-                      </a:solidFill>
-                      <a:prstDash val="solid"/>
-                      <a:round/>
-                      <a:headEnd type="none" w="med" len="med"/>
-                      <a:tailEnd type="none" w="med" len="med"/>
-                    </a:lnL>
-                    <a:lnR w="12700" cap="flat" cmpd="sng" algn="ctr">
-                      <a:solidFill>
-                        <a:schemeClr val="tx1"/>
-                      </a:solidFill>
-                      <a:prstDash val="solid"/>
-                      <a:round/>
-                      <a:headEnd type="none" w="med" len="med"/>
-                      <a:tailEnd type="none" w="med" len="med"/>
-                    </a:lnR>
-                    <a:lnT w="12700" cap="flat" cmpd="sng" algn="ctr">
-                      <a:solidFill>
-                        <a:schemeClr val="tx1"/>
-                      </a:solidFill>
-                      <a:prstDash val="solid"/>
-                      <a:round/>
-                      <a:headEnd type="none" w="med" len="med"/>
-                      <a:tailEnd type="none" w="med" len="med"/>
-                    </a:lnT>
-                    <a:lnB w="12700" cap="flat" cmpd="sng" algn="ctr">
-                      <a:solidFill>
-                        <a:schemeClr val="tx1"/>
-                      </a:solidFill>
-                      <a:prstDash val="solid"/>
-                      <a:round/>
-                      <a:headEnd type="none" w="med" len="med"/>
-                      <a:tailEnd type="none" w="med" len="med"/>
-                    </a:lnB>
-                    <a:noFill/>
-                  </a:tcPr>
-                </a:tc>
-                <a:tc>
-                  <a:txBody>
-                    <a:bodyPr/>
-                    <a:lstStyle/>
-                    <a:p>
-                      <a:pPr algn="ctr" fontAlgn="ctr"/>
-                      <a:r>
                         <a:rPr lang="de-DE" sz="1100" b="0" i="0" u="none" strike="noStrike" dirty="0">
                           <a:solidFill>
                             <a:srgbClr val="000000"/>
@@ -11578,6 +7355,122 @@
                           <a:effectLst/>
                           <a:latin typeface="Times" pitchFamily="2" charset="0"/>
                         </a:rPr>
+                        <a:t>0.53±0.09</a:t>
+                      </a:r>
+                    </a:p>
+                  </a:txBody>
+                  <a:tcPr marL="9525" marR="9525" marT="9525" marB="0" anchor="ctr">
+                    <a:lnL w="12700" cap="flat" cmpd="sng" algn="ctr">
+                      <a:solidFill>
+                        <a:schemeClr val="tx1"/>
+                      </a:solidFill>
+                      <a:prstDash val="solid"/>
+                      <a:round/>
+                      <a:headEnd type="none" w="med" len="med"/>
+                      <a:tailEnd type="none" w="med" len="med"/>
+                    </a:lnL>
+                    <a:lnR w="12700" cap="flat" cmpd="sng" algn="ctr">
+                      <a:solidFill>
+                        <a:schemeClr val="tx1"/>
+                      </a:solidFill>
+                      <a:prstDash val="solid"/>
+                      <a:round/>
+                      <a:headEnd type="none" w="med" len="med"/>
+                      <a:tailEnd type="none" w="med" len="med"/>
+                    </a:lnR>
+                    <a:lnT w="12700" cap="flat" cmpd="sng" algn="ctr">
+                      <a:solidFill>
+                        <a:schemeClr val="tx1"/>
+                      </a:solidFill>
+                      <a:prstDash val="solid"/>
+                      <a:round/>
+                      <a:headEnd type="none" w="med" len="med"/>
+                      <a:tailEnd type="none" w="med" len="med"/>
+                    </a:lnT>
+                    <a:lnB w="12700" cap="flat" cmpd="sng" algn="ctr">
+                      <a:solidFill>
+                        <a:schemeClr val="tx1"/>
+                      </a:solidFill>
+                      <a:prstDash val="solid"/>
+                      <a:round/>
+                      <a:headEnd type="none" w="med" len="med"/>
+                      <a:tailEnd type="none" w="med" len="med"/>
+                    </a:lnB>
+                    <a:noFill/>
+                  </a:tcPr>
+                </a:tc>
+                <a:tc>
+                  <a:txBody>
+                    <a:bodyPr/>
+                    <a:lstStyle/>
+                    <a:p>
+                      <a:pPr algn="ctr" fontAlgn="ctr"/>
+                      <a:r>
+                        <a:rPr lang="de-DE" sz="1100" b="0" i="0" u="none" strike="noStrike" dirty="0">
+                          <a:solidFill>
+                            <a:srgbClr val="000000"/>
+                          </a:solidFill>
+                          <a:effectLst/>
+                          <a:latin typeface="Times" pitchFamily="2" charset="0"/>
+                        </a:rPr>
+                        <a:t>0.59±0.01</a:t>
+                      </a:r>
+                    </a:p>
+                  </a:txBody>
+                  <a:tcPr marL="9525" marR="9525" marT="9525" marB="0" anchor="ctr">
+                    <a:lnL w="12700" cap="flat" cmpd="sng" algn="ctr">
+                      <a:solidFill>
+                        <a:schemeClr val="tx1"/>
+                      </a:solidFill>
+                      <a:prstDash val="solid"/>
+                      <a:round/>
+                      <a:headEnd type="none" w="med" len="med"/>
+                      <a:tailEnd type="none" w="med" len="med"/>
+                    </a:lnL>
+                    <a:lnR w="12700" cap="flat" cmpd="sng" algn="ctr">
+                      <a:solidFill>
+                        <a:schemeClr val="tx1"/>
+                      </a:solidFill>
+                      <a:prstDash val="solid"/>
+                      <a:round/>
+                      <a:headEnd type="none" w="med" len="med"/>
+                      <a:tailEnd type="none" w="med" len="med"/>
+                    </a:lnR>
+                    <a:lnT w="12700" cap="flat" cmpd="sng" algn="ctr">
+                      <a:solidFill>
+                        <a:schemeClr val="tx1"/>
+                      </a:solidFill>
+                      <a:prstDash val="solid"/>
+                      <a:round/>
+                      <a:headEnd type="none" w="med" len="med"/>
+                      <a:tailEnd type="none" w="med" len="med"/>
+                    </a:lnT>
+                    <a:lnB w="12700" cap="flat" cmpd="sng" algn="ctr">
+                      <a:solidFill>
+                        <a:schemeClr val="tx1"/>
+                      </a:solidFill>
+                      <a:prstDash val="solid"/>
+                      <a:round/>
+                      <a:headEnd type="none" w="med" len="med"/>
+                      <a:tailEnd type="none" w="med" len="med"/>
+                    </a:lnB>
+                    <a:noFill/>
+                  </a:tcPr>
+                </a:tc>
+                <a:tc>
+                  <a:txBody>
+                    <a:bodyPr/>
+                    <a:lstStyle/>
+                    <a:p>
+                      <a:pPr algn="ctr" fontAlgn="ctr"/>
+                      <a:r>
+                        <a:rPr lang="de-DE" sz="1100" b="0" i="0" u="none" strike="noStrike" dirty="0">
+                          <a:solidFill>
+                            <a:srgbClr val="000000"/>
+                          </a:solidFill>
+                          <a:effectLst/>
+                          <a:latin typeface="Times" pitchFamily="2" charset="0"/>
+                        </a:rPr>
                         <a:t>0.2±0.03</a:t>
                       </a:r>
                     </a:p>
@@ -11629,7 +7522,7 @@
                     <a:p>
                       <a:pPr algn="ctr" fontAlgn="ctr"/>
                       <a:r>
-                        <a:rPr lang="de-DE" sz="1100" b="0" i="0" u="none" strike="noStrike">
+                        <a:rPr lang="de-DE" sz="1100" b="0" i="0" u="none" strike="noStrike" dirty="0">
                           <a:solidFill>
                             <a:srgbClr val="000000"/>
                           </a:solidFill>
@@ -12411,6 +8304,64 @@
                     <a:p>
                       <a:pPr algn="ctr" fontAlgn="ctr"/>
                       <a:r>
+                        <a:rPr lang="de-DE" sz="1100" b="0" i="0" u="none" strike="noStrike" dirty="0">
+                          <a:solidFill>
+                            <a:srgbClr val="000000"/>
+                          </a:solidFill>
+                          <a:effectLst/>
+                          <a:latin typeface="Times" pitchFamily="2" charset="0"/>
+                        </a:rPr>
+                        <a:t>0.2±0.06</a:t>
+                      </a:r>
+                    </a:p>
+                  </a:txBody>
+                  <a:tcPr marL="9525" marR="9525" marT="9525" marB="0" anchor="ctr">
+                    <a:lnL w="12700" cap="flat" cmpd="sng" algn="ctr">
+                      <a:solidFill>
+                        <a:schemeClr val="tx1"/>
+                      </a:solidFill>
+                      <a:prstDash val="solid"/>
+                      <a:round/>
+                      <a:headEnd type="none" w="med" len="med"/>
+                      <a:tailEnd type="none" w="med" len="med"/>
+                    </a:lnL>
+                    <a:lnR w="12700" cap="flat" cmpd="sng" algn="ctr">
+                      <a:solidFill>
+                        <a:schemeClr val="tx1"/>
+                      </a:solidFill>
+                      <a:prstDash val="solid"/>
+                      <a:round/>
+                      <a:headEnd type="none" w="med" len="med"/>
+                      <a:tailEnd type="none" w="med" len="med"/>
+                    </a:lnR>
+                    <a:lnT w="12700" cap="flat" cmpd="sng" algn="ctr">
+                      <a:solidFill>
+                        <a:schemeClr val="tx1"/>
+                      </a:solidFill>
+                      <a:prstDash val="solid"/>
+                      <a:round/>
+                      <a:headEnd type="none" w="med" len="med"/>
+                      <a:tailEnd type="none" w="med" len="med"/>
+                    </a:lnT>
+                    <a:lnB w="12700" cap="flat" cmpd="sng" algn="ctr">
+                      <a:solidFill>
+                        <a:schemeClr val="tx1"/>
+                      </a:solidFill>
+                      <a:prstDash val="solid"/>
+                      <a:round/>
+                      <a:headEnd type="none" w="med" len="med"/>
+                      <a:tailEnd type="none" w="med" len="med"/>
+                    </a:lnB>
+                    <a:noFill/>
+                  </a:tcPr>
+                </a:tc>
+                <a:tc>
+                  <a:txBody>
+                    <a:bodyPr/>
+                    <a:lstStyle/>
+                    <a:p>
+                      <a:pPr algn="ctr" fontAlgn="ctr"/>
+                      <a:r>
                         <a:rPr lang="de-DE" sz="1100" b="0" i="0" u="none" strike="noStrike">
                           <a:solidFill>
                             <a:srgbClr val="000000"/>
@@ -12418,7 +8369,7 @@
                           <a:effectLst/>
                           <a:latin typeface="Times" pitchFamily="2" charset="0"/>
                         </a:rPr>
-                        <a:t>0.2±0.06</a:t>
+                        <a:t>0.8±0.05</a:t>
                       </a:r>
                     </a:p>
                   </a:txBody>
@@ -12469,65 +8420,7 @@
                     <a:p>
                       <a:pPr algn="ctr" fontAlgn="ctr"/>
                       <a:r>
-                        <a:rPr lang="de-DE" sz="1100" b="0" i="0" u="none" strike="noStrike">
-                          <a:solidFill>
-                            <a:srgbClr val="000000"/>
-                          </a:solidFill>
-                          <a:effectLst/>
-                          <a:latin typeface="Times" pitchFamily="2" charset="0"/>
-                        </a:rPr>
-                        <a:t>0.8±0.05</a:t>
-                      </a:r>
-                    </a:p>
-                  </a:txBody>
-                  <a:tcPr marL="9525" marR="9525" marT="9525" marB="0" anchor="ctr">
-                    <a:lnL w="12700" cap="flat" cmpd="sng" algn="ctr">
-                      <a:solidFill>
-                        <a:schemeClr val="tx1"/>
-                      </a:solidFill>
-                      <a:prstDash val="solid"/>
-                      <a:round/>
-                      <a:headEnd type="none" w="med" len="med"/>
-                      <a:tailEnd type="none" w="med" len="med"/>
-                    </a:lnL>
-                    <a:lnR w="12700" cap="flat" cmpd="sng" algn="ctr">
-                      <a:solidFill>
-                        <a:schemeClr val="tx1"/>
-                      </a:solidFill>
-                      <a:prstDash val="solid"/>
-                      <a:round/>
-                      <a:headEnd type="none" w="med" len="med"/>
-                      <a:tailEnd type="none" w="med" len="med"/>
-                    </a:lnR>
-                    <a:lnT w="12700" cap="flat" cmpd="sng" algn="ctr">
-                      <a:solidFill>
-                        <a:schemeClr val="tx1"/>
-                      </a:solidFill>
-                      <a:prstDash val="solid"/>
-                      <a:round/>
-                      <a:headEnd type="none" w="med" len="med"/>
-                      <a:tailEnd type="none" w="med" len="med"/>
-                    </a:lnT>
-                    <a:lnB w="12700" cap="flat" cmpd="sng" algn="ctr">
-                      <a:solidFill>
-                        <a:schemeClr val="tx1"/>
-                      </a:solidFill>
-                      <a:prstDash val="solid"/>
-                      <a:round/>
-                      <a:headEnd type="none" w="med" len="med"/>
-                      <a:tailEnd type="none" w="med" len="med"/>
-                    </a:lnB>
-                    <a:noFill/>
-                  </a:tcPr>
-                </a:tc>
-                <a:tc>
-                  <a:txBody>
-                    <a:bodyPr/>
-                    <a:lstStyle/>
-                    <a:p>
-                      <a:pPr algn="ctr" fontAlgn="ctr"/>
-                      <a:r>
-                        <a:rPr lang="de-DE" sz="1100" b="0" i="0" u="none" strike="noStrike">
+                        <a:rPr lang="de-DE" sz="1100" b="0" i="0" u="none" strike="noStrike" dirty="0">
                           <a:solidFill>
                             <a:srgbClr val="000000"/>
                           </a:solidFill>
@@ -13241,7 +9134,7 @@
                     <a:p>
                       <a:pPr algn="ctr" fontAlgn="ctr"/>
                       <a:r>
-                        <a:rPr lang="de-DE" sz="1100" b="0" i="0" u="none" strike="noStrike">
+                        <a:rPr lang="de-DE" sz="1100" b="0" i="0" u="none" strike="noStrike" dirty="0">
                           <a:solidFill>
                             <a:srgbClr val="000000"/>
                           </a:solidFill>
@@ -13846,8 +9739,15 @@
                           <a:effectLst/>
                           <a:latin typeface="Times" pitchFamily="2" charset="0"/>
                         </a:rPr>
-                        <a:t>0.43±0.1</a:t>
-                      </a:r>
+                        <a:t>0.44±0.1</a:t>
+                      </a:r>
+                      <a:endParaRPr lang="de-DE" sz="1100" b="0" i="0" u="none" strike="noStrike" dirty="0">
+                        <a:solidFill>
+                          <a:srgbClr val="000000"/>
+                        </a:solidFill>
+                        <a:effectLst/>
+                        <a:latin typeface="Times" pitchFamily="2" charset="0"/>
+                      </a:endParaRPr>
                     </a:p>
                   </a:txBody>
                   <a:tcPr marL="9525" marR="9525" marT="9525" marB="0" anchor="ctr">
@@ -13897,7 +9797,7 @@
                     <a:p>
                       <a:pPr algn="ctr" fontAlgn="ctr"/>
                       <a:r>
-                        <a:rPr lang="de-DE" sz="1100" b="0" i="0" u="none" strike="noStrike">
+                        <a:rPr lang="de-DE" sz="1100" b="0" i="0" u="none" strike="noStrike" dirty="0">
                           <a:solidFill>
                             <a:srgbClr val="000000"/>
                           </a:solidFill>
@@ -14682,6 +10582,64 @@
                     <a:p>
                       <a:pPr algn="ctr" fontAlgn="ctr"/>
                       <a:r>
+                        <a:rPr lang="de-DE" sz="1100" b="0" i="0" u="none" strike="noStrike" dirty="0">
+                          <a:solidFill>
+                            <a:srgbClr val="000000"/>
+                          </a:solidFill>
+                          <a:effectLst/>
+                          <a:latin typeface="Times" pitchFamily="2" charset="0"/>
+                        </a:rPr>
+                        <a:t>0.44±0.1</a:t>
+                      </a:r>
+                    </a:p>
+                  </a:txBody>
+                  <a:tcPr marL="9525" marR="9525" marT="9525" marB="0" anchor="ctr">
+                    <a:lnL w="12700" cap="flat" cmpd="sng" algn="ctr">
+                      <a:solidFill>
+                        <a:schemeClr val="tx1"/>
+                      </a:solidFill>
+                      <a:prstDash val="solid"/>
+                      <a:round/>
+                      <a:headEnd type="none" w="med" len="med"/>
+                      <a:tailEnd type="none" w="med" len="med"/>
+                    </a:lnL>
+                    <a:lnR w="12700" cap="flat" cmpd="sng" algn="ctr">
+                      <a:solidFill>
+                        <a:schemeClr val="tx1"/>
+                      </a:solidFill>
+                      <a:prstDash val="solid"/>
+                      <a:round/>
+                      <a:headEnd type="none" w="med" len="med"/>
+                      <a:tailEnd type="none" w="med" len="med"/>
+                    </a:lnR>
+                    <a:lnT w="12700" cap="flat" cmpd="sng" algn="ctr">
+                      <a:solidFill>
+                        <a:schemeClr val="tx1"/>
+                      </a:solidFill>
+                      <a:prstDash val="solid"/>
+                      <a:round/>
+                      <a:headEnd type="none" w="med" len="med"/>
+                      <a:tailEnd type="none" w="med" len="med"/>
+                    </a:lnT>
+                    <a:lnB w="12700" cap="flat" cmpd="sng" algn="ctr">
+                      <a:solidFill>
+                        <a:schemeClr val="tx1"/>
+                      </a:solidFill>
+                      <a:prstDash val="solid"/>
+                      <a:round/>
+                      <a:headEnd type="none" w="med" len="med"/>
+                      <a:tailEnd type="none" w="med" len="med"/>
+                    </a:lnB>
+                    <a:noFill/>
+                  </a:tcPr>
+                </a:tc>
+                <a:tc>
+                  <a:txBody>
+                    <a:bodyPr/>
+                    <a:lstStyle/>
+                    <a:p>
+                      <a:pPr algn="ctr" fontAlgn="ctr"/>
+                      <a:r>
                         <a:rPr lang="de-DE" sz="1100" b="0" i="0" u="none" strike="noStrike">
                           <a:solidFill>
                             <a:srgbClr val="000000"/>
@@ -14689,7 +10647,65 @@
                           <a:effectLst/>
                           <a:latin typeface="Times" pitchFamily="2" charset="0"/>
                         </a:rPr>
-                        <a:t>0.44±0.1</a:t>
+                        <a:t>0.55±0.02</a:t>
+                      </a:r>
+                    </a:p>
+                  </a:txBody>
+                  <a:tcPr marL="9525" marR="9525" marT="9525" marB="0" anchor="ctr">
+                    <a:lnL w="12700" cap="flat" cmpd="sng" algn="ctr">
+                      <a:solidFill>
+                        <a:schemeClr val="tx1"/>
+                      </a:solidFill>
+                      <a:prstDash val="solid"/>
+                      <a:round/>
+                      <a:headEnd type="none" w="med" len="med"/>
+                      <a:tailEnd type="none" w="med" len="med"/>
+                    </a:lnL>
+                    <a:lnR w="12700" cap="flat" cmpd="sng" algn="ctr">
+                      <a:solidFill>
+                        <a:schemeClr val="tx1"/>
+                      </a:solidFill>
+                      <a:prstDash val="solid"/>
+                      <a:round/>
+                      <a:headEnd type="none" w="med" len="med"/>
+                      <a:tailEnd type="none" w="med" len="med"/>
+                    </a:lnR>
+                    <a:lnT w="12700" cap="flat" cmpd="sng" algn="ctr">
+                      <a:solidFill>
+                        <a:schemeClr val="tx1"/>
+                      </a:solidFill>
+                      <a:prstDash val="solid"/>
+                      <a:round/>
+                      <a:headEnd type="none" w="med" len="med"/>
+                      <a:tailEnd type="none" w="med" len="med"/>
+                    </a:lnT>
+                    <a:lnB w="12700" cap="flat" cmpd="sng" algn="ctr">
+                      <a:solidFill>
+                        <a:schemeClr val="tx1"/>
+                      </a:solidFill>
+                      <a:prstDash val="solid"/>
+                      <a:round/>
+                      <a:headEnd type="none" w="med" len="med"/>
+                      <a:tailEnd type="none" w="med" len="med"/>
+                    </a:lnB>
+                    <a:noFill/>
+                  </a:tcPr>
+                </a:tc>
+                <a:tc>
+                  <a:txBody>
+                    <a:bodyPr/>
+                    <a:lstStyle/>
+                    <a:p>
+                      <a:pPr algn="ctr" fontAlgn="ctr"/>
+                      <a:r>
+                        <a:rPr lang="de-DE" sz="1100" b="0" i="0" u="none" strike="noStrike" dirty="0">
+                          <a:solidFill>
+                            <a:srgbClr val="000000"/>
+                          </a:solidFill>
+                          <a:effectLst/>
+                          <a:latin typeface="Times" pitchFamily="2" charset="0"/>
+                        </a:rPr>
+                        <a:t>0.14±0.03</a:t>
                       </a:r>
                     </a:p>
                   </a:txBody>
@@ -14747,7 +10763,7 @@
                           <a:effectLst/>
                           <a:latin typeface="Times" pitchFamily="2" charset="0"/>
                         </a:rPr>
-                        <a:t>0.55±0.02</a:t>
+                        <a:t>0.74±0.2</a:t>
                       </a:r>
                     </a:p>
                   </a:txBody>
@@ -14799,122 +10815,6 @@
                       <a:pPr algn="ctr" fontAlgn="ctr"/>
                       <a:r>
                         <a:rPr lang="de-DE" sz="1100" b="0" i="0" u="none" strike="noStrike" dirty="0">
-                          <a:solidFill>
-                            <a:srgbClr val="000000"/>
-                          </a:solidFill>
-                          <a:effectLst/>
-                          <a:latin typeface="Times" pitchFamily="2" charset="0"/>
-                        </a:rPr>
-                        <a:t>0.14±0.03</a:t>
-                      </a:r>
-                    </a:p>
-                  </a:txBody>
-                  <a:tcPr marL="9525" marR="9525" marT="9525" marB="0" anchor="ctr">
-                    <a:lnL w="12700" cap="flat" cmpd="sng" algn="ctr">
-                      <a:solidFill>
-                        <a:schemeClr val="tx1"/>
-                      </a:solidFill>
-                      <a:prstDash val="solid"/>
-                      <a:round/>
-                      <a:headEnd type="none" w="med" len="med"/>
-                      <a:tailEnd type="none" w="med" len="med"/>
-                    </a:lnL>
-                    <a:lnR w="12700" cap="flat" cmpd="sng" algn="ctr">
-                      <a:solidFill>
-                        <a:schemeClr val="tx1"/>
-                      </a:solidFill>
-                      <a:prstDash val="solid"/>
-                      <a:round/>
-                      <a:headEnd type="none" w="med" len="med"/>
-                      <a:tailEnd type="none" w="med" len="med"/>
-                    </a:lnR>
-                    <a:lnT w="12700" cap="flat" cmpd="sng" algn="ctr">
-                      <a:solidFill>
-                        <a:schemeClr val="tx1"/>
-                      </a:solidFill>
-                      <a:prstDash val="solid"/>
-                      <a:round/>
-                      <a:headEnd type="none" w="med" len="med"/>
-                      <a:tailEnd type="none" w="med" len="med"/>
-                    </a:lnT>
-                    <a:lnB w="12700" cap="flat" cmpd="sng" algn="ctr">
-                      <a:solidFill>
-                        <a:schemeClr val="tx1"/>
-                      </a:solidFill>
-                      <a:prstDash val="solid"/>
-                      <a:round/>
-                      <a:headEnd type="none" w="med" len="med"/>
-                      <a:tailEnd type="none" w="med" len="med"/>
-                    </a:lnB>
-                    <a:noFill/>
-                  </a:tcPr>
-                </a:tc>
-                <a:tc>
-                  <a:txBody>
-                    <a:bodyPr/>
-                    <a:lstStyle/>
-                    <a:p>
-                      <a:pPr algn="ctr" fontAlgn="ctr"/>
-                      <a:r>
-                        <a:rPr lang="de-DE" sz="1100" b="0" i="0" u="none" strike="noStrike">
-                          <a:solidFill>
-                            <a:srgbClr val="000000"/>
-                          </a:solidFill>
-                          <a:effectLst/>
-                          <a:latin typeface="Times" pitchFamily="2" charset="0"/>
-                        </a:rPr>
-                        <a:t>0.74±0.2</a:t>
-                      </a:r>
-                    </a:p>
-                  </a:txBody>
-                  <a:tcPr marL="9525" marR="9525" marT="9525" marB="0" anchor="ctr">
-                    <a:lnL w="12700" cap="flat" cmpd="sng" algn="ctr">
-                      <a:solidFill>
-                        <a:schemeClr val="tx1"/>
-                      </a:solidFill>
-                      <a:prstDash val="solid"/>
-                      <a:round/>
-                      <a:headEnd type="none" w="med" len="med"/>
-                      <a:tailEnd type="none" w="med" len="med"/>
-                    </a:lnL>
-                    <a:lnR w="12700" cap="flat" cmpd="sng" algn="ctr">
-                      <a:solidFill>
-                        <a:schemeClr val="tx1"/>
-                      </a:solidFill>
-                      <a:prstDash val="solid"/>
-                      <a:round/>
-                      <a:headEnd type="none" w="med" len="med"/>
-                      <a:tailEnd type="none" w="med" len="med"/>
-                    </a:lnR>
-                    <a:lnT w="12700" cap="flat" cmpd="sng" algn="ctr">
-                      <a:solidFill>
-                        <a:schemeClr val="tx1"/>
-                      </a:solidFill>
-                      <a:prstDash val="solid"/>
-                      <a:round/>
-                      <a:headEnd type="none" w="med" len="med"/>
-                      <a:tailEnd type="none" w="med" len="med"/>
-                    </a:lnT>
-                    <a:lnB w="12700" cap="flat" cmpd="sng" algn="ctr">
-                      <a:solidFill>
-                        <a:schemeClr val="tx1"/>
-                      </a:solidFill>
-                      <a:prstDash val="solid"/>
-                      <a:round/>
-                      <a:headEnd type="none" w="med" len="med"/>
-                      <a:tailEnd type="none" w="med" len="med"/>
-                    </a:lnB>
-                    <a:noFill/>
-                  </a:tcPr>
-                </a:tc>
-                <a:tc>
-                  <a:txBody>
-                    <a:bodyPr/>
-                    <a:lstStyle/>
-                    <a:p>
-                      <a:pPr algn="ctr" fontAlgn="ctr"/>
-                      <a:r>
-                        <a:rPr lang="de-DE" sz="1100" b="0" i="0" u="none" strike="noStrike">
                           <a:solidFill>
                             <a:srgbClr val="000000"/>
                           </a:solidFill>
@@ -16938,7 +12838,7 @@
 </p:sld>
 </file>
 
-<file path=ppt/slides/slide5.xml><?xml version="1.0" encoding="utf-8"?>
+<file path=ppt/slides/slide2.xml><?xml version="1.0" encoding="utf-8"?>
 <p:sld xmlns:a="http://schemas.openxmlformats.org/drawingml/2006/main" xmlns:r="http://schemas.openxmlformats.org/officeDocument/2006/relationships" xmlns:p="http://schemas.openxmlformats.org/presentationml/2006/main">
   <p:cSld>
     <p:spTree>
@@ -26251,12 +22151,102 @@
           </a:graphicData>
         </a:graphic>
       </p:graphicFrame>
+    </p:spTree>
+    <p:extLst>
+      <p:ext uri="{BB962C8B-B14F-4D97-AF65-F5344CB8AC3E}">
+        <p14:creationId xmlns:p14="http://schemas.microsoft.com/office/powerpoint/2010/main" val="2964272201"/>
+      </p:ext>
+    </p:extLst>
+  </p:cSld>
+  <p:clrMapOvr>
+    <a:masterClrMapping/>
+  </p:clrMapOvr>
+</p:sld>
+</file>
+
+<file path=ppt/slides/slide3.xml><?xml version="1.0" encoding="utf-8"?>
+<p:sld xmlns:a="http://schemas.openxmlformats.org/drawingml/2006/main" xmlns:r="http://schemas.openxmlformats.org/officeDocument/2006/relationships" xmlns:p="http://schemas.openxmlformats.org/presentationml/2006/main">
+  <p:cSld>
+    <p:spTree>
+      <p:nvGrpSpPr>
+        <p:cNvPr id="1" name=""/>
+        <p:cNvGrpSpPr/>
+        <p:nvPr/>
+      </p:nvGrpSpPr>
+      <p:grpSpPr>
+        <a:xfrm>
+          <a:off x="0" y="0"/>
+          <a:ext cx="0" cy="0"/>
+          <a:chOff x="0" y="0"/>
+          <a:chExt cx="0" cy="0"/>
+        </a:xfrm>
+      </p:grpSpPr>
+    </p:spTree>
+    <p:extLst>
+      <p:ext uri="{BB962C8B-B14F-4D97-AF65-F5344CB8AC3E}">
+        <p14:creationId xmlns:p14="http://schemas.microsoft.com/office/powerpoint/2010/main" val="2022567035"/>
+      </p:ext>
+    </p:extLst>
+  </p:cSld>
+  <p:clrMapOvr>
+    <a:masterClrMapping/>
+  </p:clrMapOvr>
+</p:sld>
+</file>
+
+<file path=ppt/slides/slide4.xml><?xml version="1.0" encoding="utf-8"?>
+<p:sld xmlns:a="http://schemas.openxmlformats.org/drawingml/2006/main" xmlns:r="http://schemas.openxmlformats.org/officeDocument/2006/relationships" xmlns:p="http://schemas.openxmlformats.org/presentationml/2006/main">
+  <p:cSld>
+    <p:spTree>
+      <p:nvGrpSpPr>
+        <p:cNvPr id="1" name=""/>
+        <p:cNvGrpSpPr/>
+        <p:nvPr/>
+      </p:nvGrpSpPr>
+      <p:grpSpPr>
+        <a:xfrm>
+          <a:off x="0" y="0"/>
+          <a:ext cx="0" cy="0"/>
+          <a:chOff x="0" y="0"/>
+          <a:chExt cx="0" cy="0"/>
+        </a:xfrm>
+      </p:grpSpPr>
+      <p:pic>
+        <p:nvPicPr>
+          <p:cNvPr id="7" name="Picture 6">
+            <a:extLst>
+              <a:ext uri="{FF2B5EF4-FFF2-40B4-BE49-F238E27FC236}">
+                <a16:creationId xmlns:a16="http://schemas.microsoft.com/office/drawing/2014/main" id="{474F5E5E-27CA-A14F-9983-D77482ABBD6B}"/>
+              </a:ext>
+            </a:extLst>
+          </p:cNvPr>
+          <p:cNvPicPr>
+            <a:picLocks noChangeAspect="1"/>
+          </p:cNvPicPr>
+          <p:nvPr/>
+        </p:nvPicPr>
+        <p:blipFill>
+          <a:blip r:embed="rId2"/>
+          <a:stretch>
+            <a:fillRect/>
+          </a:stretch>
+        </p:blipFill>
+        <p:spPr>
+          <a:xfrm>
+            <a:off x="1301750" y="812800"/>
+            <a:ext cx="9588500" cy="3479800"/>
+          </a:xfrm>
+          <a:prstGeom prst="rect">
+            <a:avLst/>
+          </a:prstGeom>
+        </p:spPr>
+      </p:pic>
       <p:sp>
         <p:nvSpPr>
-          <p:cNvPr id="6" name="TextBox 5">
+          <p:cNvPr id="2" name="TextBox 1">
             <a:extLst>
               <a:ext uri="{FF2B5EF4-FFF2-40B4-BE49-F238E27FC236}">
-                <a16:creationId xmlns:a16="http://schemas.microsoft.com/office/drawing/2014/main" id="{599C85E7-358E-8849-826A-FAE1C3C6A006}"/>
+                <a16:creationId xmlns:a16="http://schemas.microsoft.com/office/drawing/2014/main" id="{C50DE93C-DA7F-D54C-948A-B7EE41B9AE3F}"/>
               </a:ext>
             </a:extLst>
           </p:cNvPr>
@@ -26265,8 +22255,8 @@
         </p:nvSpPr>
         <p:spPr>
           <a:xfrm>
-            <a:off x="1851660" y="0"/>
-            <a:ext cx="9018270" cy="646331"/>
+            <a:off x="2641600" y="4432300"/>
+            <a:ext cx="3124200" cy="307777"/>
           </a:xfrm>
           <a:prstGeom prst="rect">
             <a:avLst/>
@@ -26279,56 +22269,166 @@
           </a:bodyPr>
           <a:lstStyle/>
           <a:p>
+            <a:pPr algn="ctr"/>
             <a:r>
-              <a:rPr lang="ko-KR" altLang="de-DE" dirty="0"/>
-              <a:t>어떤 결론을 낼 수 있나</a:t>
+              <a:rPr lang="de-DE" sz="1400" dirty="0">
+                <a:latin typeface="Times" pitchFamily="2" charset="0"/>
+              </a:rPr>
+              <a:t>(a) </a:t>
             </a:r>
             <a:r>
-              <a:rPr lang="de-DE" altLang="ko-KR" dirty="0"/>
-              <a:t>?</a:t>
-            </a:r>
-          </a:p>
-          <a:p>
-            <a:r>
-              <a:rPr lang="de-DE" altLang="ko-KR" dirty="0"/>
-              <a:t>-</a:t>
+              <a:rPr lang="de-DE" sz="1400" dirty="0" err="1">
+                <a:latin typeface="Times" pitchFamily="2" charset="0"/>
+              </a:rPr>
+              <a:t>Effect</a:t>
             </a:r>
             <a:r>
-              <a:rPr lang="ko-KR" altLang="de-DE" dirty="0"/>
+              <a:rPr lang="de-DE" sz="1400" dirty="0">
+                <a:latin typeface="Times" pitchFamily="2" charset="0"/>
+              </a:rPr>
               <a:t> </a:t>
             </a:r>
             <a:r>
-              <a:rPr lang="en-US" altLang="ko-KR" dirty="0"/>
-              <a:t>Horizon</a:t>
+              <a:rPr lang="de-DE" sz="1400" dirty="0" err="1">
+                <a:latin typeface="Times" pitchFamily="2" charset="0"/>
+              </a:rPr>
+              <a:t>of</a:t>
             </a:r>
             <a:r>
-              <a:rPr lang="ko-KR" altLang="de-DE" dirty="0"/>
-              <a:t>이 커질수록 예측 정확도가 떨어짐 </a:t>
+              <a:rPr lang="de-DE" sz="1400" dirty="0">
+                <a:latin typeface="Times" pitchFamily="2" charset="0"/>
+              </a:rPr>
+              <a:t> </a:t>
             </a:r>
             <a:r>
-              <a:rPr lang="de-DE" altLang="ko-KR" dirty="0"/>
-              <a:t>(</a:t>
+              <a:rPr lang="de-DE" sz="1400" dirty="0" err="1">
+                <a:latin typeface="Times" pitchFamily="2" charset="0"/>
+              </a:rPr>
+              <a:t>horizon</a:t>
             </a:r>
             <a:r>
-              <a:rPr lang="de-DE" altLang="ko-KR" dirty="0" err="1"/>
-              <a:t>variability</a:t>
+              <a:rPr lang="de-DE" sz="1400" dirty="0">
+                <a:latin typeface="Times" pitchFamily="2" charset="0"/>
+              </a:rPr>
+              <a:t> </a:t>
             </a:r>
             <a:r>
-              <a:rPr lang="ko-KR" altLang="de-DE" dirty="0"/>
-              <a:t>가 큰 경우</a:t>
+              <a:rPr lang="de-DE" sz="1400" dirty="0" err="1">
+                <a:latin typeface="Times" pitchFamily="2" charset="0"/>
+              </a:rPr>
+              <a:t>to</a:t>
             </a:r>
             <a:r>
-              <a:rPr lang="de-DE" altLang="ko-KR" dirty="0"/>
-              <a:t>)</a:t>
+              <a:rPr lang="de-DE" sz="1400" dirty="0">
+                <a:latin typeface="Times" pitchFamily="2" charset="0"/>
+              </a:rPr>
+              <a:t> MAE</a:t>
             </a:r>
-            <a:endParaRPr lang="de-DE" dirty="0"/>
+          </a:p>
+        </p:txBody>
+      </p:sp>
+      <p:sp>
+        <p:nvSpPr>
+          <p:cNvPr id="4" name="TextBox 3">
+            <a:extLst>
+              <a:ext uri="{FF2B5EF4-FFF2-40B4-BE49-F238E27FC236}">
+                <a16:creationId xmlns:a16="http://schemas.microsoft.com/office/drawing/2014/main" id="{B96E66BD-429C-174F-B374-CBC9DB97AE5D}"/>
+              </a:ext>
+            </a:extLst>
+          </p:cNvPr>
+          <p:cNvSpPr txBox="1"/>
+          <p:nvPr/>
+        </p:nvSpPr>
+        <p:spPr>
+          <a:xfrm>
+            <a:off x="6654800" y="4432300"/>
+            <a:ext cx="3124200" cy="307777"/>
+          </a:xfrm>
+          <a:prstGeom prst="rect">
+            <a:avLst/>
+          </a:prstGeom>
+          <a:noFill/>
+        </p:spPr>
+        <p:txBody>
+          <a:bodyPr wrap="square" rtlCol="0">
+            <a:spAutoFit/>
+          </a:bodyPr>
+          <a:lstStyle/>
+          <a:p>
+            <a:pPr algn="ctr"/>
+            <a:r>
+              <a:rPr lang="de-DE" sz="1400" dirty="0">
+                <a:latin typeface="Times" pitchFamily="2" charset="0"/>
+              </a:rPr>
+              <a:t>(b) </a:t>
+            </a:r>
+            <a:r>
+              <a:rPr lang="de-DE" sz="1400" dirty="0" err="1">
+                <a:latin typeface="Times" pitchFamily="2" charset="0"/>
+              </a:rPr>
+              <a:t>Effect</a:t>
+            </a:r>
+            <a:r>
+              <a:rPr lang="de-DE" sz="1400" dirty="0">
+                <a:latin typeface="Times" pitchFamily="2" charset="0"/>
+              </a:rPr>
+              <a:t> </a:t>
+            </a:r>
+            <a:r>
+              <a:rPr lang="de-DE" sz="1400" dirty="0" err="1">
+                <a:latin typeface="Times" pitchFamily="2" charset="0"/>
+              </a:rPr>
+              <a:t>of</a:t>
+            </a:r>
+            <a:r>
+              <a:rPr lang="de-DE" sz="1400" dirty="0">
+                <a:latin typeface="Times" pitchFamily="2" charset="0"/>
+              </a:rPr>
+              <a:t> </a:t>
+            </a:r>
+            <a:r>
+              <a:rPr lang="de-DE" sz="1400" dirty="0" err="1">
+                <a:latin typeface="Times" pitchFamily="2" charset="0"/>
+              </a:rPr>
+              <a:t>horizon</a:t>
+            </a:r>
+            <a:r>
+              <a:rPr lang="de-DE" sz="1400" dirty="0">
+                <a:latin typeface="Times" pitchFamily="2" charset="0"/>
+              </a:rPr>
+              <a:t> </a:t>
+            </a:r>
+            <a:r>
+              <a:rPr lang="de-DE" sz="1400" dirty="0" err="1">
+                <a:latin typeface="Times" pitchFamily="2" charset="0"/>
+              </a:rPr>
+              <a:t>to</a:t>
+            </a:r>
+            <a:r>
+              <a:rPr lang="de-DE" sz="1400" dirty="0">
+                <a:latin typeface="Times" pitchFamily="2" charset="0"/>
+              </a:rPr>
+              <a:t> </a:t>
+            </a:r>
+            <a:r>
+              <a:rPr lang="de-DE" sz="1400" dirty="0" err="1">
+                <a:latin typeface="Times" pitchFamily="2" charset="0"/>
+              </a:rPr>
+              <a:t>computation</a:t>
+            </a:r>
+            <a:r>
+              <a:rPr lang="de-DE" sz="1400" dirty="0">
+                <a:latin typeface="Times" pitchFamily="2" charset="0"/>
+              </a:rPr>
+              <a:t> time</a:t>
+            </a:r>
           </a:p>
         </p:txBody>
       </p:sp>
     </p:spTree>
     <p:extLst>
       <p:ext uri="{BB962C8B-B14F-4D97-AF65-F5344CB8AC3E}">
-        <p14:creationId xmlns:p14="http://schemas.microsoft.com/office/powerpoint/2010/main" val="2964272201"/>
+        <p14:creationId xmlns:p14="http://schemas.microsoft.com/office/powerpoint/2010/main" val="362430459"/>
       </p:ext>
     </p:extLst>
   </p:cSld>
